--- a/Report/Pictures/Pictures.pptx
+++ b/Report/Pictures/Pictures.pptx
@@ -8,14 +8,10 @@
     <p:sldId id="256" r:id="rId2"/>
     <p:sldId id="257" r:id="rId3"/>
     <p:sldId id="258" r:id="rId4"/>
-    <p:sldId id="259" r:id="rId5"/>
+    <p:sldId id="264" r:id="rId5"/>
     <p:sldId id="260" r:id="rId6"/>
-    <p:sldId id="261" r:id="rId7"/>
-    <p:sldId id="262" r:id="rId8"/>
-    <p:sldId id="263" r:id="rId9"/>
-    <p:sldId id="264" r:id="rId10"/>
-    <p:sldId id="265" r:id="rId11"/>
-    <p:sldId id="266" r:id="rId12"/>
+    <p:sldId id="265" r:id="rId7"/>
+    <p:sldId id="263" r:id="rId8"/>
   </p:sldIdLst>
   <p:sldSz cx="12192000" cy="6858000"/>
   <p:notesSz cx="6858000" cy="9144000"/>
@@ -114,6 +110,11 @@
       </a:defRPr>
     </a:lvl9pPr>
   </p:defaultTextStyle>
+  <p:extLst>
+    <p:ext uri="{EFAFB233-063F-42B5-8137-9DF3F51BA10A}">
+      <p15:sldGuideLst xmlns:p15="http://schemas.microsoft.com/office/powerpoint/2012/main"/>
+    </p:ext>
+  </p:extLst>
 </p:presentation>
 </file>
 
@@ -264,7 +265,7 @@
           <a:p>
             <a:fld id="{2D1B7895-1F1C-4B9A-88D5-22DBBA334E15}" type="datetimeFigureOut">
               <a:rPr lang="de-DE" smtClean="0"/>
-              <a:t>22.12.2021</a:t>
+              <a:t>13.02.2022</a:t>
             </a:fld>
             <a:endParaRPr lang="de-DE"/>
           </a:p>
@@ -462,7 +463,7 @@
           <a:p>
             <a:fld id="{2D1B7895-1F1C-4B9A-88D5-22DBBA334E15}" type="datetimeFigureOut">
               <a:rPr lang="de-DE" smtClean="0"/>
-              <a:t>22.12.2021</a:t>
+              <a:t>13.02.2022</a:t>
             </a:fld>
             <a:endParaRPr lang="de-DE"/>
           </a:p>
@@ -670,7 +671,7 @@
           <a:p>
             <a:fld id="{2D1B7895-1F1C-4B9A-88D5-22DBBA334E15}" type="datetimeFigureOut">
               <a:rPr lang="de-DE" smtClean="0"/>
-              <a:t>22.12.2021</a:t>
+              <a:t>13.02.2022</a:t>
             </a:fld>
             <a:endParaRPr lang="de-DE"/>
           </a:p>
@@ -868,7 +869,7 @@
           <a:p>
             <a:fld id="{2D1B7895-1F1C-4B9A-88D5-22DBBA334E15}" type="datetimeFigureOut">
               <a:rPr lang="de-DE" smtClean="0"/>
-              <a:t>22.12.2021</a:t>
+              <a:t>13.02.2022</a:t>
             </a:fld>
             <a:endParaRPr lang="de-DE"/>
           </a:p>
@@ -1143,7 +1144,7 @@
           <a:p>
             <a:fld id="{2D1B7895-1F1C-4B9A-88D5-22DBBA334E15}" type="datetimeFigureOut">
               <a:rPr lang="de-DE" smtClean="0"/>
-              <a:t>22.12.2021</a:t>
+              <a:t>13.02.2022</a:t>
             </a:fld>
             <a:endParaRPr lang="de-DE"/>
           </a:p>
@@ -1408,7 +1409,7 @@
           <a:p>
             <a:fld id="{2D1B7895-1F1C-4B9A-88D5-22DBBA334E15}" type="datetimeFigureOut">
               <a:rPr lang="de-DE" smtClean="0"/>
-              <a:t>22.12.2021</a:t>
+              <a:t>13.02.2022</a:t>
             </a:fld>
             <a:endParaRPr lang="de-DE"/>
           </a:p>
@@ -1820,7 +1821,7 @@
           <a:p>
             <a:fld id="{2D1B7895-1F1C-4B9A-88D5-22DBBA334E15}" type="datetimeFigureOut">
               <a:rPr lang="de-DE" smtClean="0"/>
-              <a:t>22.12.2021</a:t>
+              <a:t>13.02.2022</a:t>
             </a:fld>
             <a:endParaRPr lang="de-DE"/>
           </a:p>
@@ -1961,7 +1962,7 @@
           <a:p>
             <a:fld id="{2D1B7895-1F1C-4B9A-88D5-22DBBA334E15}" type="datetimeFigureOut">
               <a:rPr lang="de-DE" smtClean="0"/>
-              <a:t>22.12.2021</a:t>
+              <a:t>13.02.2022</a:t>
             </a:fld>
             <a:endParaRPr lang="de-DE"/>
           </a:p>
@@ -2074,7 +2075,7 @@
           <a:p>
             <a:fld id="{2D1B7895-1F1C-4B9A-88D5-22DBBA334E15}" type="datetimeFigureOut">
               <a:rPr lang="de-DE" smtClean="0"/>
-              <a:t>22.12.2021</a:t>
+              <a:t>13.02.2022</a:t>
             </a:fld>
             <a:endParaRPr lang="de-DE"/>
           </a:p>
@@ -2385,7 +2386,7 @@
           <a:p>
             <a:fld id="{2D1B7895-1F1C-4B9A-88D5-22DBBA334E15}" type="datetimeFigureOut">
               <a:rPr lang="de-DE" smtClean="0"/>
-              <a:t>22.12.2021</a:t>
+              <a:t>13.02.2022</a:t>
             </a:fld>
             <a:endParaRPr lang="de-DE"/>
           </a:p>
@@ -2673,7 +2674,7 @@
           <a:p>
             <a:fld id="{2D1B7895-1F1C-4B9A-88D5-22DBBA334E15}" type="datetimeFigureOut">
               <a:rPr lang="de-DE" smtClean="0"/>
-              <a:t>22.12.2021</a:t>
+              <a:t>13.02.2022</a:t>
             </a:fld>
             <a:endParaRPr lang="de-DE"/>
           </a:p>
@@ -2914,7 +2915,7 @@
           <a:p>
             <a:fld id="{2D1B7895-1F1C-4B9A-88D5-22DBBA334E15}" type="datetimeFigureOut">
               <a:rPr lang="de-DE" smtClean="0"/>
-              <a:t>22.12.2021</a:t>
+              <a:t>13.02.2022</a:t>
             </a:fld>
             <a:endParaRPr lang="de-DE"/>
           </a:p>
@@ -3398,1418 +3399,6 @@
 </p:sld>
 </file>
 
-<file path=ppt/slides/slide10.xml><?xml version="1.0" encoding="utf-8"?>
-<p:sld xmlns:a="http://schemas.openxmlformats.org/drawingml/2006/main" xmlns:r="http://schemas.openxmlformats.org/officeDocument/2006/relationships" xmlns:p="http://schemas.openxmlformats.org/presentationml/2006/main">
-  <p:cSld>
-    <p:spTree>
-      <p:nvGrpSpPr>
-        <p:cNvPr id="1" name=""/>
-        <p:cNvGrpSpPr/>
-        <p:nvPr/>
-      </p:nvGrpSpPr>
-      <p:grpSpPr>
-        <a:xfrm>
-          <a:off x="0" y="0"/>
-          <a:ext cx="0" cy="0"/>
-          <a:chOff x="0" y="0"/>
-          <a:chExt cx="0" cy="0"/>
-        </a:xfrm>
-      </p:grpSpPr>
-      <p:sp>
-        <p:nvSpPr>
-          <p:cNvPr id="2" name="Titel 1">
-            <a:extLst>
-              <a:ext uri="{FF2B5EF4-FFF2-40B4-BE49-F238E27FC236}">
-                <a16:creationId xmlns:a16="http://schemas.microsoft.com/office/drawing/2014/main" id="{CC3780CA-0B83-4266-A161-411569AB4807}"/>
-              </a:ext>
-            </a:extLst>
-          </p:cNvPr>
-          <p:cNvSpPr>
-            <a:spLocks noGrp="1"/>
-          </p:cNvSpPr>
-          <p:nvPr>
-            <p:ph type="title"/>
-          </p:nvPr>
-        </p:nvSpPr>
-        <p:spPr/>
-        <p:txBody>
-          <a:bodyPr/>
-          <a:lstStyle/>
-          <a:p>
-            <a:r>
-              <a:rPr lang="en-US" dirty="0"/>
-              <a:t>V Model Integration Test</a:t>
-            </a:r>
-            <a:endParaRPr lang="de-DE" dirty="0"/>
-          </a:p>
-        </p:txBody>
-      </p:sp>
-      <p:grpSp>
-        <p:nvGrpSpPr>
-          <p:cNvPr id="34" name="Gruppieren 33">
-            <a:extLst>
-              <a:ext uri="{FF2B5EF4-FFF2-40B4-BE49-F238E27FC236}">
-                <a16:creationId xmlns:a16="http://schemas.microsoft.com/office/drawing/2014/main" id="{A6C7C88E-9212-466F-90A5-B4DE443468DC}"/>
-              </a:ext>
-            </a:extLst>
-          </p:cNvPr>
-          <p:cNvGrpSpPr/>
-          <p:nvPr/>
-        </p:nvGrpSpPr>
-        <p:grpSpPr>
-          <a:xfrm>
-            <a:off x="1454095" y="1690688"/>
-            <a:ext cx="8841185" cy="4030042"/>
-            <a:chOff x="1177802" y="1688091"/>
-            <a:chExt cx="8841185" cy="4030042"/>
-          </a:xfrm>
-        </p:grpSpPr>
-        <p:sp>
-          <p:nvSpPr>
-            <p:cNvPr id="4" name="Rechteck: abgerundete Ecken 3">
-              <a:extLst>
-                <a:ext uri="{FF2B5EF4-FFF2-40B4-BE49-F238E27FC236}">
-                  <a16:creationId xmlns:a16="http://schemas.microsoft.com/office/drawing/2014/main" id="{EAC00E52-286E-435F-BB34-805F56714348}"/>
-                </a:ext>
-              </a:extLst>
-            </p:cNvPr>
-            <p:cNvSpPr/>
-            <p:nvPr/>
-          </p:nvSpPr>
-          <p:spPr>
-            <a:xfrm rot="2700000">
-              <a:off x="2656673" y="2759633"/>
-              <a:ext cx="2032253" cy="717262"/>
-            </a:xfrm>
-            <a:prstGeom prst="roundRect">
-              <a:avLst/>
-            </a:prstGeom>
-            <a:solidFill>
-              <a:schemeClr val="bg1">
-                <a:lumMod val="65000"/>
-              </a:schemeClr>
-            </a:solidFill>
-            <a:ln w="34925">
-              <a:solidFill>
-                <a:schemeClr val="bg1">
-                  <a:lumMod val="50000"/>
-                </a:schemeClr>
-              </a:solidFill>
-            </a:ln>
-          </p:spPr>
-          <p:style>
-            <a:lnRef idx="2">
-              <a:schemeClr val="accent1">
-                <a:shade val="50000"/>
-              </a:schemeClr>
-            </a:lnRef>
-            <a:fillRef idx="1">
-              <a:schemeClr val="accent1"/>
-            </a:fillRef>
-            <a:effectRef idx="0">
-              <a:schemeClr val="accent1"/>
-            </a:effectRef>
-            <a:fontRef idx="minor">
-              <a:schemeClr val="lt1"/>
-            </a:fontRef>
-          </p:style>
-          <p:txBody>
-            <a:bodyPr rtlCol="0" anchor="ctr"/>
-            <a:lstStyle/>
-            <a:p>
-              <a:pPr algn="ctr"/>
-              <a:r>
-                <a:rPr lang="en-US" dirty="0"/>
-                <a:t>Mil</a:t>
-              </a:r>
-              <a:endParaRPr lang="de-DE" dirty="0"/>
-            </a:p>
-          </p:txBody>
-        </p:sp>
-        <p:sp>
-          <p:nvSpPr>
-            <p:cNvPr id="11" name="Rechteck: abgerundete Ecken 10">
-              <a:extLst>
-                <a:ext uri="{FF2B5EF4-FFF2-40B4-BE49-F238E27FC236}">
-                  <a16:creationId xmlns:a16="http://schemas.microsoft.com/office/drawing/2014/main" id="{F5A996D1-F113-4673-894C-451963F6E703}"/>
-                </a:ext>
-              </a:extLst>
-            </p:cNvPr>
-            <p:cNvSpPr/>
-            <p:nvPr/>
-          </p:nvSpPr>
-          <p:spPr>
-            <a:xfrm rot="2700000">
-              <a:off x="4163955" y="4260585"/>
-              <a:ext cx="2032253" cy="717262"/>
-            </a:xfrm>
-            <a:prstGeom prst="roundRect">
-              <a:avLst/>
-            </a:prstGeom>
-            <a:solidFill>
-              <a:schemeClr val="bg1">
-                <a:lumMod val="65000"/>
-              </a:schemeClr>
-            </a:solidFill>
-            <a:ln w="34925">
-              <a:solidFill>
-                <a:schemeClr val="bg1">
-                  <a:lumMod val="50000"/>
-                </a:schemeClr>
-              </a:solidFill>
-            </a:ln>
-          </p:spPr>
-          <p:style>
-            <a:lnRef idx="2">
-              <a:schemeClr val="accent1">
-                <a:shade val="50000"/>
-              </a:schemeClr>
-            </a:lnRef>
-            <a:fillRef idx="1">
-              <a:schemeClr val="accent1"/>
-            </a:fillRef>
-            <a:effectRef idx="0">
-              <a:schemeClr val="accent1"/>
-            </a:effectRef>
-            <a:fontRef idx="minor">
-              <a:schemeClr val="lt1"/>
-            </a:fontRef>
-          </p:style>
-          <p:txBody>
-            <a:bodyPr rtlCol="0" anchor="ctr"/>
-            <a:lstStyle/>
-            <a:p>
-              <a:pPr algn="ctr"/>
-              <a:r>
-                <a:rPr lang="en-US" dirty="0"/>
-                <a:t>Sil</a:t>
-              </a:r>
-              <a:endParaRPr lang="de-DE" dirty="0"/>
-            </a:p>
-          </p:txBody>
-        </p:sp>
-        <p:sp>
-          <p:nvSpPr>
-            <p:cNvPr id="12" name="Rechteck: abgerundete Ecken 11">
-              <a:extLst>
-                <a:ext uri="{FF2B5EF4-FFF2-40B4-BE49-F238E27FC236}">
-                  <a16:creationId xmlns:a16="http://schemas.microsoft.com/office/drawing/2014/main" id="{25643424-C6E5-4E53-BF09-E6EDFC2C6720}"/>
-                </a:ext>
-              </a:extLst>
-            </p:cNvPr>
-            <p:cNvSpPr/>
-            <p:nvPr/>
-          </p:nvSpPr>
-          <p:spPr>
-            <a:xfrm rot="-2700000">
-              <a:off x="5522360" y="3235452"/>
-              <a:ext cx="3356375" cy="717262"/>
-            </a:xfrm>
-            <a:prstGeom prst="roundRect">
-              <a:avLst/>
-            </a:prstGeom>
-            <a:solidFill>
-              <a:schemeClr val="accent6">
-                <a:lumMod val="75000"/>
-              </a:schemeClr>
-            </a:solidFill>
-            <a:ln w="34925">
-              <a:solidFill>
-                <a:schemeClr val="bg1">
-                  <a:lumMod val="50000"/>
-                </a:schemeClr>
-              </a:solidFill>
-            </a:ln>
-          </p:spPr>
-          <p:style>
-            <a:lnRef idx="2">
-              <a:schemeClr val="accent1">
-                <a:shade val="50000"/>
-              </a:schemeClr>
-            </a:lnRef>
-            <a:fillRef idx="1">
-              <a:schemeClr val="accent1"/>
-            </a:fillRef>
-            <a:effectRef idx="0">
-              <a:schemeClr val="accent1"/>
-            </a:effectRef>
-            <a:fontRef idx="minor">
-              <a:schemeClr val="lt1"/>
-            </a:fontRef>
-          </p:style>
-          <p:txBody>
-            <a:bodyPr rtlCol="0" anchor="ctr"/>
-            <a:lstStyle/>
-            <a:p>
-              <a:pPr algn="ctr"/>
-              <a:r>
-                <a:rPr lang="en-US" dirty="0" err="1"/>
-                <a:t>HiL</a:t>
-              </a:r>
-              <a:endParaRPr lang="de-DE" dirty="0"/>
-            </a:p>
-          </p:txBody>
-        </p:sp>
-        <p:sp>
-          <p:nvSpPr>
-            <p:cNvPr id="15" name="Textfeld 14">
-              <a:extLst>
-                <a:ext uri="{FF2B5EF4-FFF2-40B4-BE49-F238E27FC236}">
-                  <a16:creationId xmlns:a16="http://schemas.microsoft.com/office/drawing/2014/main" id="{06C3CB72-97F7-4AA9-B328-886DCEC5D5F3}"/>
-                </a:ext>
-              </a:extLst>
-            </p:cNvPr>
-            <p:cNvSpPr txBox="1"/>
-            <p:nvPr/>
-          </p:nvSpPr>
-          <p:spPr>
-            <a:xfrm>
-              <a:off x="1177802" y="2896639"/>
-              <a:ext cx="1993260" cy="369332"/>
-            </a:xfrm>
-            <a:prstGeom prst="rect">
-              <a:avLst/>
-            </a:prstGeom>
-            <a:noFill/>
-          </p:spPr>
-          <p:txBody>
-            <a:bodyPr wrap="square" rtlCol="0">
-              <a:spAutoFit/>
-            </a:bodyPr>
-            <a:lstStyle/>
-            <a:p>
-              <a:pPr algn="ctr"/>
-              <a:r>
-                <a:rPr lang="en-US" dirty="0"/>
-                <a:t>Requirements</a:t>
-              </a:r>
-              <a:endParaRPr lang="de-DE" dirty="0"/>
-            </a:p>
-          </p:txBody>
-        </p:sp>
-        <p:sp>
-          <p:nvSpPr>
-            <p:cNvPr id="16" name="Textfeld 15">
-              <a:extLst>
-                <a:ext uri="{FF2B5EF4-FFF2-40B4-BE49-F238E27FC236}">
-                  <a16:creationId xmlns:a16="http://schemas.microsoft.com/office/drawing/2014/main" id="{AEC282E5-34C9-4A16-A2D9-60ED20617E50}"/>
-                </a:ext>
-              </a:extLst>
-            </p:cNvPr>
-            <p:cNvSpPr txBox="1"/>
-            <p:nvPr/>
-          </p:nvSpPr>
-          <p:spPr>
-            <a:xfrm>
-              <a:off x="1778044" y="3302698"/>
-              <a:ext cx="1993260" cy="646331"/>
-            </a:xfrm>
-            <a:prstGeom prst="rect">
-              <a:avLst/>
-            </a:prstGeom>
-            <a:noFill/>
-          </p:spPr>
-          <p:txBody>
-            <a:bodyPr wrap="square" rtlCol="0">
-              <a:spAutoFit/>
-            </a:bodyPr>
-            <a:lstStyle/>
-            <a:p>
-              <a:pPr algn="ctr"/>
-              <a:r>
-                <a:rPr lang="en-US" dirty="0"/>
-                <a:t>Logical Architecture</a:t>
-              </a:r>
-              <a:endParaRPr lang="de-DE" dirty="0"/>
-            </a:p>
-          </p:txBody>
-        </p:sp>
-        <p:sp>
-          <p:nvSpPr>
-            <p:cNvPr id="17" name="Textfeld 16">
-              <a:extLst>
-                <a:ext uri="{FF2B5EF4-FFF2-40B4-BE49-F238E27FC236}">
-                  <a16:creationId xmlns:a16="http://schemas.microsoft.com/office/drawing/2014/main" id="{498B57CE-AB24-4237-A77F-8D21D5400431}"/>
-                </a:ext>
-              </a:extLst>
-            </p:cNvPr>
-            <p:cNvSpPr txBox="1"/>
-            <p:nvPr/>
-          </p:nvSpPr>
-          <p:spPr>
-            <a:xfrm>
-              <a:off x="2542818" y="4272308"/>
-              <a:ext cx="1993260" cy="369332"/>
-            </a:xfrm>
-            <a:prstGeom prst="rect">
-              <a:avLst/>
-            </a:prstGeom>
-            <a:noFill/>
-          </p:spPr>
-          <p:txBody>
-            <a:bodyPr wrap="square" rtlCol="0">
-              <a:spAutoFit/>
-            </a:bodyPr>
-            <a:lstStyle/>
-            <a:p>
-              <a:pPr algn="ctr"/>
-              <a:r>
-                <a:rPr lang="en-US" dirty="0"/>
-                <a:t>System Design</a:t>
-              </a:r>
-              <a:endParaRPr lang="de-DE" dirty="0"/>
-            </a:p>
-          </p:txBody>
-        </p:sp>
-        <p:sp>
-          <p:nvSpPr>
-            <p:cNvPr id="18" name="Textfeld 17">
-              <a:extLst>
-                <a:ext uri="{FF2B5EF4-FFF2-40B4-BE49-F238E27FC236}">
-                  <a16:creationId xmlns:a16="http://schemas.microsoft.com/office/drawing/2014/main" id="{E4F75AB1-290C-4A05-A5D9-B2EDA56C1D3E}"/>
-                </a:ext>
-              </a:extLst>
-            </p:cNvPr>
-            <p:cNvSpPr txBox="1"/>
-            <p:nvPr/>
-          </p:nvSpPr>
-          <p:spPr>
-            <a:xfrm>
-              <a:off x="2983558" y="4685229"/>
-              <a:ext cx="1993260" cy="646331"/>
-            </a:xfrm>
-            <a:prstGeom prst="rect">
-              <a:avLst/>
-            </a:prstGeom>
-            <a:noFill/>
-          </p:spPr>
-          <p:txBody>
-            <a:bodyPr wrap="square" rtlCol="0">
-              <a:spAutoFit/>
-            </a:bodyPr>
-            <a:lstStyle/>
-            <a:p>
-              <a:pPr algn="ctr"/>
-              <a:r>
-                <a:rPr lang="en-US" dirty="0"/>
-                <a:t>Component </a:t>
-              </a:r>
-            </a:p>
-            <a:p>
-              <a:pPr algn="ctr"/>
-              <a:r>
-                <a:rPr lang="en-US" dirty="0"/>
-                <a:t>Design</a:t>
-              </a:r>
-              <a:endParaRPr lang="de-DE" dirty="0"/>
-            </a:p>
-          </p:txBody>
-        </p:sp>
-        <p:sp>
-          <p:nvSpPr>
-            <p:cNvPr id="19" name="Textfeld 18">
-              <a:extLst>
-                <a:ext uri="{FF2B5EF4-FFF2-40B4-BE49-F238E27FC236}">
-                  <a16:creationId xmlns:a16="http://schemas.microsoft.com/office/drawing/2014/main" id="{E16DAB7E-EE8E-41A8-9AA9-5212EE675BA8}"/>
-                </a:ext>
-              </a:extLst>
-            </p:cNvPr>
-            <p:cNvSpPr txBox="1"/>
-            <p:nvPr/>
-          </p:nvSpPr>
-          <p:spPr>
-            <a:xfrm>
-              <a:off x="3738066" y="5348801"/>
-              <a:ext cx="1993260" cy="369332"/>
-            </a:xfrm>
-            <a:prstGeom prst="rect">
-              <a:avLst/>
-            </a:prstGeom>
-            <a:noFill/>
-          </p:spPr>
-          <p:txBody>
-            <a:bodyPr wrap="square" rtlCol="0">
-              <a:spAutoFit/>
-            </a:bodyPr>
-            <a:lstStyle/>
-            <a:p>
-              <a:pPr algn="ctr"/>
-              <a:r>
-                <a:rPr lang="en-US" dirty="0"/>
-                <a:t>Implementation</a:t>
-              </a:r>
-              <a:endParaRPr lang="de-DE" dirty="0"/>
-            </a:p>
-          </p:txBody>
-        </p:sp>
-        <p:sp>
-          <p:nvSpPr>
-            <p:cNvPr id="22" name="Textfeld 21">
-              <a:extLst>
-                <a:ext uri="{FF2B5EF4-FFF2-40B4-BE49-F238E27FC236}">
-                  <a16:creationId xmlns:a16="http://schemas.microsoft.com/office/drawing/2014/main" id="{2FE07805-26D5-4E8D-9DF7-9B5AD20B69DD}"/>
-                </a:ext>
-              </a:extLst>
-            </p:cNvPr>
-            <p:cNvSpPr txBox="1"/>
-            <p:nvPr/>
-          </p:nvSpPr>
-          <p:spPr>
-            <a:xfrm>
-              <a:off x="6462765" y="4529336"/>
-              <a:ext cx="1993260" cy="369332"/>
-            </a:xfrm>
-            <a:prstGeom prst="rect">
-              <a:avLst/>
-            </a:prstGeom>
-            <a:noFill/>
-          </p:spPr>
-          <p:txBody>
-            <a:bodyPr wrap="square" rtlCol="0">
-              <a:spAutoFit/>
-            </a:bodyPr>
-            <a:lstStyle/>
-            <a:p>
-              <a:pPr algn="ctr"/>
-              <a:r>
-                <a:rPr lang="en-US" dirty="0"/>
-                <a:t>Component Test</a:t>
-              </a:r>
-              <a:endParaRPr lang="de-DE" dirty="0"/>
-            </a:p>
-          </p:txBody>
-        </p:sp>
-        <p:sp>
-          <p:nvSpPr>
-            <p:cNvPr id="23" name="Textfeld 22">
-              <a:extLst>
-                <a:ext uri="{FF2B5EF4-FFF2-40B4-BE49-F238E27FC236}">
-                  <a16:creationId xmlns:a16="http://schemas.microsoft.com/office/drawing/2014/main" id="{F9FEA2E6-54C6-4823-A520-DD46DDA3BA28}"/>
-                </a:ext>
-              </a:extLst>
-            </p:cNvPr>
-            <p:cNvSpPr txBox="1"/>
-            <p:nvPr/>
-          </p:nvSpPr>
-          <p:spPr>
-            <a:xfrm>
-              <a:off x="6871215" y="3972351"/>
-              <a:ext cx="1993260" cy="369332"/>
-            </a:xfrm>
-            <a:prstGeom prst="rect">
-              <a:avLst/>
-            </a:prstGeom>
-            <a:noFill/>
-          </p:spPr>
-          <p:txBody>
-            <a:bodyPr wrap="square" rtlCol="0">
-              <a:spAutoFit/>
-            </a:bodyPr>
-            <a:lstStyle/>
-            <a:p>
-              <a:pPr algn="ctr"/>
-              <a:r>
-                <a:rPr lang="en-US" dirty="0"/>
-                <a:t>System Test</a:t>
-              </a:r>
-              <a:endParaRPr lang="de-DE" dirty="0"/>
-            </a:p>
-          </p:txBody>
-        </p:sp>
-        <p:sp>
-          <p:nvSpPr>
-            <p:cNvPr id="24" name="Textfeld 23">
-              <a:extLst>
-                <a:ext uri="{FF2B5EF4-FFF2-40B4-BE49-F238E27FC236}">
-                  <a16:creationId xmlns:a16="http://schemas.microsoft.com/office/drawing/2014/main" id="{45C4ECF8-36C4-4631-9E23-7CB1CB2B3E95}"/>
-                </a:ext>
-              </a:extLst>
-            </p:cNvPr>
-            <p:cNvSpPr txBox="1"/>
-            <p:nvPr/>
-          </p:nvSpPr>
-          <p:spPr>
-            <a:xfrm>
-              <a:off x="7532333" y="3415366"/>
-              <a:ext cx="1993260" cy="369332"/>
-            </a:xfrm>
-            <a:prstGeom prst="rect">
-              <a:avLst/>
-            </a:prstGeom>
-            <a:noFill/>
-          </p:spPr>
-          <p:txBody>
-            <a:bodyPr wrap="square" rtlCol="0">
-              <a:spAutoFit/>
-            </a:bodyPr>
-            <a:lstStyle/>
-            <a:p>
-              <a:pPr algn="ctr"/>
-              <a:r>
-                <a:rPr lang="en-US" dirty="0">
-                  <a:solidFill>
-                    <a:schemeClr val="accent6">
-                      <a:lumMod val="75000"/>
-                    </a:schemeClr>
-                  </a:solidFill>
-                </a:rPr>
-                <a:t>Integration Test</a:t>
-              </a:r>
-              <a:endParaRPr lang="de-DE" dirty="0">
-                <a:solidFill>
-                  <a:schemeClr val="accent6">
-                    <a:lumMod val="75000"/>
-                  </a:schemeClr>
-                </a:solidFill>
-              </a:endParaRPr>
-            </a:p>
-          </p:txBody>
-        </p:sp>
-        <p:sp>
-          <p:nvSpPr>
-            <p:cNvPr id="25" name="Textfeld 24">
-              <a:extLst>
-                <a:ext uri="{FF2B5EF4-FFF2-40B4-BE49-F238E27FC236}">
-                  <a16:creationId xmlns:a16="http://schemas.microsoft.com/office/drawing/2014/main" id="{52C2A5DD-921B-468C-AD18-B3C6134DFBDC}"/>
-                </a:ext>
-              </a:extLst>
-            </p:cNvPr>
-            <p:cNvSpPr txBox="1"/>
-            <p:nvPr/>
-          </p:nvSpPr>
-          <p:spPr>
-            <a:xfrm>
-              <a:off x="8025727" y="2857010"/>
-              <a:ext cx="1993260" cy="369332"/>
-            </a:xfrm>
-            <a:prstGeom prst="rect">
-              <a:avLst/>
-            </a:prstGeom>
-            <a:noFill/>
-          </p:spPr>
-          <p:txBody>
-            <a:bodyPr wrap="square" rtlCol="0">
-              <a:spAutoFit/>
-            </a:bodyPr>
-            <a:lstStyle/>
-            <a:p>
-              <a:pPr algn="ctr"/>
-              <a:r>
-                <a:rPr lang="en-US" dirty="0"/>
-                <a:t>Qualification</a:t>
-              </a:r>
-              <a:endParaRPr lang="de-DE" dirty="0"/>
-            </a:p>
-          </p:txBody>
-        </p:sp>
-        <p:cxnSp>
-          <p:nvCxnSpPr>
-            <p:cNvPr id="27" name="Gerade Verbindung mit Pfeil 26">
-              <a:extLst>
-                <a:ext uri="{FF2B5EF4-FFF2-40B4-BE49-F238E27FC236}">
-                  <a16:creationId xmlns:a16="http://schemas.microsoft.com/office/drawing/2014/main" id="{35A48110-7E76-4EA6-8BB2-84459347D9FF}"/>
-                </a:ext>
-              </a:extLst>
-            </p:cNvPr>
-            <p:cNvCxnSpPr>
-              <a:cxnSpLocks/>
-            </p:cNvCxnSpPr>
-            <p:nvPr/>
-          </p:nvCxnSpPr>
-          <p:spPr>
-            <a:xfrm rot="2700000">
-              <a:off x="2897140" y="3272091"/>
-              <a:ext cx="3168000" cy="0"/>
-            </a:xfrm>
-            <a:prstGeom prst="straightConnector1">
-              <a:avLst/>
-            </a:prstGeom>
-            <a:ln w="38100">
-              <a:solidFill>
-                <a:srgbClr val="C00000"/>
-              </a:solidFill>
-              <a:tailEnd type="triangle"/>
-            </a:ln>
-          </p:spPr>
-          <p:style>
-            <a:lnRef idx="1">
-              <a:schemeClr val="accent1"/>
-            </a:lnRef>
-            <a:fillRef idx="0">
-              <a:schemeClr val="accent1"/>
-            </a:fillRef>
-            <a:effectRef idx="0">
-              <a:schemeClr val="accent1"/>
-            </a:effectRef>
-            <a:fontRef idx="minor">
-              <a:schemeClr val="tx1"/>
-            </a:fontRef>
-          </p:style>
-        </p:cxnSp>
-        <p:cxnSp>
-          <p:nvCxnSpPr>
-            <p:cNvPr id="28" name="Gerade Verbindung mit Pfeil 27">
-              <a:extLst>
-                <a:ext uri="{FF2B5EF4-FFF2-40B4-BE49-F238E27FC236}">
-                  <a16:creationId xmlns:a16="http://schemas.microsoft.com/office/drawing/2014/main" id="{FA6BDB8E-DC91-4D15-BBEF-193EE35BB1DE}"/>
-                </a:ext>
-              </a:extLst>
-            </p:cNvPr>
-            <p:cNvCxnSpPr>
-              <a:cxnSpLocks/>
-            </p:cNvCxnSpPr>
-            <p:nvPr/>
-          </p:nvCxnSpPr>
-          <p:spPr>
-            <a:xfrm rot="-2700000" flipV="1">
-              <a:off x="5342985" y="3300870"/>
-              <a:ext cx="2988000" cy="0"/>
-            </a:xfrm>
-            <a:prstGeom prst="straightConnector1">
-              <a:avLst/>
-            </a:prstGeom>
-            <a:ln w="38100">
-              <a:solidFill>
-                <a:srgbClr val="C00000"/>
-              </a:solidFill>
-              <a:tailEnd type="triangle"/>
-            </a:ln>
-          </p:spPr>
-          <p:style>
-            <a:lnRef idx="1">
-              <a:schemeClr val="accent1"/>
-            </a:lnRef>
-            <a:fillRef idx="0">
-              <a:schemeClr val="accent1"/>
-            </a:fillRef>
-            <a:effectRef idx="0">
-              <a:schemeClr val="accent1"/>
-            </a:effectRef>
-            <a:fontRef idx="minor">
-              <a:schemeClr val="tx1"/>
-            </a:fontRef>
-          </p:style>
-        </p:cxnSp>
-      </p:grpSp>
-    </p:spTree>
-    <p:extLst>
-      <p:ext uri="{BB962C8B-B14F-4D97-AF65-F5344CB8AC3E}">
-        <p14:creationId xmlns:p14="http://schemas.microsoft.com/office/powerpoint/2010/main" val="2887178927"/>
-      </p:ext>
-    </p:extLst>
-  </p:cSld>
-  <p:clrMapOvr>
-    <a:masterClrMapping/>
-  </p:clrMapOvr>
-</p:sld>
-</file>
-
-<file path=ppt/slides/slide11.xml><?xml version="1.0" encoding="utf-8"?>
-<p:sld xmlns:a="http://schemas.openxmlformats.org/drawingml/2006/main" xmlns:r="http://schemas.openxmlformats.org/officeDocument/2006/relationships" xmlns:p="http://schemas.openxmlformats.org/presentationml/2006/main">
-  <p:cSld>
-    <p:spTree>
-      <p:nvGrpSpPr>
-        <p:cNvPr id="1" name=""/>
-        <p:cNvGrpSpPr/>
-        <p:nvPr/>
-      </p:nvGrpSpPr>
-      <p:grpSpPr>
-        <a:xfrm>
-          <a:off x="0" y="0"/>
-          <a:ext cx="0" cy="0"/>
-          <a:chOff x="0" y="0"/>
-          <a:chExt cx="0" cy="0"/>
-        </a:xfrm>
-      </p:grpSpPr>
-      <p:sp>
-        <p:nvSpPr>
-          <p:cNvPr id="2" name="Titel 1">
-            <a:extLst>
-              <a:ext uri="{FF2B5EF4-FFF2-40B4-BE49-F238E27FC236}">
-                <a16:creationId xmlns:a16="http://schemas.microsoft.com/office/drawing/2014/main" id="{CC3780CA-0B83-4266-A161-411569AB4807}"/>
-              </a:ext>
-            </a:extLst>
-          </p:cNvPr>
-          <p:cNvSpPr>
-            <a:spLocks noGrp="1"/>
-          </p:cNvSpPr>
-          <p:nvPr>
-            <p:ph type="title"/>
-          </p:nvPr>
-        </p:nvSpPr>
-        <p:spPr/>
-        <p:txBody>
-          <a:bodyPr/>
-          <a:lstStyle/>
-          <a:p>
-            <a:r>
-              <a:rPr lang="en-US" dirty="0"/>
-              <a:t>V Model Qualification</a:t>
-            </a:r>
-            <a:endParaRPr lang="de-DE" dirty="0"/>
-          </a:p>
-        </p:txBody>
-      </p:sp>
-      <p:grpSp>
-        <p:nvGrpSpPr>
-          <p:cNvPr id="34" name="Gruppieren 33">
-            <a:extLst>
-              <a:ext uri="{FF2B5EF4-FFF2-40B4-BE49-F238E27FC236}">
-                <a16:creationId xmlns:a16="http://schemas.microsoft.com/office/drawing/2014/main" id="{A6C7C88E-9212-466F-90A5-B4DE443468DC}"/>
-              </a:ext>
-            </a:extLst>
-          </p:cNvPr>
-          <p:cNvGrpSpPr/>
-          <p:nvPr/>
-        </p:nvGrpSpPr>
-        <p:grpSpPr>
-          <a:xfrm>
-            <a:off x="1454095" y="1690688"/>
-            <a:ext cx="8841185" cy="4030042"/>
-            <a:chOff x="1177802" y="1688091"/>
-            <a:chExt cx="8841185" cy="4030042"/>
-          </a:xfrm>
-        </p:grpSpPr>
-        <p:sp>
-          <p:nvSpPr>
-            <p:cNvPr id="4" name="Rechteck: abgerundete Ecken 3">
-              <a:extLst>
-                <a:ext uri="{FF2B5EF4-FFF2-40B4-BE49-F238E27FC236}">
-                  <a16:creationId xmlns:a16="http://schemas.microsoft.com/office/drawing/2014/main" id="{EAC00E52-286E-435F-BB34-805F56714348}"/>
-                </a:ext>
-              </a:extLst>
-            </p:cNvPr>
-            <p:cNvSpPr/>
-            <p:nvPr/>
-          </p:nvSpPr>
-          <p:spPr>
-            <a:xfrm rot="2700000">
-              <a:off x="2656673" y="2759633"/>
-              <a:ext cx="2032253" cy="717262"/>
-            </a:xfrm>
-            <a:prstGeom prst="roundRect">
-              <a:avLst/>
-            </a:prstGeom>
-            <a:solidFill>
-              <a:schemeClr val="bg1">
-                <a:lumMod val="65000"/>
-              </a:schemeClr>
-            </a:solidFill>
-            <a:ln w="34925">
-              <a:solidFill>
-                <a:schemeClr val="bg1">
-                  <a:lumMod val="50000"/>
-                </a:schemeClr>
-              </a:solidFill>
-            </a:ln>
-          </p:spPr>
-          <p:style>
-            <a:lnRef idx="2">
-              <a:schemeClr val="accent1">
-                <a:shade val="50000"/>
-              </a:schemeClr>
-            </a:lnRef>
-            <a:fillRef idx="1">
-              <a:schemeClr val="accent1"/>
-            </a:fillRef>
-            <a:effectRef idx="0">
-              <a:schemeClr val="accent1"/>
-            </a:effectRef>
-            <a:fontRef idx="minor">
-              <a:schemeClr val="lt1"/>
-            </a:fontRef>
-          </p:style>
-          <p:txBody>
-            <a:bodyPr rtlCol="0" anchor="ctr"/>
-            <a:lstStyle/>
-            <a:p>
-              <a:pPr algn="ctr"/>
-              <a:r>
-                <a:rPr lang="en-US" dirty="0"/>
-                <a:t>Mil</a:t>
-              </a:r>
-              <a:endParaRPr lang="de-DE" dirty="0"/>
-            </a:p>
-          </p:txBody>
-        </p:sp>
-        <p:sp>
-          <p:nvSpPr>
-            <p:cNvPr id="11" name="Rechteck: abgerundete Ecken 10">
-              <a:extLst>
-                <a:ext uri="{FF2B5EF4-FFF2-40B4-BE49-F238E27FC236}">
-                  <a16:creationId xmlns:a16="http://schemas.microsoft.com/office/drawing/2014/main" id="{F5A996D1-F113-4673-894C-451963F6E703}"/>
-                </a:ext>
-              </a:extLst>
-            </p:cNvPr>
-            <p:cNvSpPr/>
-            <p:nvPr/>
-          </p:nvSpPr>
-          <p:spPr>
-            <a:xfrm rot="2700000">
-              <a:off x="4163955" y="4260585"/>
-              <a:ext cx="2032253" cy="717262"/>
-            </a:xfrm>
-            <a:prstGeom prst="roundRect">
-              <a:avLst/>
-            </a:prstGeom>
-            <a:solidFill>
-              <a:schemeClr val="bg1">
-                <a:lumMod val="65000"/>
-              </a:schemeClr>
-            </a:solidFill>
-            <a:ln w="34925">
-              <a:solidFill>
-                <a:schemeClr val="bg1">
-                  <a:lumMod val="50000"/>
-                </a:schemeClr>
-              </a:solidFill>
-            </a:ln>
-          </p:spPr>
-          <p:style>
-            <a:lnRef idx="2">
-              <a:schemeClr val="accent1">
-                <a:shade val="50000"/>
-              </a:schemeClr>
-            </a:lnRef>
-            <a:fillRef idx="1">
-              <a:schemeClr val="accent1"/>
-            </a:fillRef>
-            <a:effectRef idx="0">
-              <a:schemeClr val="accent1"/>
-            </a:effectRef>
-            <a:fontRef idx="minor">
-              <a:schemeClr val="lt1"/>
-            </a:fontRef>
-          </p:style>
-          <p:txBody>
-            <a:bodyPr rtlCol="0" anchor="ctr"/>
-            <a:lstStyle/>
-            <a:p>
-              <a:pPr algn="ctr"/>
-              <a:r>
-                <a:rPr lang="en-US" dirty="0"/>
-                <a:t>Sil</a:t>
-              </a:r>
-              <a:endParaRPr lang="de-DE" dirty="0"/>
-            </a:p>
-          </p:txBody>
-        </p:sp>
-        <p:sp>
-          <p:nvSpPr>
-            <p:cNvPr id="12" name="Rechteck: abgerundete Ecken 11">
-              <a:extLst>
-                <a:ext uri="{FF2B5EF4-FFF2-40B4-BE49-F238E27FC236}">
-                  <a16:creationId xmlns:a16="http://schemas.microsoft.com/office/drawing/2014/main" id="{25643424-C6E5-4E53-BF09-E6EDFC2C6720}"/>
-                </a:ext>
-              </a:extLst>
-            </p:cNvPr>
-            <p:cNvSpPr/>
-            <p:nvPr/>
-          </p:nvSpPr>
-          <p:spPr>
-            <a:xfrm rot="-2700000">
-              <a:off x="5522360" y="3235452"/>
-              <a:ext cx="3356375" cy="717262"/>
-            </a:xfrm>
-            <a:prstGeom prst="roundRect">
-              <a:avLst/>
-            </a:prstGeom>
-            <a:solidFill>
-              <a:schemeClr val="accent6">
-                <a:lumMod val="75000"/>
-              </a:schemeClr>
-            </a:solidFill>
-            <a:ln w="34925">
-              <a:solidFill>
-                <a:schemeClr val="bg1">
-                  <a:lumMod val="50000"/>
-                </a:schemeClr>
-              </a:solidFill>
-            </a:ln>
-          </p:spPr>
-          <p:style>
-            <a:lnRef idx="2">
-              <a:schemeClr val="accent1">
-                <a:shade val="50000"/>
-              </a:schemeClr>
-            </a:lnRef>
-            <a:fillRef idx="1">
-              <a:schemeClr val="accent1"/>
-            </a:fillRef>
-            <a:effectRef idx="0">
-              <a:schemeClr val="accent1"/>
-            </a:effectRef>
-            <a:fontRef idx="minor">
-              <a:schemeClr val="lt1"/>
-            </a:fontRef>
-          </p:style>
-          <p:txBody>
-            <a:bodyPr rtlCol="0" anchor="ctr"/>
-            <a:lstStyle/>
-            <a:p>
-              <a:pPr algn="ctr"/>
-              <a:r>
-                <a:rPr lang="en-US" dirty="0" err="1"/>
-                <a:t>HiL</a:t>
-              </a:r>
-              <a:endParaRPr lang="de-DE" dirty="0"/>
-            </a:p>
-          </p:txBody>
-        </p:sp>
-        <p:sp>
-          <p:nvSpPr>
-            <p:cNvPr id="15" name="Textfeld 14">
-              <a:extLst>
-                <a:ext uri="{FF2B5EF4-FFF2-40B4-BE49-F238E27FC236}">
-                  <a16:creationId xmlns:a16="http://schemas.microsoft.com/office/drawing/2014/main" id="{06C3CB72-97F7-4AA9-B328-886DCEC5D5F3}"/>
-                </a:ext>
-              </a:extLst>
-            </p:cNvPr>
-            <p:cNvSpPr txBox="1"/>
-            <p:nvPr/>
-          </p:nvSpPr>
-          <p:spPr>
-            <a:xfrm>
-              <a:off x="1177802" y="2896639"/>
-              <a:ext cx="1993260" cy="369332"/>
-            </a:xfrm>
-            <a:prstGeom prst="rect">
-              <a:avLst/>
-            </a:prstGeom>
-            <a:noFill/>
-          </p:spPr>
-          <p:txBody>
-            <a:bodyPr wrap="square" rtlCol="0">
-              <a:spAutoFit/>
-            </a:bodyPr>
-            <a:lstStyle/>
-            <a:p>
-              <a:pPr algn="ctr"/>
-              <a:r>
-                <a:rPr lang="en-US" dirty="0"/>
-                <a:t>Requirements</a:t>
-              </a:r>
-              <a:endParaRPr lang="de-DE" dirty="0"/>
-            </a:p>
-          </p:txBody>
-        </p:sp>
-        <p:sp>
-          <p:nvSpPr>
-            <p:cNvPr id="16" name="Textfeld 15">
-              <a:extLst>
-                <a:ext uri="{FF2B5EF4-FFF2-40B4-BE49-F238E27FC236}">
-                  <a16:creationId xmlns:a16="http://schemas.microsoft.com/office/drawing/2014/main" id="{AEC282E5-34C9-4A16-A2D9-60ED20617E50}"/>
-                </a:ext>
-              </a:extLst>
-            </p:cNvPr>
-            <p:cNvSpPr txBox="1"/>
-            <p:nvPr/>
-          </p:nvSpPr>
-          <p:spPr>
-            <a:xfrm>
-              <a:off x="1778044" y="3302698"/>
-              <a:ext cx="1993260" cy="646331"/>
-            </a:xfrm>
-            <a:prstGeom prst="rect">
-              <a:avLst/>
-            </a:prstGeom>
-            <a:noFill/>
-          </p:spPr>
-          <p:txBody>
-            <a:bodyPr wrap="square" rtlCol="0">
-              <a:spAutoFit/>
-            </a:bodyPr>
-            <a:lstStyle/>
-            <a:p>
-              <a:pPr algn="ctr"/>
-              <a:r>
-                <a:rPr lang="en-US" dirty="0"/>
-                <a:t>Logical Architecture</a:t>
-              </a:r>
-              <a:endParaRPr lang="de-DE" dirty="0"/>
-            </a:p>
-          </p:txBody>
-        </p:sp>
-        <p:sp>
-          <p:nvSpPr>
-            <p:cNvPr id="17" name="Textfeld 16">
-              <a:extLst>
-                <a:ext uri="{FF2B5EF4-FFF2-40B4-BE49-F238E27FC236}">
-                  <a16:creationId xmlns:a16="http://schemas.microsoft.com/office/drawing/2014/main" id="{498B57CE-AB24-4237-A77F-8D21D5400431}"/>
-                </a:ext>
-              </a:extLst>
-            </p:cNvPr>
-            <p:cNvSpPr txBox="1"/>
-            <p:nvPr/>
-          </p:nvSpPr>
-          <p:spPr>
-            <a:xfrm>
-              <a:off x="2542818" y="4272308"/>
-              <a:ext cx="1993260" cy="369332"/>
-            </a:xfrm>
-            <a:prstGeom prst="rect">
-              <a:avLst/>
-            </a:prstGeom>
-            <a:noFill/>
-          </p:spPr>
-          <p:txBody>
-            <a:bodyPr wrap="square" rtlCol="0">
-              <a:spAutoFit/>
-            </a:bodyPr>
-            <a:lstStyle/>
-            <a:p>
-              <a:pPr algn="ctr"/>
-              <a:r>
-                <a:rPr lang="en-US" dirty="0"/>
-                <a:t>System Design</a:t>
-              </a:r>
-              <a:endParaRPr lang="de-DE" dirty="0"/>
-            </a:p>
-          </p:txBody>
-        </p:sp>
-        <p:sp>
-          <p:nvSpPr>
-            <p:cNvPr id="18" name="Textfeld 17">
-              <a:extLst>
-                <a:ext uri="{FF2B5EF4-FFF2-40B4-BE49-F238E27FC236}">
-                  <a16:creationId xmlns:a16="http://schemas.microsoft.com/office/drawing/2014/main" id="{E4F75AB1-290C-4A05-A5D9-B2EDA56C1D3E}"/>
-                </a:ext>
-              </a:extLst>
-            </p:cNvPr>
-            <p:cNvSpPr txBox="1"/>
-            <p:nvPr/>
-          </p:nvSpPr>
-          <p:spPr>
-            <a:xfrm>
-              <a:off x="2983558" y="4685229"/>
-              <a:ext cx="1993260" cy="646331"/>
-            </a:xfrm>
-            <a:prstGeom prst="rect">
-              <a:avLst/>
-            </a:prstGeom>
-            <a:noFill/>
-          </p:spPr>
-          <p:txBody>
-            <a:bodyPr wrap="square" rtlCol="0">
-              <a:spAutoFit/>
-            </a:bodyPr>
-            <a:lstStyle/>
-            <a:p>
-              <a:pPr algn="ctr"/>
-              <a:r>
-                <a:rPr lang="en-US" dirty="0"/>
-                <a:t>Component </a:t>
-              </a:r>
-            </a:p>
-            <a:p>
-              <a:pPr algn="ctr"/>
-              <a:r>
-                <a:rPr lang="en-US" dirty="0"/>
-                <a:t>Design</a:t>
-              </a:r>
-              <a:endParaRPr lang="de-DE" dirty="0"/>
-            </a:p>
-          </p:txBody>
-        </p:sp>
-        <p:sp>
-          <p:nvSpPr>
-            <p:cNvPr id="19" name="Textfeld 18">
-              <a:extLst>
-                <a:ext uri="{FF2B5EF4-FFF2-40B4-BE49-F238E27FC236}">
-                  <a16:creationId xmlns:a16="http://schemas.microsoft.com/office/drawing/2014/main" id="{E16DAB7E-EE8E-41A8-9AA9-5212EE675BA8}"/>
-                </a:ext>
-              </a:extLst>
-            </p:cNvPr>
-            <p:cNvSpPr txBox="1"/>
-            <p:nvPr/>
-          </p:nvSpPr>
-          <p:spPr>
-            <a:xfrm>
-              <a:off x="3738066" y="5348801"/>
-              <a:ext cx="1993260" cy="369332"/>
-            </a:xfrm>
-            <a:prstGeom prst="rect">
-              <a:avLst/>
-            </a:prstGeom>
-            <a:noFill/>
-          </p:spPr>
-          <p:txBody>
-            <a:bodyPr wrap="square" rtlCol="0">
-              <a:spAutoFit/>
-            </a:bodyPr>
-            <a:lstStyle/>
-            <a:p>
-              <a:pPr algn="ctr"/>
-              <a:r>
-                <a:rPr lang="en-US" dirty="0"/>
-                <a:t>Implementation</a:t>
-              </a:r>
-              <a:endParaRPr lang="de-DE" dirty="0"/>
-            </a:p>
-          </p:txBody>
-        </p:sp>
-        <p:sp>
-          <p:nvSpPr>
-            <p:cNvPr id="22" name="Textfeld 21">
-              <a:extLst>
-                <a:ext uri="{FF2B5EF4-FFF2-40B4-BE49-F238E27FC236}">
-                  <a16:creationId xmlns:a16="http://schemas.microsoft.com/office/drawing/2014/main" id="{2FE07805-26D5-4E8D-9DF7-9B5AD20B69DD}"/>
-                </a:ext>
-              </a:extLst>
-            </p:cNvPr>
-            <p:cNvSpPr txBox="1"/>
-            <p:nvPr/>
-          </p:nvSpPr>
-          <p:spPr>
-            <a:xfrm>
-              <a:off x="6462765" y="4529336"/>
-              <a:ext cx="1993260" cy="369332"/>
-            </a:xfrm>
-            <a:prstGeom prst="rect">
-              <a:avLst/>
-            </a:prstGeom>
-            <a:noFill/>
-          </p:spPr>
-          <p:txBody>
-            <a:bodyPr wrap="square" rtlCol="0">
-              <a:spAutoFit/>
-            </a:bodyPr>
-            <a:lstStyle/>
-            <a:p>
-              <a:pPr algn="ctr"/>
-              <a:r>
-                <a:rPr lang="en-US" dirty="0"/>
-                <a:t>Component Test</a:t>
-              </a:r>
-              <a:endParaRPr lang="de-DE" dirty="0"/>
-            </a:p>
-          </p:txBody>
-        </p:sp>
-        <p:sp>
-          <p:nvSpPr>
-            <p:cNvPr id="23" name="Textfeld 22">
-              <a:extLst>
-                <a:ext uri="{FF2B5EF4-FFF2-40B4-BE49-F238E27FC236}">
-                  <a16:creationId xmlns:a16="http://schemas.microsoft.com/office/drawing/2014/main" id="{F9FEA2E6-54C6-4823-A520-DD46DDA3BA28}"/>
-                </a:ext>
-              </a:extLst>
-            </p:cNvPr>
-            <p:cNvSpPr txBox="1"/>
-            <p:nvPr/>
-          </p:nvSpPr>
-          <p:spPr>
-            <a:xfrm>
-              <a:off x="6871215" y="3972351"/>
-              <a:ext cx="1993260" cy="369332"/>
-            </a:xfrm>
-            <a:prstGeom prst="rect">
-              <a:avLst/>
-            </a:prstGeom>
-            <a:noFill/>
-          </p:spPr>
-          <p:txBody>
-            <a:bodyPr wrap="square" rtlCol="0">
-              <a:spAutoFit/>
-            </a:bodyPr>
-            <a:lstStyle/>
-            <a:p>
-              <a:pPr algn="ctr"/>
-              <a:r>
-                <a:rPr lang="en-US" dirty="0"/>
-                <a:t>System Test</a:t>
-              </a:r>
-              <a:endParaRPr lang="de-DE" dirty="0"/>
-            </a:p>
-          </p:txBody>
-        </p:sp>
-        <p:sp>
-          <p:nvSpPr>
-            <p:cNvPr id="24" name="Textfeld 23">
-              <a:extLst>
-                <a:ext uri="{FF2B5EF4-FFF2-40B4-BE49-F238E27FC236}">
-                  <a16:creationId xmlns:a16="http://schemas.microsoft.com/office/drawing/2014/main" id="{45C4ECF8-36C4-4631-9E23-7CB1CB2B3E95}"/>
-                </a:ext>
-              </a:extLst>
-            </p:cNvPr>
-            <p:cNvSpPr txBox="1"/>
-            <p:nvPr/>
-          </p:nvSpPr>
-          <p:spPr>
-            <a:xfrm>
-              <a:off x="7532333" y="3415366"/>
-              <a:ext cx="1993260" cy="369332"/>
-            </a:xfrm>
-            <a:prstGeom prst="rect">
-              <a:avLst/>
-            </a:prstGeom>
-            <a:noFill/>
-          </p:spPr>
-          <p:txBody>
-            <a:bodyPr wrap="square" rtlCol="0">
-              <a:spAutoFit/>
-            </a:bodyPr>
-            <a:lstStyle/>
-            <a:p>
-              <a:pPr algn="ctr"/>
-              <a:r>
-                <a:rPr lang="en-US" dirty="0"/>
-                <a:t>Integration Test</a:t>
-              </a:r>
-              <a:endParaRPr lang="de-DE" dirty="0"/>
-            </a:p>
-          </p:txBody>
-        </p:sp>
-        <p:sp>
-          <p:nvSpPr>
-            <p:cNvPr id="25" name="Textfeld 24">
-              <a:extLst>
-                <a:ext uri="{FF2B5EF4-FFF2-40B4-BE49-F238E27FC236}">
-                  <a16:creationId xmlns:a16="http://schemas.microsoft.com/office/drawing/2014/main" id="{52C2A5DD-921B-468C-AD18-B3C6134DFBDC}"/>
-                </a:ext>
-              </a:extLst>
-            </p:cNvPr>
-            <p:cNvSpPr txBox="1"/>
-            <p:nvPr/>
-          </p:nvSpPr>
-          <p:spPr>
-            <a:xfrm>
-              <a:off x="8025727" y="2857010"/>
-              <a:ext cx="1993260" cy="369332"/>
-            </a:xfrm>
-            <a:prstGeom prst="rect">
-              <a:avLst/>
-            </a:prstGeom>
-            <a:noFill/>
-          </p:spPr>
-          <p:txBody>
-            <a:bodyPr wrap="square" rtlCol="0">
-              <a:spAutoFit/>
-            </a:bodyPr>
-            <a:lstStyle/>
-            <a:p>
-              <a:pPr algn="ctr"/>
-              <a:r>
-                <a:rPr lang="en-US" dirty="0">
-                  <a:solidFill>
-                    <a:schemeClr val="accent6">
-                      <a:lumMod val="75000"/>
-                    </a:schemeClr>
-                  </a:solidFill>
-                </a:rPr>
-                <a:t>Qualification</a:t>
-              </a:r>
-              <a:endParaRPr lang="de-DE" dirty="0">
-                <a:solidFill>
-                  <a:schemeClr val="accent6">
-                    <a:lumMod val="75000"/>
-                  </a:schemeClr>
-                </a:solidFill>
-              </a:endParaRPr>
-            </a:p>
-          </p:txBody>
-        </p:sp>
-        <p:cxnSp>
-          <p:nvCxnSpPr>
-            <p:cNvPr id="27" name="Gerade Verbindung mit Pfeil 26">
-              <a:extLst>
-                <a:ext uri="{FF2B5EF4-FFF2-40B4-BE49-F238E27FC236}">
-                  <a16:creationId xmlns:a16="http://schemas.microsoft.com/office/drawing/2014/main" id="{35A48110-7E76-4EA6-8BB2-84459347D9FF}"/>
-                </a:ext>
-              </a:extLst>
-            </p:cNvPr>
-            <p:cNvCxnSpPr>
-              <a:cxnSpLocks/>
-            </p:cNvCxnSpPr>
-            <p:nvPr/>
-          </p:nvCxnSpPr>
-          <p:spPr>
-            <a:xfrm rot="2700000">
-              <a:off x="2897140" y="3272091"/>
-              <a:ext cx="3168000" cy="0"/>
-            </a:xfrm>
-            <a:prstGeom prst="straightConnector1">
-              <a:avLst/>
-            </a:prstGeom>
-            <a:ln w="38100">
-              <a:solidFill>
-                <a:srgbClr val="C00000"/>
-              </a:solidFill>
-              <a:tailEnd type="triangle"/>
-            </a:ln>
-          </p:spPr>
-          <p:style>
-            <a:lnRef idx="1">
-              <a:schemeClr val="accent1"/>
-            </a:lnRef>
-            <a:fillRef idx="0">
-              <a:schemeClr val="accent1"/>
-            </a:fillRef>
-            <a:effectRef idx="0">
-              <a:schemeClr val="accent1"/>
-            </a:effectRef>
-            <a:fontRef idx="minor">
-              <a:schemeClr val="tx1"/>
-            </a:fontRef>
-          </p:style>
-        </p:cxnSp>
-        <p:cxnSp>
-          <p:nvCxnSpPr>
-            <p:cNvPr id="28" name="Gerade Verbindung mit Pfeil 27">
-              <a:extLst>
-                <a:ext uri="{FF2B5EF4-FFF2-40B4-BE49-F238E27FC236}">
-                  <a16:creationId xmlns:a16="http://schemas.microsoft.com/office/drawing/2014/main" id="{FA6BDB8E-DC91-4D15-BBEF-193EE35BB1DE}"/>
-                </a:ext>
-              </a:extLst>
-            </p:cNvPr>
-            <p:cNvCxnSpPr>
-              <a:cxnSpLocks/>
-            </p:cNvCxnSpPr>
-            <p:nvPr/>
-          </p:nvCxnSpPr>
-          <p:spPr>
-            <a:xfrm rot="-2700000" flipV="1">
-              <a:off x="5342985" y="3300870"/>
-              <a:ext cx="2988000" cy="0"/>
-            </a:xfrm>
-            <a:prstGeom prst="straightConnector1">
-              <a:avLst/>
-            </a:prstGeom>
-            <a:ln w="38100">
-              <a:solidFill>
-                <a:srgbClr val="C00000"/>
-              </a:solidFill>
-              <a:tailEnd type="triangle"/>
-            </a:ln>
-          </p:spPr>
-          <p:style>
-            <a:lnRef idx="1">
-              <a:schemeClr val="accent1"/>
-            </a:lnRef>
-            <a:fillRef idx="0">
-              <a:schemeClr val="accent1"/>
-            </a:fillRef>
-            <a:effectRef idx="0">
-              <a:schemeClr val="accent1"/>
-            </a:effectRef>
-            <a:fontRef idx="minor">
-              <a:schemeClr val="tx1"/>
-            </a:fontRef>
-          </p:style>
-        </p:cxnSp>
-      </p:grpSp>
-    </p:spTree>
-    <p:extLst>
-      <p:ext uri="{BB962C8B-B14F-4D97-AF65-F5344CB8AC3E}">
-        <p14:creationId xmlns:p14="http://schemas.microsoft.com/office/powerpoint/2010/main" val="882797855"/>
-      </p:ext>
-    </p:extLst>
-  </p:cSld>
-  <p:clrMapOvr>
-    <a:masterClrMapping/>
-  </p:clrMapOvr>
-</p:sld>
-</file>
-
 <file path=ppt/slides/slide2.xml><?xml version="1.0" encoding="utf-8"?>
 <p:sld xmlns:a="http://schemas.openxmlformats.org/drawingml/2006/main" xmlns:r="http://schemas.openxmlformats.org/officeDocument/2006/relationships" xmlns:p="http://schemas.openxmlformats.org/presentationml/2006/main">
   <p:cSld>
@@ -5835,10 +4424,22 @@
             <a:p>
               <a:pPr algn="ctr"/>
               <a:r>
-                <a:rPr lang="en-US" dirty="0"/>
+                <a:rPr lang="en-US" dirty="0">
+                  <a:solidFill>
+                    <a:schemeClr val="accent6">
+                      <a:lumMod val="75000"/>
+                    </a:schemeClr>
+                  </a:solidFill>
+                </a:rPr>
                 <a:t>Logical Architecture</a:t>
               </a:r>
-              <a:endParaRPr lang="de-DE" dirty="0"/>
+              <a:endParaRPr lang="de-DE" dirty="0">
+                <a:solidFill>
+                  <a:schemeClr val="accent6">
+                    <a:lumMod val="75000"/>
+                  </a:schemeClr>
+                </a:solidFill>
+              </a:endParaRPr>
             </a:p>
           </p:txBody>
         </p:sp>
@@ -6232,7 +4833,7 @@
           <p:cNvPr id="2" name="Titel 1">
             <a:extLst>
               <a:ext uri="{FF2B5EF4-FFF2-40B4-BE49-F238E27FC236}">
-                <a16:creationId xmlns:a16="http://schemas.microsoft.com/office/drawing/2014/main" id="{CC3780CA-0B83-4266-A161-411569AB4807}"/>
+                <a16:creationId xmlns:a16="http://schemas.microsoft.com/office/drawing/2014/main" id="{5C79BAC0-F5B9-482C-8EB6-4650595891F2}"/>
               </a:ext>
             </a:extLst>
           </p:cNvPr>
@@ -6243,25 +4844,29 @@
             <p:ph type="title"/>
           </p:nvPr>
         </p:nvSpPr>
-        <p:spPr/>
+        <p:spPr>
+          <a:xfrm>
+            <a:off x="187943" y="-220580"/>
+            <a:ext cx="10515600" cy="1325563"/>
+          </a:xfrm>
+        </p:spPr>
         <p:txBody>
           <a:bodyPr/>
           <a:lstStyle/>
           <a:p>
             <a:r>
               <a:rPr lang="en-US" dirty="0"/>
-              <a:t>V Model Logical Architecture</a:t>
+              <a:t>Logical Architecture</a:t>
             </a:r>
-            <a:endParaRPr lang="de-DE" dirty="0"/>
           </a:p>
         </p:txBody>
       </p:sp>
       <p:grpSp>
         <p:nvGrpSpPr>
-          <p:cNvPr id="34" name="Gruppieren 33">
+          <p:cNvPr id="51" name="Gruppieren 50">
             <a:extLst>
               <a:ext uri="{FF2B5EF4-FFF2-40B4-BE49-F238E27FC236}">
-                <a16:creationId xmlns:a16="http://schemas.microsoft.com/office/drawing/2014/main" id="{A6C7C88E-9212-466F-90A5-B4DE443468DC}"/>
+                <a16:creationId xmlns:a16="http://schemas.microsoft.com/office/drawing/2014/main" id="{2BEDAE6C-001E-4FCA-A434-21DA400700E3}"/>
               </a:ext>
             </a:extLst>
           </p:cNvPr>
@@ -6270,10 +4875,10 @@
         </p:nvGrpSpPr>
         <p:grpSpPr>
           <a:xfrm>
-            <a:off x="1454095" y="1690688"/>
-            <a:ext cx="8841185" cy="4030042"/>
-            <a:chOff x="1177802" y="1688091"/>
-            <a:chExt cx="8841185" cy="4030042"/>
+            <a:off x="688260" y="1216359"/>
+            <a:ext cx="10015283" cy="5826307"/>
+            <a:chOff x="688260" y="1216359"/>
+            <a:chExt cx="10015283" cy="5826307"/>
           </a:xfrm>
         </p:grpSpPr>
         <p:sp>
@@ -6281,7 +4886,7 @@
             <p:cNvPr id="4" name="Rechteck: abgerundete Ecken 3">
               <a:extLst>
                 <a:ext uri="{FF2B5EF4-FFF2-40B4-BE49-F238E27FC236}">
-                  <a16:creationId xmlns:a16="http://schemas.microsoft.com/office/drawing/2014/main" id="{EAC00E52-286E-435F-BB34-805F56714348}"/>
+                  <a16:creationId xmlns:a16="http://schemas.microsoft.com/office/drawing/2014/main" id="{65BB3328-939C-4676-A691-1C9D9F7C6162}"/>
                 </a:ext>
               </a:extLst>
             </p:cNvPr>
@@ -6289,23 +4894,22 @@
             <p:nvPr/>
           </p:nvSpPr>
           <p:spPr>
-            <a:xfrm rot="2700000">
-              <a:off x="2656673" y="2759633"/>
-              <a:ext cx="2032253" cy="717262"/>
+            <a:xfrm>
+              <a:off x="3075709" y="1216360"/>
+              <a:ext cx="1546059" cy="948657"/>
             </a:xfrm>
             <a:prstGeom prst="roundRect">
               <a:avLst/>
             </a:prstGeom>
             <a:solidFill>
-              <a:schemeClr val="accent6">
-                <a:lumMod val="75000"/>
+              <a:schemeClr val="accent4">
+                <a:lumMod val="20000"/>
+                <a:lumOff val="80000"/>
               </a:schemeClr>
             </a:solidFill>
-            <a:ln w="34925">
+            <a:ln>
               <a:solidFill>
-                <a:schemeClr val="bg1">
-                  <a:lumMod val="50000"/>
-                </a:schemeClr>
+                <a:schemeClr val="tx1"/>
               </a:solidFill>
             </a:ln>
           </p:spPr>
@@ -6331,19 +4935,22 @@
             <a:p>
               <a:pPr algn="ctr"/>
               <a:r>
-                <a:rPr lang="en-US" dirty="0"/>
-                <a:t>Mil</a:t>
+                <a:rPr lang="en-US">
+                  <a:solidFill>
+                    <a:schemeClr val="tx1"/>
+                  </a:solidFill>
+                </a:rPr>
+                <a:t>Encoder</a:t>
               </a:r>
-              <a:endParaRPr lang="de-DE" dirty="0"/>
             </a:p>
           </p:txBody>
         </p:sp>
         <p:sp>
           <p:nvSpPr>
-            <p:cNvPr id="11" name="Rechteck: abgerundete Ecken 10">
-              <a:extLst>
-                <a:ext uri="{FF2B5EF4-FFF2-40B4-BE49-F238E27FC236}">
-                  <a16:creationId xmlns:a16="http://schemas.microsoft.com/office/drawing/2014/main" id="{F5A996D1-F113-4673-894C-451963F6E703}"/>
+            <p:cNvPr id="5" name="Rechteck: abgerundete Ecken 4">
+              <a:extLst>
+                <a:ext uri="{FF2B5EF4-FFF2-40B4-BE49-F238E27FC236}">
+                  <a16:creationId xmlns:a16="http://schemas.microsoft.com/office/drawing/2014/main" id="{6548B2D3-609A-413E-90AC-B4BB91E3125B}"/>
                 </a:ext>
               </a:extLst>
             </p:cNvPr>
@@ -6351,23 +4958,22 @@
             <p:nvPr/>
           </p:nvSpPr>
           <p:spPr>
-            <a:xfrm rot="2700000">
-              <a:off x="4163955" y="4260585"/>
-              <a:ext cx="2032253" cy="717262"/>
+            <a:xfrm>
+              <a:off x="4898613" y="1221416"/>
+              <a:ext cx="1546059" cy="948657"/>
             </a:xfrm>
             <a:prstGeom prst="roundRect">
               <a:avLst/>
             </a:prstGeom>
             <a:solidFill>
-              <a:schemeClr val="bg1">
-                <a:lumMod val="65000"/>
+              <a:schemeClr val="accent4">
+                <a:lumMod val="20000"/>
+                <a:lumOff val="80000"/>
               </a:schemeClr>
             </a:solidFill>
-            <a:ln w="34925">
+            <a:ln>
               <a:solidFill>
-                <a:schemeClr val="bg1">
-                  <a:lumMod val="50000"/>
-                </a:schemeClr>
+                <a:schemeClr val="tx1"/>
               </a:solidFill>
             </a:ln>
           </p:spPr>
@@ -6393,19 +4999,22 @@
             <a:p>
               <a:pPr algn="ctr"/>
               <a:r>
-                <a:rPr lang="en-US" dirty="0"/>
-                <a:t>Sil</a:t>
+                <a:rPr lang="en-US">
+                  <a:solidFill>
+                    <a:schemeClr val="tx1"/>
+                  </a:solidFill>
+                </a:rPr>
+                <a:t>µ Controller</a:t>
               </a:r>
-              <a:endParaRPr lang="de-DE" dirty="0"/>
             </a:p>
           </p:txBody>
         </p:sp>
         <p:sp>
           <p:nvSpPr>
-            <p:cNvPr id="12" name="Rechteck: abgerundete Ecken 11">
-              <a:extLst>
-                <a:ext uri="{FF2B5EF4-FFF2-40B4-BE49-F238E27FC236}">
-                  <a16:creationId xmlns:a16="http://schemas.microsoft.com/office/drawing/2014/main" id="{25643424-C6E5-4E53-BF09-E6EDFC2C6720}"/>
+            <p:cNvPr id="6" name="Rechteck: abgerundete Ecken 5">
+              <a:extLst>
+                <a:ext uri="{FF2B5EF4-FFF2-40B4-BE49-F238E27FC236}">
+                  <a16:creationId xmlns:a16="http://schemas.microsoft.com/office/drawing/2014/main" id="{6B245522-8BB3-4DF7-9265-DEBE17E4522E}"/>
                 </a:ext>
               </a:extLst>
             </p:cNvPr>
@@ -6413,23 +5022,22 @@
             <p:nvPr/>
           </p:nvSpPr>
           <p:spPr>
-            <a:xfrm rot="-2700000">
-              <a:off x="5522360" y="3235452"/>
-              <a:ext cx="3356375" cy="717262"/>
+            <a:xfrm>
+              <a:off x="6721517" y="1216359"/>
+              <a:ext cx="1546059" cy="948657"/>
             </a:xfrm>
             <a:prstGeom prst="roundRect">
               <a:avLst/>
             </a:prstGeom>
             <a:solidFill>
-              <a:schemeClr val="bg1">
-                <a:lumMod val="65000"/>
+              <a:schemeClr val="accent4">
+                <a:lumMod val="20000"/>
+                <a:lumOff val="80000"/>
               </a:schemeClr>
             </a:solidFill>
-            <a:ln w="34925">
+            <a:ln>
               <a:solidFill>
-                <a:schemeClr val="bg1">
-                  <a:lumMod val="50000"/>
-                </a:schemeClr>
+                <a:schemeClr val="tx1"/>
               </a:solidFill>
             </a:ln>
           </p:spPr>
@@ -6455,390 +5063,249 @@
             <a:p>
               <a:pPr algn="ctr"/>
               <a:r>
-                <a:rPr lang="en-US" dirty="0" err="1"/>
-                <a:t>HiL</a:t>
+                <a:rPr lang="en-US">
+                  <a:solidFill>
+                    <a:schemeClr val="tx1"/>
+                  </a:solidFill>
+                </a:rPr>
+                <a:t>HMI</a:t>
               </a:r>
-              <a:endParaRPr lang="de-DE" dirty="0"/>
             </a:p>
           </p:txBody>
         </p:sp>
         <p:sp>
           <p:nvSpPr>
-            <p:cNvPr id="15" name="Textfeld 14">
-              <a:extLst>
-                <a:ext uri="{FF2B5EF4-FFF2-40B4-BE49-F238E27FC236}">
-                  <a16:creationId xmlns:a16="http://schemas.microsoft.com/office/drawing/2014/main" id="{06C3CB72-97F7-4AA9-B328-886DCEC5D5F3}"/>
-                </a:ext>
-              </a:extLst>
-            </p:cNvPr>
-            <p:cNvSpPr txBox="1"/>
+            <p:cNvPr id="7" name="Rechteck: abgerundete Ecken 6">
+              <a:extLst>
+                <a:ext uri="{FF2B5EF4-FFF2-40B4-BE49-F238E27FC236}">
+                  <a16:creationId xmlns:a16="http://schemas.microsoft.com/office/drawing/2014/main" id="{9BBAAB08-6205-43FF-83B0-0FBB5F3C0EAE}"/>
+                </a:ext>
+              </a:extLst>
+            </p:cNvPr>
+            <p:cNvSpPr/>
             <p:nvPr/>
           </p:nvSpPr>
           <p:spPr>
             <a:xfrm>
-              <a:off x="1177802" y="2896639"/>
-              <a:ext cx="1993260" cy="369332"/>
-            </a:xfrm>
-            <a:prstGeom prst="rect">
-              <a:avLst/>
-            </a:prstGeom>
-            <a:noFill/>
-          </p:spPr>
+              <a:off x="4898611" y="2485399"/>
+              <a:ext cx="1546059" cy="948657"/>
+            </a:xfrm>
+            <a:prstGeom prst="roundRect">
+              <a:avLst/>
+            </a:prstGeom>
+            <a:solidFill>
+              <a:schemeClr val="accent4">
+                <a:lumMod val="20000"/>
+                <a:lumOff val="80000"/>
+              </a:schemeClr>
+            </a:solidFill>
+            <a:ln>
+              <a:solidFill>
+                <a:schemeClr val="tx1"/>
+              </a:solidFill>
+            </a:ln>
+          </p:spPr>
+          <p:style>
+            <a:lnRef idx="2">
+              <a:schemeClr val="accent1">
+                <a:shade val="50000"/>
+              </a:schemeClr>
+            </a:lnRef>
+            <a:fillRef idx="1">
+              <a:schemeClr val="accent1"/>
+            </a:fillRef>
+            <a:effectRef idx="0">
+              <a:schemeClr val="accent1"/>
+            </a:effectRef>
+            <a:fontRef idx="minor">
+              <a:schemeClr val="lt1"/>
+            </a:fontRef>
+          </p:style>
           <p:txBody>
-            <a:bodyPr wrap="square" rtlCol="0">
-              <a:spAutoFit/>
-            </a:bodyPr>
-            <a:lstStyle/>
-            <a:p>
-              <a:pPr algn="ctr"/>
-              <a:r>
-                <a:rPr lang="en-US" dirty="0"/>
-                <a:t>Requirements</a:t>
-              </a:r>
-              <a:endParaRPr lang="de-DE" dirty="0"/>
-            </a:p>
-          </p:txBody>
-        </p:sp>
-        <p:sp>
-          <p:nvSpPr>
-            <p:cNvPr id="16" name="Textfeld 15">
-              <a:extLst>
-                <a:ext uri="{FF2B5EF4-FFF2-40B4-BE49-F238E27FC236}">
-                  <a16:creationId xmlns:a16="http://schemas.microsoft.com/office/drawing/2014/main" id="{AEC282E5-34C9-4A16-A2D9-60ED20617E50}"/>
-                </a:ext>
-              </a:extLst>
-            </p:cNvPr>
-            <p:cNvSpPr txBox="1"/>
-            <p:nvPr/>
-          </p:nvSpPr>
-          <p:spPr>
-            <a:xfrm>
-              <a:off x="1778044" y="3302698"/>
-              <a:ext cx="1993260" cy="646331"/>
-            </a:xfrm>
-            <a:prstGeom prst="rect">
-              <a:avLst/>
-            </a:prstGeom>
-            <a:noFill/>
-          </p:spPr>
-          <p:txBody>
-            <a:bodyPr wrap="square" rtlCol="0">
-              <a:spAutoFit/>
-            </a:bodyPr>
+            <a:bodyPr rtlCol="0" anchor="ctr"/>
             <a:lstStyle/>
             <a:p>
               <a:pPr algn="ctr"/>
               <a:r>
                 <a:rPr lang="en-US" dirty="0">
                   <a:solidFill>
-                    <a:schemeClr val="accent6">
-                      <a:lumMod val="75000"/>
-                    </a:schemeClr>
+                    <a:schemeClr val="tx1"/>
                   </a:solidFill>
                 </a:rPr>
-                <a:t>Logical Architecture</a:t>
+                <a:t>Motor</a:t>
               </a:r>
-              <a:endParaRPr lang="de-DE" dirty="0">
-                <a:solidFill>
-                  <a:schemeClr val="accent6">
-                    <a:lumMod val="75000"/>
-                  </a:schemeClr>
-                </a:solidFill>
-              </a:endParaRPr>
+              <a:br>
+                <a:rPr lang="en-US" dirty="0">
+                  <a:solidFill>
+                    <a:schemeClr val="tx1"/>
+                  </a:solidFill>
+                </a:rPr>
+              </a:br>
+              <a:r>
+                <a:rPr lang="en-US" dirty="0">
+                  <a:solidFill>
+                    <a:schemeClr val="tx1"/>
+                  </a:solidFill>
+                </a:rPr>
+                <a:t>Controller</a:t>
+              </a:r>
             </a:p>
           </p:txBody>
         </p:sp>
         <p:sp>
           <p:nvSpPr>
-            <p:cNvPr id="17" name="Textfeld 16">
-              <a:extLst>
-                <a:ext uri="{FF2B5EF4-FFF2-40B4-BE49-F238E27FC236}">
-                  <a16:creationId xmlns:a16="http://schemas.microsoft.com/office/drawing/2014/main" id="{498B57CE-AB24-4237-A77F-8D21D5400431}"/>
-                </a:ext>
-              </a:extLst>
-            </p:cNvPr>
-            <p:cNvSpPr txBox="1"/>
+            <p:cNvPr id="8" name="Rechteck: abgerundete Ecken 7">
+              <a:extLst>
+                <a:ext uri="{FF2B5EF4-FFF2-40B4-BE49-F238E27FC236}">
+                  <a16:creationId xmlns:a16="http://schemas.microsoft.com/office/drawing/2014/main" id="{721C574D-ADE5-4631-88AC-334D30161D87}"/>
+                </a:ext>
+              </a:extLst>
+            </p:cNvPr>
+            <p:cNvSpPr/>
             <p:nvPr/>
           </p:nvSpPr>
           <p:spPr>
             <a:xfrm>
-              <a:off x="2542818" y="4272308"/>
-              <a:ext cx="1993260" cy="369332"/>
-            </a:xfrm>
-            <a:prstGeom prst="rect">
-              <a:avLst/>
-            </a:prstGeom>
-            <a:noFill/>
-          </p:spPr>
+              <a:off x="4898610" y="3749381"/>
+              <a:ext cx="1546059" cy="948657"/>
+            </a:xfrm>
+            <a:prstGeom prst="roundRect">
+              <a:avLst/>
+            </a:prstGeom>
+            <a:solidFill>
+              <a:schemeClr val="accent4">
+                <a:lumMod val="20000"/>
+                <a:lumOff val="80000"/>
+              </a:schemeClr>
+            </a:solidFill>
+            <a:ln>
+              <a:solidFill>
+                <a:schemeClr val="tx1"/>
+              </a:solidFill>
+            </a:ln>
+          </p:spPr>
+          <p:style>
+            <a:lnRef idx="2">
+              <a:schemeClr val="accent1">
+                <a:shade val="50000"/>
+              </a:schemeClr>
+            </a:lnRef>
+            <a:fillRef idx="1">
+              <a:schemeClr val="accent1"/>
+            </a:fillRef>
+            <a:effectRef idx="0">
+              <a:schemeClr val="accent1"/>
+            </a:effectRef>
+            <a:fontRef idx="minor">
+              <a:schemeClr val="lt1"/>
+            </a:fontRef>
+          </p:style>
           <p:txBody>
-            <a:bodyPr wrap="square" rtlCol="0">
-              <a:spAutoFit/>
-            </a:bodyPr>
+            <a:bodyPr rtlCol="0" anchor="ctr"/>
             <a:lstStyle/>
             <a:p>
               <a:pPr algn="ctr"/>
               <a:r>
-                <a:rPr lang="en-US" dirty="0"/>
-                <a:t>System Design</a:t>
+                <a:rPr lang="en-US">
+                  <a:solidFill>
+                    <a:schemeClr val="tx1"/>
+                  </a:solidFill>
+                </a:rPr>
+                <a:t>Motor</a:t>
               </a:r>
-              <a:endParaRPr lang="de-DE" dirty="0"/>
             </a:p>
           </p:txBody>
         </p:sp>
         <p:sp>
           <p:nvSpPr>
-            <p:cNvPr id="18" name="Textfeld 17">
-              <a:extLst>
-                <a:ext uri="{FF2B5EF4-FFF2-40B4-BE49-F238E27FC236}">
-                  <a16:creationId xmlns:a16="http://schemas.microsoft.com/office/drawing/2014/main" id="{E4F75AB1-290C-4A05-A5D9-B2EDA56C1D3E}"/>
-                </a:ext>
-              </a:extLst>
-            </p:cNvPr>
-            <p:cNvSpPr txBox="1"/>
+            <p:cNvPr id="9" name="Rechteck: abgerundete Ecken 8">
+              <a:extLst>
+                <a:ext uri="{FF2B5EF4-FFF2-40B4-BE49-F238E27FC236}">
+                  <a16:creationId xmlns:a16="http://schemas.microsoft.com/office/drawing/2014/main" id="{9F80EA30-42FC-4636-BB7C-A51714DC32A2}"/>
+                </a:ext>
+              </a:extLst>
+            </p:cNvPr>
+            <p:cNvSpPr/>
             <p:nvPr/>
           </p:nvSpPr>
           <p:spPr>
             <a:xfrm>
-              <a:off x="2983558" y="4685229"/>
-              <a:ext cx="1993260" cy="646331"/>
-            </a:xfrm>
-            <a:prstGeom prst="rect">
-              <a:avLst/>
-            </a:prstGeom>
-            <a:noFill/>
-          </p:spPr>
+              <a:off x="4898610" y="5013363"/>
+              <a:ext cx="1546059" cy="948657"/>
+            </a:xfrm>
+            <a:prstGeom prst="roundRect">
+              <a:avLst/>
+            </a:prstGeom>
+            <a:solidFill>
+              <a:schemeClr val="accent4">
+                <a:lumMod val="20000"/>
+                <a:lumOff val="80000"/>
+              </a:schemeClr>
+            </a:solidFill>
+            <a:ln>
+              <a:solidFill>
+                <a:schemeClr val="tx1"/>
+              </a:solidFill>
+            </a:ln>
+          </p:spPr>
+          <p:style>
+            <a:lnRef idx="2">
+              <a:schemeClr val="accent1">
+                <a:shade val="50000"/>
+              </a:schemeClr>
+            </a:lnRef>
+            <a:fillRef idx="1">
+              <a:schemeClr val="accent1"/>
+            </a:fillRef>
+            <a:effectRef idx="0">
+              <a:schemeClr val="accent1"/>
+            </a:effectRef>
+            <a:fontRef idx="minor">
+              <a:schemeClr val="lt1"/>
+            </a:fontRef>
+          </p:style>
           <p:txBody>
-            <a:bodyPr wrap="square" rtlCol="0">
-              <a:spAutoFit/>
-            </a:bodyPr>
+            <a:bodyPr rtlCol="0" anchor="ctr"/>
             <a:lstStyle/>
             <a:p>
               <a:pPr algn="ctr"/>
               <a:r>
-                <a:rPr lang="en-US" dirty="0"/>
-                <a:t>Component </a:t>
+                <a:rPr lang="en-US">
+                  <a:solidFill>
+                    <a:schemeClr val="tx1"/>
+                  </a:solidFill>
+                </a:rPr>
+                <a:t>Gear Box</a:t>
               </a:r>
-            </a:p>
-            <a:p>
-              <a:pPr algn="ctr"/>
-              <a:r>
-                <a:rPr lang="en-US" dirty="0"/>
-                <a:t>Design</a:t>
-              </a:r>
-              <a:endParaRPr lang="de-DE" dirty="0"/>
-            </a:p>
-          </p:txBody>
-        </p:sp>
-        <p:sp>
-          <p:nvSpPr>
-            <p:cNvPr id="19" name="Textfeld 18">
-              <a:extLst>
-                <a:ext uri="{FF2B5EF4-FFF2-40B4-BE49-F238E27FC236}">
-                  <a16:creationId xmlns:a16="http://schemas.microsoft.com/office/drawing/2014/main" id="{E16DAB7E-EE8E-41A8-9AA9-5212EE675BA8}"/>
-                </a:ext>
-              </a:extLst>
-            </p:cNvPr>
-            <p:cNvSpPr txBox="1"/>
-            <p:nvPr/>
-          </p:nvSpPr>
-          <p:spPr>
-            <a:xfrm>
-              <a:off x="3738066" y="5348801"/>
-              <a:ext cx="1993260" cy="369332"/>
-            </a:xfrm>
-            <a:prstGeom prst="rect">
-              <a:avLst/>
-            </a:prstGeom>
-            <a:noFill/>
-          </p:spPr>
-          <p:txBody>
-            <a:bodyPr wrap="square" rtlCol="0">
-              <a:spAutoFit/>
-            </a:bodyPr>
-            <a:lstStyle/>
-            <a:p>
-              <a:pPr algn="ctr"/>
-              <a:r>
-                <a:rPr lang="en-US" dirty="0"/>
-                <a:t>Implementation</a:t>
-              </a:r>
-              <a:endParaRPr lang="de-DE" dirty="0"/>
-            </a:p>
-          </p:txBody>
-        </p:sp>
-        <p:sp>
-          <p:nvSpPr>
-            <p:cNvPr id="22" name="Textfeld 21">
-              <a:extLst>
-                <a:ext uri="{FF2B5EF4-FFF2-40B4-BE49-F238E27FC236}">
-                  <a16:creationId xmlns:a16="http://schemas.microsoft.com/office/drawing/2014/main" id="{2FE07805-26D5-4E8D-9DF7-9B5AD20B69DD}"/>
-                </a:ext>
-              </a:extLst>
-            </p:cNvPr>
-            <p:cNvSpPr txBox="1"/>
-            <p:nvPr/>
-          </p:nvSpPr>
-          <p:spPr>
-            <a:xfrm>
-              <a:off x="6462765" y="4529336"/>
-              <a:ext cx="1993260" cy="369332"/>
-            </a:xfrm>
-            <a:prstGeom prst="rect">
-              <a:avLst/>
-            </a:prstGeom>
-            <a:noFill/>
-          </p:spPr>
-          <p:txBody>
-            <a:bodyPr wrap="square" rtlCol="0">
-              <a:spAutoFit/>
-            </a:bodyPr>
-            <a:lstStyle/>
-            <a:p>
-              <a:pPr algn="ctr"/>
-              <a:r>
-                <a:rPr lang="en-US" dirty="0"/>
-                <a:t>Component Test</a:t>
-              </a:r>
-              <a:endParaRPr lang="de-DE" dirty="0"/>
-            </a:p>
-          </p:txBody>
-        </p:sp>
-        <p:sp>
-          <p:nvSpPr>
-            <p:cNvPr id="23" name="Textfeld 22">
-              <a:extLst>
-                <a:ext uri="{FF2B5EF4-FFF2-40B4-BE49-F238E27FC236}">
-                  <a16:creationId xmlns:a16="http://schemas.microsoft.com/office/drawing/2014/main" id="{F9FEA2E6-54C6-4823-A520-DD46DDA3BA28}"/>
-                </a:ext>
-              </a:extLst>
-            </p:cNvPr>
-            <p:cNvSpPr txBox="1"/>
-            <p:nvPr/>
-          </p:nvSpPr>
-          <p:spPr>
-            <a:xfrm>
-              <a:off x="6871215" y="3972351"/>
-              <a:ext cx="1993260" cy="369332"/>
-            </a:xfrm>
-            <a:prstGeom prst="rect">
-              <a:avLst/>
-            </a:prstGeom>
-            <a:noFill/>
-          </p:spPr>
-          <p:txBody>
-            <a:bodyPr wrap="square" rtlCol="0">
-              <a:spAutoFit/>
-            </a:bodyPr>
-            <a:lstStyle/>
-            <a:p>
-              <a:pPr algn="ctr"/>
-              <a:r>
-                <a:rPr lang="en-US" dirty="0"/>
-                <a:t>System Test</a:t>
-              </a:r>
-              <a:endParaRPr lang="de-DE" dirty="0"/>
-            </a:p>
-          </p:txBody>
-        </p:sp>
-        <p:sp>
-          <p:nvSpPr>
-            <p:cNvPr id="24" name="Textfeld 23">
-              <a:extLst>
-                <a:ext uri="{FF2B5EF4-FFF2-40B4-BE49-F238E27FC236}">
-                  <a16:creationId xmlns:a16="http://schemas.microsoft.com/office/drawing/2014/main" id="{45C4ECF8-36C4-4631-9E23-7CB1CB2B3E95}"/>
-                </a:ext>
-              </a:extLst>
-            </p:cNvPr>
-            <p:cNvSpPr txBox="1"/>
-            <p:nvPr/>
-          </p:nvSpPr>
-          <p:spPr>
-            <a:xfrm>
-              <a:off x="7532333" y="3415366"/>
-              <a:ext cx="1993260" cy="369332"/>
-            </a:xfrm>
-            <a:prstGeom prst="rect">
-              <a:avLst/>
-            </a:prstGeom>
-            <a:noFill/>
-          </p:spPr>
-          <p:txBody>
-            <a:bodyPr wrap="square" rtlCol="0">
-              <a:spAutoFit/>
-            </a:bodyPr>
-            <a:lstStyle/>
-            <a:p>
-              <a:pPr algn="ctr"/>
-              <a:r>
-                <a:rPr lang="en-US" dirty="0"/>
-                <a:t>Integration Test</a:t>
-              </a:r>
-              <a:endParaRPr lang="de-DE" dirty="0"/>
-            </a:p>
-          </p:txBody>
-        </p:sp>
-        <p:sp>
-          <p:nvSpPr>
-            <p:cNvPr id="25" name="Textfeld 24">
-              <a:extLst>
-                <a:ext uri="{FF2B5EF4-FFF2-40B4-BE49-F238E27FC236}">
-                  <a16:creationId xmlns:a16="http://schemas.microsoft.com/office/drawing/2014/main" id="{52C2A5DD-921B-468C-AD18-B3C6134DFBDC}"/>
-                </a:ext>
-              </a:extLst>
-            </p:cNvPr>
-            <p:cNvSpPr txBox="1"/>
-            <p:nvPr/>
-          </p:nvSpPr>
-          <p:spPr>
-            <a:xfrm>
-              <a:off x="8025727" y="2857010"/>
-              <a:ext cx="1993260" cy="369332"/>
-            </a:xfrm>
-            <a:prstGeom prst="rect">
-              <a:avLst/>
-            </a:prstGeom>
-            <a:noFill/>
-          </p:spPr>
-          <p:txBody>
-            <a:bodyPr wrap="square" rtlCol="0">
-              <a:spAutoFit/>
-            </a:bodyPr>
-            <a:lstStyle/>
-            <a:p>
-              <a:pPr algn="ctr"/>
-              <a:r>
-                <a:rPr lang="en-US" dirty="0"/>
-                <a:t>Qualification</a:t>
-              </a:r>
-              <a:endParaRPr lang="de-DE" dirty="0"/>
             </a:p>
           </p:txBody>
         </p:sp>
         <p:cxnSp>
           <p:nvCxnSpPr>
-            <p:cNvPr id="27" name="Gerade Verbindung mit Pfeil 26">
-              <a:extLst>
-                <a:ext uri="{FF2B5EF4-FFF2-40B4-BE49-F238E27FC236}">
-                  <a16:creationId xmlns:a16="http://schemas.microsoft.com/office/drawing/2014/main" id="{35A48110-7E76-4EA6-8BB2-84459347D9FF}"/>
+            <p:cNvPr id="11" name="Gerade Verbindung mit Pfeil 10">
+              <a:extLst>
+                <a:ext uri="{FF2B5EF4-FFF2-40B4-BE49-F238E27FC236}">
+                  <a16:creationId xmlns:a16="http://schemas.microsoft.com/office/drawing/2014/main" id="{FF382739-BB40-498A-9B13-FE63B629B86A}"/>
                 </a:ext>
               </a:extLst>
             </p:cNvPr>
             <p:cNvCxnSpPr>
-              <a:cxnSpLocks/>
+              <a:stCxn id="5" idx="2"/>
+              <a:endCxn id="7" idx="0"/>
             </p:cNvCxnSpPr>
             <p:nvPr/>
           </p:nvCxnSpPr>
           <p:spPr>
-            <a:xfrm rot="2700000">
-              <a:off x="2897140" y="3272091"/>
-              <a:ext cx="3168000" cy="0"/>
+            <a:xfrm flipH="1">
+              <a:off x="5671641" y="2170073"/>
+              <a:ext cx="2" cy="315326"/>
             </a:xfrm>
             <a:prstGeom prst="straightConnector1">
               <a:avLst/>
             </a:prstGeom>
-            <a:ln w="38100">
+            <a:ln w="47625">
               <a:solidFill>
-                <a:srgbClr val="C00000"/>
+                <a:schemeClr val="tx1"/>
               </a:solidFill>
               <a:tailEnd type="triangle"/>
             </a:ln>
@@ -6860,29 +5327,31 @@
         </p:cxnSp>
         <p:cxnSp>
           <p:nvCxnSpPr>
-            <p:cNvPr id="28" name="Gerade Verbindung mit Pfeil 27">
-              <a:extLst>
-                <a:ext uri="{FF2B5EF4-FFF2-40B4-BE49-F238E27FC236}">
-                  <a16:creationId xmlns:a16="http://schemas.microsoft.com/office/drawing/2014/main" id="{FA6BDB8E-DC91-4D15-BBEF-193EE35BB1DE}"/>
+            <p:cNvPr id="12" name="Gerade Verbindung mit Pfeil 11">
+              <a:extLst>
+                <a:ext uri="{FF2B5EF4-FFF2-40B4-BE49-F238E27FC236}">
+                  <a16:creationId xmlns:a16="http://schemas.microsoft.com/office/drawing/2014/main" id="{EE1A7D27-5D15-4480-B86D-33DFB8948EDF}"/>
                 </a:ext>
               </a:extLst>
             </p:cNvPr>
             <p:cNvCxnSpPr>
               <a:cxnSpLocks/>
+              <a:stCxn id="7" idx="2"/>
+              <a:endCxn id="8" idx="0"/>
             </p:cNvCxnSpPr>
             <p:nvPr/>
           </p:nvCxnSpPr>
           <p:spPr>
-            <a:xfrm rot="-2700000" flipV="1">
-              <a:off x="5342985" y="3300870"/>
-              <a:ext cx="2988000" cy="0"/>
+            <a:xfrm flipH="1">
+              <a:off x="5671640" y="3434056"/>
+              <a:ext cx="1" cy="315325"/>
             </a:xfrm>
             <a:prstGeom prst="straightConnector1">
               <a:avLst/>
             </a:prstGeom>
-            <a:ln w="38100">
+            <a:ln w="47625">
               <a:solidFill>
-                <a:srgbClr val="C00000"/>
+                <a:schemeClr val="tx1"/>
               </a:solidFill>
               <a:tailEnd type="triangle"/>
             </a:ln>
@@ -6902,11 +5371,665 @@
             </a:fontRef>
           </p:style>
         </p:cxnSp>
+        <p:cxnSp>
+          <p:nvCxnSpPr>
+            <p:cNvPr id="15" name="Gerade Verbindung mit Pfeil 14">
+              <a:extLst>
+                <a:ext uri="{FF2B5EF4-FFF2-40B4-BE49-F238E27FC236}">
+                  <a16:creationId xmlns:a16="http://schemas.microsoft.com/office/drawing/2014/main" id="{3893596F-F963-408C-A0E2-B92D56DE493A}"/>
+                </a:ext>
+              </a:extLst>
+            </p:cNvPr>
+            <p:cNvCxnSpPr>
+              <a:cxnSpLocks/>
+              <a:stCxn id="9" idx="2"/>
+            </p:cNvCxnSpPr>
+            <p:nvPr/>
+          </p:nvCxnSpPr>
+          <p:spPr>
+            <a:xfrm flipH="1">
+              <a:off x="5671639" y="5962020"/>
+              <a:ext cx="1" cy="666908"/>
+            </a:xfrm>
+            <a:prstGeom prst="straightConnector1">
+              <a:avLst/>
+            </a:prstGeom>
+            <a:ln w="47625">
+              <a:solidFill>
+                <a:srgbClr val="C00000"/>
+              </a:solidFill>
+              <a:tailEnd type="triangle"/>
+            </a:ln>
+          </p:spPr>
+          <p:style>
+            <a:lnRef idx="1">
+              <a:schemeClr val="accent1"/>
+            </a:lnRef>
+            <a:fillRef idx="0">
+              <a:schemeClr val="accent1"/>
+            </a:fillRef>
+            <a:effectRef idx="0">
+              <a:schemeClr val="accent1"/>
+            </a:effectRef>
+            <a:fontRef idx="minor">
+              <a:schemeClr val="tx1"/>
+            </a:fontRef>
+          </p:style>
+        </p:cxnSp>
+        <p:cxnSp>
+          <p:nvCxnSpPr>
+            <p:cNvPr id="16" name="Gerade Verbindung mit Pfeil 15">
+              <a:extLst>
+                <a:ext uri="{FF2B5EF4-FFF2-40B4-BE49-F238E27FC236}">
+                  <a16:creationId xmlns:a16="http://schemas.microsoft.com/office/drawing/2014/main" id="{262E7CA0-2E26-4879-9319-AFEF235B6F48}"/>
+                </a:ext>
+              </a:extLst>
+            </p:cNvPr>
+            <p:cNvCxnSpPr>
+              <a:cxnSpLocks/>
+              <a:stCxn id="8" idx="2"/>
+              <a:endCxn id="9" idx="0"/>
+            </p:cNvCxnSpPr>
+            <p:nvPr/>
+          </p:nvCxnSpPr>
+          <p:spPr>
+            <a:xfrm>
+              <a:off x="5671640" y="4698038"/>
+              <a:ext cx="0" cy="315325"/>
+            </a:xfrm>
+            <a:prstGeom prst="straightConnector1">
+              <a:avLst/>
+            </a:prstGeom>
+            <a:ln w="47625">
+              <a:solidFill>
+                <a:schemeClr val="tx1"/>
+              </a:solidFill>
+              <a:tailEnd type="triangle"/>
+            </a:ln>
+          </p:spPr>
+          <p:style>
+            <a:lnRef idx="1">
+              <a:schemeClr val="accent1"/>
+            </a:lnRef>
+            <a:fillRef idx="0">
+              <a:schemeClr val="accent1"/>
+            </a:fillRef>
+            <a:effectRef idx="0">
+              <a:schemeClr val="accent1"/>
+            </a:effectRef>
+            <a:fontRef idx="minor">
+              <a:schemeClr val="tx1"/>
+            </a:fontRef>
+          </p:style>
+        </p:cxnSp>
+        <p:cxnSp>
+          <p:nvCxnSpPr>
+            <p:cNvPr id="21" name="Gerade Verbindung mit Pfeil 20">
+              <a:extLst>
+                <a:ext uri="{FF2B5EF4-FFF2-40B4-BE49-F238E27FC236}">
+                  <a16:creationId xmlns:a16="http://schemas.microsoft.com/office/drawing/2014/main" id="{295439A3-D3CC-45FD-8E5E-A8A0FFAF2F89}"/>
+                </a:ext>
+              </a:extLst>
+            </p:cNvPr>
+            <p:cNvCxnSpPr>
+              <a:cxnSpLocks/>
+              <a:stCxn id="4" idx="3"/>
+              <a:endCxn id="5" idx="1"/>
+            </p:cNvCxnSpPr>
+            <p:nvPr/>
+          </p:nvCxnSpPr>
+          <p:spPr>
+            <a:xfrm>
+              <a:off x="4621768" y="1690689"/>
+              <a:ext cx="276845" cy="5056"/>
+            </a:xfrm>
+            <a:prstGeom prst="straightConnector1">
+              <a:avLst/>
+            </a:prstGeom>
+            <a:ln w="47625">
+              <a:solidFill>
+                <a:schemeClr val="tx1"/>
+              </a:solidFill>
+              <a:tailEnd type="triangle"/>
+            </a:ln>
+          </p:spPr>
+          <p:style>
+            <a:lnRef idx="1">
+              <a:schemeClr val="accent1"/>
+            </a:lnRef>
+            <a:fillRef idx="0">
+              <a:schemeClr val="accent1"/>
+            </a:fillRef>
+            <a:effectRef idx="0">
+              <a:schemeClr val="accent1"/>
+            </a:effectRef>
+            <a:fontRef idx="minor">
+              <a:schemeClr val="tx1"/>
+            </a:fontRef>
+          </p:style>
+        </p:cxnSp>
+        <p:cxnSp>
+          <p:nvCxnSpPr>
+            <p:cNvPr id="24" name="Gerade Verbindung mit Pfeil 23">
+              <a:extLst>
+                <a:ext uri="{FF2B5EF4-FFF2-40B4-BE49-F238E27FC236}">
+                  <a16:creationId xmlns:a16="http://schemas.microsoft.com/office/drawing/2014/main" id="{2E79DE87-85CC-4CE5-B9BD-D61DC8A4F6DF}"/>
+                </a:ext>
+              </a:extLst>
+            </p:cNvPr>
+            <p:cNvCxnSpPr>
+              <a:cxnSpLocks/>
+              <a:stCxn id="6" idx="1"/>
+              <a:endCxn id="5" idx="3"/>
+            </p:cNvCxnSpPr>
+            <p:nvPr/>
+          </p:nvCxnSpPr>
+          <p:spPr>
+            <a:xfrm flipH="1">
+              <a:off x="6444672" y="1690688"/>
+              <a:ext cx="276845" cy="5057"/>
+            </a:xfrm>
+            <a:prstGeom prst="straightConnector1">
+              <a:avLst/>
+            </a:prstGeom>
+            <a:ln w="47625">
+              <a:solidFill>
+                <a:schemeClr val="tx1"/>
+              </a:solidFill>
+              <a:tailEnd type="triangle"/>
+            </a:ln>
+          </p:spPr>
+          <p:style>
+            <a:lnRef idx="1">
+              <a:schemeClr val="accent1"/>
+            </a:lnRef>
+            <a:fillRef idx="0">
+              <a:schemeClr val="accent1"/>
+            </a:fillRef>
+            <a:effectRef idx="0">
+              <a:schemeClr val="accent1"/>
+            </a:effectRef>
+            <a:fontRef idx="minor">
+              <a:schemeClr val="tx1"/>
+            </a:fontRef>
+          </p:style>
+        </p:cxnSp>
+        <p:cxnSp>
+          <p:nvCxnSpPr>
+            <p:cNvPr id="30" name="Gerade Verbindung mit Pfeil 29">
+              <a:extLst>
+                <a:ext uri="{FF2B5EF4-FFF2-40B4-BE49-F238E27FC236}">
+                  <a16:creationId xmlns:a16="http://schemas.microsoft.com/office/drawing/2014/main" id="{CE5D7D1E-CB3E-4E2C-BFB3-DB4460081964}"/>
+                </a:ext>
+              </a:extLst>
+            </p:cNvPr>
+            <p:cNvCxnSpPr>
+              <a:cxnSpLocks/>
+              <a:endCxn id="4" idx="1"/>
+            </p:cNvCxnSpPr>
+            <p:nvPr/>
+          </p:nvCxnSpPr>
+          <p:spPr>
+            <a:xfrm>
+              <a:off x="2327564" y="1690687"/>
+              <a:ext cx="720000" cy="2"/>
+            </a:xfrm>
+            <a:prstGeom prst="straightConnector1">
+              <a:avLst/>
+            </a:prstGeom>
+            <a:ln w="47625">
+              <a:solidFill>
+                <a:schemeClr val="accent6">
+                  <a:lumMod val="75000"/>
+                </a:schemeClr>
+              </a:solidFill>
+              <a:tailEnd type="triangle"/>
+            </a:ln>
+          </p:spPr>
+          <p:style>
+            <a:lnRef idx="1">
+              <a:schemeClr val="accent1"/>
+            </a:lnRef>
+            <a:fillRef idx="0">
+              <a:schemeClr val="accent1"/>
+            </a:fillRef>
+            <a:effectRef idx="0">
+              <a:schemeClr val="accent1"/>
+            </a:effectRef>
+            <a:fontRef idx="minor">
+              <a:schemeClr val="tx1"/>
+            </a:fontRef>
+          </p:style>
+        </p:cxnSp>
+        <p:cxnSp>
+          <p:nvCxnSpPr>
+            <p:cNvPr id="34" name="Gerade Verbindung mit Pfeil 33">
+              <a:extLst>
+                <a:ext uri="{FF2B5EF4-FFF2-40B4-BE49-F238E27FC236}">
+                  <a16:creationId xmlns:a16="http://schemas.microsoft.com/office/drawing/2014/main" id="{388981BA-ABD3-45E1-9BFF-DCD2F338A461}"/>
+                </a:ext>
+              </a:extLst>
+            </p:cNvPr>
+            <p:cNvCxnSpPr>
+              <a:cxnSpLocks/>
+              <a:endCxn id="6" idx="3"/>
+            </p:cNvCxnSpPr>
+            <p:nvPr/>
+          </p:nvCxnSpPr>
+          <p:spPr>
+            <a:xfrm flipH="1">
+              <a:off x="8267576" y="1690686"/>
+              <a:ext cx="720000" cy="2"/>
+            </a:xfrm>
+            <a:prstGeom prst="straightConnector1">
+              <a:avLst/>
+            </a:prstGeom>
+            <a:ln w="47625">
+              <a:solidFill>
+                <a:schemeClr val="accent6">
+                  <a:lumMod val="75000"/>
+                </a:schemeClr>
+              </a:solidFill>
+              <a:tailEnd type="triangle"/>
+            </a:ln>
+          </p:spPr>
+          <p:style>
+            <a:lnRef idx="1">
+              <a:schemeClr val="accent1"/>
+            </a:lnRef>
+            <a:fillRef idx="0">
+              <a:schemeClr val="accent1"/>
+            </a:fillRef>
+            <a:effectRef idx="0">
+              <a:schemeClr val="accent1"/>
+            </a:effectRef>
+            <a:fontRef idx="minor">
+              <a:schemeClr val="tx1"/>
+            </a:fontRef>
+          </p:style>
+        </p:cxnSp>
+        <p:sp>
+          <p:nvSpPr>
+            <p:cNvPr id="37" name="Textfeld 36">
+              <a:extLst>
+                <a:ext uri="{FF2B5EF4-FFF2-40B4-BE49-F238E27FC236}">
+                  <a16:creationId xmlns:a16="http://schemas.microsoft.com/office/drawing/2014/main" id="{9CB27985-F833-46D1-9B06-AF042D7EAE94}"/>
+                </a:ext>
+              </a:extLst>
+            </p:cNvPr>
+            <p:cNvSpPr txBox="1"/>
+            <p:nvPr/>
+          </p:nvSpPr>
+          <p:spPr>
+            <a:xfrm>
+              <a:off x="8414327" y="1216359"/>
+              <a:ext cx="2025298" cy="369332"/>
+            </a:xfrm>
+            <a:prstGeom prst="rect">
+              <a:avLst/>
+            </a:prstGeom>
+            <a:noFill/>
+          </p:spPr>
+          <p:txBody>
+            <a:bodyPr wrap="none" rtlCol="0">
+              <a:spAutoFit/>
+            </a:bodyPr>
+            <a:lstStyle/>
+            <a:p>
+              <a:r>
+                <a:rPr lang="en-US"/>
+                <a:t>Mode (Inch/Metric)</a:t>
+              </a:r>
+            </a:p>
+          </p:txBody>
+        </p:sp>
+        <p:sp>
+          <p:nvSpPr>
+            <p:cNvPr id="38" name="Textfeld 37">
+              <a:extLst>
+                <a:ext uri="{FF2B5EF4-FFF2-40B4-BE49-F238E27FC236}">
+                  <a16:creationId xmlns:a16="http://schemas.microsoft.com/office/drawing/2014/main" id="{0A3DC69D-B11A-41D0-9C69-5C1D205332B9}"/>
+                </a:ext>
+              </a:extLst>
+            </p:cNvPr>
+            <p:cNvSpPr txBox="1"/>
+            <p:nvPr/>
+          </p:nvSpPr>
+          <p:spPr>
+            <a:xfrm>
+              <a:off x="8414327" y="1774601"/>
+              <a:ext cx="2289216" cy="369332"/>
+            </a:xfrm>
+            <a:prstGeom prst="rect">
+              <a:avLst/>
+            </a:prstGeom>
+            <a:noFill/>
+          </p:spPr>
+          <p:txBody>
+            <a:bodyPr wrap="none" rtlCol="0">
+              <a:spAutoFit/>
+            </a:bodyPr>
+            <a:lstStyle/>
+            <a:p>
+              <a:r>
+                <a:rPr lang="en-US"/>
+                <a:t>Translation [mm/Turn]</a:t>
+              </a:r>
+            </a:p>
+          </p:txBody>
+        </p:sp>
+        <p:sp>
+          <p:nvSpPr>
+            <p:cNvPr id="39" name="Textfeld 38">
+              <a:extLst>
+                <a:ext uri="{FF2B5EF4-FFF2-40B4-BE49-F238E27FC236}">
+                  <a16:creationId xmlns:a16="http://schemas.microsoft.com/office/drawing/2014/main" id="{E92BA13C-54E2-47B7-B4D4-349FC0BE45E5}"/>
+                </a:ext>
+              </a:extLst>
+            </p:cNvPr>
+            <p:cNvSpPr txBox="1"/>
+            <p:nvPr/>
+          </p:nvSpPr>
+          <p:spPr>
+            <a:xfrm>
+              <a:off x="688260" y="1506023"/>
+              <a:ext cx="1682064" cy="369332"/>
+            </a:xfrm>
+            <a:prstGeom prst="rect">
+              <a:avLst/>
+            </a:prstGeom>
+            <a:noFill/>
+          </p:spPr>
+          <p:txBody>
+            <a:bodyPr wrap="none" rtlCol="0">
+              <a:spAutoFit/>
+            </a:bodyPr>
+            <a:lstStyle/>
+            <a:p>
+              <a:r>
+                <a:rPr lang="en-US" dirty="0"/>
+                <a:t>Spindle Position</a:t>
+              </a:r>
+            </a:p>
+          </p:txBody>
+        </p:sp>
+        <p:cxnSp>
+          <p:nvCxnSpPr>
+            <p:cNvPr id="43" name="Verbinder: gewinkelt 42">
+              <a:extLst>
+                <a:ext uri="{FF2B5EF4-FFF2-40B4-BE49-F238E27FC236}">
+                  <a16:creationId xmlns:a16="http://schemas.microsoft.com/office/drawing/2014/main" id="{8641FC97-94FE-4C40-8F12-BEF162045495}"/>
+                </a:ext>
+              </a:extLst>
+            </p:cNvPr>
+            <p:cNvCxnSpPr>
+              <a:cxnSpLocks/>
+            </p:cNvCxnSpPr>
+            <p:nvPr/>
+          </p:nvCxnSpPr>
+          <p:spPr>
+            <a:xfrm>
+              <a:off x="5671639" y="2252533"/>
+              <a:ext cx="1822907" cy="514615"/>
+            </a:xfrm>
+            <a:prstGeom prst="bentConnector3">
+              <a:avLst/>
+            </a:prstGeom>
+            <a:ln w="28575">
+              <a:solidFill>
+                <a:schemeClr val="tx1"/>
+              </a:solidFill>
+              <a:prstDash val="dash"/>
+            </a:ln>
+          </p:spPr>
+          <p:style>
+            <a:lnRef idx="1">
+              <a:schemeClr val="accent1"/>
+            </a:lnRef>
+            <a:fillRef idx="0">
+              <a:schemeClr val="accent1"/>
+            </a:fillRef>
+            <a:effectRef idx="0">
+              <a:schemeClr val="accent1"/>
+            </a:effectRef>
+            <a:fontRef idx="minor">
+              <a:schemeClr val="tx1"/>
+            </a:fontRef>
+          </p:style>
+        </p:cxnSp>
+        <p:cxnSp>
+          <p:nvCxnSpPr>
+            <p:cNvPr id="45" name="Verbinder: gewinkelt 44">
+              <a:extLst>
+                <a:ext uri="{FF2B5EF4-FFF2-40B4-BE49-F238E27FC236}">
+                  <a16:creationId xmlns:a16="http://schemas.microsoft.com/office/drawing/2014/main" id="{1703831D-7236-4F6F-A08B-C965E5853A78}"/>
+                </a:ext>
+              </a:extLst>
+            </p:cNvPr>
+            <p:cNvCxnSpPr>
+              <a:cxnSpLocks/>
+            </p:cNvCxnSpPr>
+            <p:nvPr/>
+          </p:nvCxnSpPr>
+          <p:spPr>
+            <a:xfrm>
+              <a:off x="5703446" y="3535794"/>
+              <a:ext cx="1822907" cy="514615"/>
+            </a:xfrm>
+            <a:prstGeom prst="bentConnector3">
+              <a:avLst/>
+            </a:prstGeom>
+            <a:ln w="28575">
+              <a:solidFill>
+                <a:schemeClr val="tx1"/>
+              </a:solidFill>
+              <a:prstDash val="dash"/>
+            </a:ln>
+          </p:spPr>
+          <p:style>
+            <a:lnRef idx="1">
+              <a:schemeClr val="accent1"/>
+            </a:lnRef>
+            <a:fillRef idx="0">
+              <a:schemeClr val="accent1"/>
+            </a:fillRef>
+            <a:effectRef idx="0">
+              <a:schemeClr val="accent1"/>
+            </a:effectRef>
+            <a:fontRef idx="minor">
+              <a:schemeClr val="tx1"/>
+            </a:fontRef>
+          </p:style>
+        </p:cxnSp>
+        <p:cxnSp>
+          <p:nvCxnSpPr>
+            <p:cNvPr id="46" name="Verbinder: gewinkelt 45">
+              <a:extLst>
+                <a:ext uri="{FF2B5EF4-FFF2-40B4-BE49-F238E27FC236}">
+                  <a16:creationId xmlns:a16="http://schemas.microsoft.com/office/drawing/2014/main" id="{4DA80DB9-ABDB-406B-B72D-61E7F8C1191E}"/>
+                </a:ext>
+              </a:extLst>
+            </p:cNvPr>
+            <p:cNvCxnSpPr>
+              <a:cxnSpLocks/>
+            </p:cNvCxnSpPr>
+            <p:nvPr/>
+          </p:nvCxnSpPr>
+          <p:spPr>
+            <a:xfrm>
+              <a:off x="5703446" y="4804834"/>
+              <a:ext cx="1822907" cy="514615"/>
+            </a:xfrm>
+            <a:prstGeom prst="bentConnector3">
+              <a:avLst/>
+            </a:prstGeom>
+            <a:ln w="28575">
+              <a:solidFill>
+                <a:schemeClr val="tx1"/>
+              </a:solidFill>
+              <a:prstDash val="dash"/>
+            </a:ln>
+          </p:spPr>
+          <p:style>
+            <a:lnRef idx="1">
+              <a:schemeClr val="accent1"/>
+            </a:lnRef>
+            <a:fillRef idx="0">
+              <a:schemeClr val="accent1"/>
+            </a:fillRef>
+            <a:effectRef idx="0">
+              <a:schemeClr val="accent1"/>
+            </a:effectRef>
+            <a:fontRef idx="minor">
+              <a:schemeClr val="tx1"/>
+            </a:fontRef>
+          </p:style>
+        </p:cxnSp>
+        <p:sp>
+          <p:nvSpPr>
+            <p:cNvPr id="47" name="Textfeld 46">
+              <a:extLst>
+                <a:ext uri="{FF2B5EF4-FFF2-40B4-BE49-F238E27FC236}">
+                  <a16:creationId xmlns:a16="http://schemas.microsoft.com/office/drawing/2014/main" id="{0355DDAC-B144-4034-804E-3369C8635BE5}"/>
+                </a:ext>
+              </a:extLst>
+            </p:cNvPr>
+            <p:cNvSpPr txBox="1"/>
+            <p:nvPr/>
+          </p:nvSpPr>
+          <p:spPr>
+            <a:xfrm>
+              <a:off x="7416123" y="2564330"/>
+              <a:ext cx="1704697" cy="369332"/>
+            </a:xfrm>
+            <a:prstGeom prst="rect">
+              <a:avLst/>
+            </a:prstGeom>
+            <a:noFill/>
+          </p:spPr>
+          <p:txBody>
+            <a:bodyPr wrap="none" rtlCol="0">
+              <a:spAutoFit/>
+            </a:bodyPr>
+            <a:lstStyle/>
+            <a:p>
+              <a:r>
+                <a:rPr lang="en-US" dirty="0"/>
+                <a:t>Desired Position</a:t>
+              </a:r>
+            </a:p>
+          </p:txBody>
+        </p:sp>
+        <p:sp>
+          <p:nvSpPr>
+            <p:cNvPr id="48" name="Textfeld 47">
+              <a:extLst>
+                <a:ext uri="{FF2B5EF4-FFF2-40B4-BE49-F238E27FC236}">
+                  <a16:creationId xmlns:a16="http://schemas.microsoft.com/office/drawing/2014/main" id="{EE1297BA-0901-48EB-B3FA-58BB5F482802}"/>
+                </a:ext>
+              </a:extLst>
+            </p:cNvPr>
+            <p:cNvSpPr txBox="1"/>
+            <p:nvPr/>
+          </p:nvSpPr>
+          <p:spPr>
+            <a:xfrm>
+              <a:off x="7420809" y="3865743"/>
+              <a:ext cx="1536959" cy="369332"/>
+            </a:xfrm>
+            <a:prstGeom prst="rect">
+              <a:avLst/>
+            </a:prstGeom>
+            <a:noFill/>
+          </p:spPr>
+          <p:txBody>
+            <a:bodyPr wrap="none" rtlCol="0">
+              <a:spAutoFit/>
+            </a:bodyPr>
+            <a:lstStyle/>
+            <a:p>
+              <a:r>
+                <a:rPr lang="en-US" dirty="0"/>
+                <a:t>Motor Voltage</a:t>
+              </a:r>
+            </a:p>
+          </p:txBody>
+        </p:sp>
+        <p:sp>
+          <p:nvSpPr>
+            <p:cNvPr id="49" name="Textfeld 48">
+              <a:extLst>
+                <a:ext uri="{FF2B5EF4-FFF2-40B4-BE49-F238E27FC236}">
+                  <a16:creationId xmlns:a16="http://schemas.microsoft.com/office/drawing/2014/main" id="{9A5649D2-4EC6-4FA8-A2E1-0CC01AF64ADB}"/>
+                </a:ext>
+              </a:extLst>
+            </p:cNvPr>
+            <p:cNvSpPr txBox="1"/>
+            <p:nvPr/>
+          </p:nvSpPr>
+          <p:spPr>
+            <a:xfrm>
+              <a:off x="7415227" y="5134783"/>
+              <a:ext cx="1638141" cy="369332"/>
+            </a:xfrm>
+            <a:prstGeom prst="rect">
+              <a:avLst/>
+            </a:prstGeom>
+            <a:noFill/>
+          </p:spPr>
+          <p:txBody>
+            <a:bodyPr wrap="none" rtlCol="0">
+              <a:spAutoFit/>
+            </a:bodyPr>
+            <a:lstStyle/>
+            <a:p>
+              <a:r>
+                <a:rPr lang="en-US" dirty="0"/>
+                <a:t>Motor Position</a:t>
+              </a:r>
+            </a:p>
+          </p:txBody>
+        </p:sp>
+        <p:sp>
+          <p:nvSpPr>
+            <p:cNvPr id="50" name="Textfeld 49">
+              <a:extLst>
+                <a:ext uri="{FF2B5EF4-FFF2-40B4-BE49-F238E27FC236}">
+                  <a16:creationId xmlns:a16="http://schemas.microsoft.com/office/drawing/2014/main" id="{25AE4E0F-FCCE-4DCF-94F6-8D7DDCC4358E}"/>
+                </a:ext>
+              </a:extLst>
+            </p:cNvPr>
+            <p:cNvSpPr txBox="1"/>
+            <p:nvPr/>
+          </p:nvSpPr>
+          <p:spPr>
+            <a:xfrm>
+              <a:off x="4655559" y="6673334"/>
+              <a:ext cx="2032159" cy="369332"/>
+            </a:xfrm>
+            <a:prstGeom prst="rect">
+              <a:avLst/>
+            </a:prstGeom>
+            <a:noFill/>
+          </p:spPr>
+          <p:txBody>
+            <a:bodyPr wrap="none" rtlCol="0">
+              <a:spAutoFit/>
+            </a:bodyPr>
+            <a:lstStyle/>
+            <a:p>
+              <a:r>
+                <a:rPr lang="en-US" dirty="0"/>
+                <a:t>Leadscrew Position</a:t>
+              </a:r>
+            </a:p>
+          </p:txBody>
+        </p:sp>
       </p:grpSp>
     </p:spTree>
     <p:extLst>
       <p:ext uri="{BB962C8B-B14F-4D97-AF65-F5344CB8AC3E}">
-        <p14:creationId xmlns:p14="http://schemas.microsoft.com/office/powerpoint/2010/main" val="174762785"/>
+        <p14:creationId xmlns:p14="http://schemas.microsoft.com/office/powerpoint/2010/main" val="3520251571"/>
       </p:ext>
     </p:extLst>
   </p:cSld>
@@ -7321,17 +6444,35 @@
             <a:p>
               <a:pPr algn="ctr"/>
               <a:r>
-                <a:rPr lang="en-US" dirty="0"/>
+                <a:rPr lang="en-US" dirty="0">
+                  <a:solidFill>
+                    <a:schemeClr val="accent6">
+                      <a:lumMod val="75000"/>
+                    </a:schemeClr>
+                  </a:solidFill>
+                </a:rPr>
                 <a:t>Component </a:t>
               </a:r>
             </a:p>
             <a:p>
               <a:pPr algn="ctr"/>
               <a:r>
-                <a:rPr lang="en-US" dirty="0"/>
+                <a:rPr lang="en-US" dirty="0">
+                  <a:solidFill>
+                    <a:schemeClr val="accent6">
+                      <a:lumMod val="75000"/>
+                    </a:schemeClr>
+                  </a:solidFill>
+                </a:rPr>
                 <a:t>Design</a:t>
               </a:r>
-              <a:endParaRPr lang="de-DE" dirty="0"/>
+              <a:endParaRPr lang="de-DE" dirty="0">
+                <a:solidFill>
+                  <a:schemeClr val="accent6">
+                    <a:lumMod val="75000"/>
+                  </a:schemeClr>
+                </a:solidFill>
+              </a:endParaRPr>
             </a:p>
           </p:txBody>
         </p:sp>
@@ -7365,10 +6506,22 @@
             <a:p>
               <a:pPr algn="ctr"/>
               <a:r>
-                <a:rPr lang="en-US" dirty="0"/>
+                <a:rPr lang="en-US" dirty="0">
+                  <a:solidFill>
+                    <a:schemeClr val="accent6">
+                      <a:lumMod val="75000"/>
+                    </a:schemeClr>
+                  </a:solidFill>
+                </a:rPr>
                 <a:t>Implementation</a:t>
               </a:r>
-              <a:endParaRPr lang="de-DE" dirty="0"/>
+              <a:endParaRPr lang="de-DE" dirty="0">
+                <a:solidFill>
+                  <a:schemeClr val="accent6">
+                    <a:lumMod val="75000"/>
+                  </a:schemeClr>
+                </a:solidFill>
+              </a:endParaRPr>
             </a:p>
           </p:txBody>
         </p:sp>
@@ -7644,7 +6797,7 @@
           <p:cNvPr id="2" name="Titel 1">
             <a:extLst>
               <a:ext uri="{FF2B5EF4-FFF2-40B4-BE49-F238E27FC236}">
-                <a16:creationId xmlns:a16="http://schemas.microsoft.com/office/drawing/2014/main" id="{CC3780CA-0B83-4266-A161-411569AB4807}"/>
+                <a16:creationId xmlns:a16="http://schemas.microsoft.com/office/drawing/2014/main" id="{916125A6-1FA7-4056-BDB6-5FD06EF80595}"/>
               </a:ext>
             </a:extLst>
           </p:cNvPr>
@@ -7661,8 +6814,20 @@
           <a:lstStyle/>
           <a:p>
             <a:r>
-              <a:rPr lang="en-US" dirty="0"/>
-              <a:t>V Model Component Design</a:t>
+              <a:rPr lang="de-DE" dirty="0"/>
+              <a:t>Integrated </a:t>
+            </a:r>
+            <a:r>
+              <a:rPr lang="de-DE" dirty="0" err="1"/>
+              <a:t>Servo</a:t>
+            </a:r>
+            <a:r>
+              <a:rPr lang="de-DE" dirty="0"/>
+              <a:t> </a:t>
+            </a:r>
+            <a:r>
+              <a:rPr lang="de-DE" dirty="0" err="1"/>
+              <a:t>motor</a:t>
             </a:r>
             <a:endParaRPr lang="de-DE" dirty="0"/>
           </a:p>
@@ -7670,10 +6835,10 @@
       </p:sp>
       <p:grpSp>
         <p:nvGrpSpPr>
-          <p:cNvPr id="34" name="Gruppieren 33">
+          <p:cNvPr id="22" name="Gruppieren 21">
             <a:extLst>
               <a:ext uri="{FF2B5EF4-FFF2-40B4-BE49-F238E27FC236}">
-                <a16:creationId xmlns:a16="http://schemas.microsoft.com/office/drawing/2014/main" id="{A6C7C88E-9212-466F-90A5-B4DE443468DC}"/>
+                <a16:creationId xmlns:a16="http://schemas.microsoft.com/office/drawing/2014/main" id="{5145FACC-2161-4B01-A2A2-162C3CE6F0B5}"/>
               </a:ext>
             </a:extLst>
           </p:cNvPr>
@@ -7682,18 +6847,53 @@
         </p:nvGrpSpPr>
         <p:grpSpPr>
           <a:xfrm>
-            <a:off x="1454095" y="1690688"/>
-            <a:ext cx="8841185" cy="4030042"/>
-            <a:chOff x="1177802" y="1688091"/>
-            <a:chExt cx="8841185" cy="4030042"/>
+            <a:off x="3620278" y="2826393"/>
+            <a:ext cx="4172049" cy="2961002"/>
+            <a:chOff x="3620278" y="2826393"/>
+            <a:chExt cx="4172049" cy="2961002"/>
           </a:xfrm>
         </p:grpSpPr>
+        <p:pic>
+          <p:nvPicPr>
+            <p:cNvPr id="5" name="Grafik 4">
+              <a:extLst>
+                <a:ext uri="{FF2B5EF4-FFF2-40B4-BE49-F238E27FC236}">
+                  <a16:creationId xmlns:a16="http://schemas.microsoft.com/office/drawing/2014/main" id="{F0C4B6C8-5FE0-4668-9EF9-5F591FEF1B6F}"/>
+                </a:ext>
+              </a:extLst>
+            </p:cNvPr>
+            <p:cNvPicPr>
+              <a:picLocks noChangeAspect="1"/>
+            </p:cNvPicPr>
+            <p:nvPr/>
+          </p:nvPicPr>
+          <p:blipFill rotWithShape="1">
+            <a:blip r:embed="rId2">
+              <a:extLst>
+                <a:ext uri="{28A0092B-C50C-407E-A947-70E740481C1C}">
+                  <a14:useLocalDpi xmlns:a14="http://schemas.microsoft.com/office/drawing/2010/main" val="0"/>
+                </a:ext>
+              </a:extLst>
+            </a:blip>
+            <a:srcRect l="4436" t="21206" r="4000" b="20698"/>
+            <a:stretch/>
+          </p:blipFill>
+          <p:spPr>
+            <a:xfrm>
+              <a:off x="3620278" y="2826393"/>
+              <a:ext cx="3676262" cy="2332487"/>
+            </a:xfrm>
+            <a:prstGeom prst="rect">
+              <a:avLst/>
+            </a:prstGeom>
+          </p:spPr>
+        </p:pic>
         <p:sp>
           <p:nvSpPr>
-            <p:cNvPr id="4" name="Rechteck: abgerundete Ecken 3">
-              <a:extLst>
-                <a:ext uri="{FF2B5EF4-FFF2-40B4-BE49-F238E27FC236}">
-                  <a16:creationId xmlns:a16="http://schemas.microsoft.com/office/drawing/2014/main" id="{EAC00E52-286E-435F-BB34-805F56714348}"/>
+            <p:cNvPr id="7" name="Ellipse 6">
+              <a:extLst>
+                <a:ext uri="{FF2B5EF4-FFF2-40B4-BE49-F238E27FC236}">
+                  <a16:creationId xmlns:a16="http://schemas.microsoft.com/office/drawing/2014/main" id="{61164E2F-E752-4992-BBA7-03D5DD9055F9}"/>
                 </a:ext>
               </a:extLst>
             </p:cNvPr>
@@ -7701,25 +6901,17 @@
             <p:nvPr/>
           </p:nvSpPr>
           <p:spPr>
-            <a:xfrm rot="2700000">
-              <a:off x="2656673" y="2759633"/>
-              <a:ext cx="2032253" cy="717262"/>
-            </a:xfrm>
-            <a:prstGeom prst="roundRect">
+            <a:xfrm>
+              <a:off x="7321273" y="5468249"/>
+              <a:ext cx="314036" cy="319146"/>
+            </a:xfrm>
+            <a:prstGeom prst="ellipse">
               <a:avLst/>
             </a:prstGeom>
             <a:solidFill>
-              <a:schemeClr val="bg1">
-                <a:lumMod val="65000"/>
-              </a:schemeClr>
+              <a:schemeClr val="bg1"/>
             </a:solidFill>
-            <a:ln w="34925">
-              <a:solidFill>
-                <a:schemeClr val="bg1">
-                  <a:lumMod val="50000"/>
-                </a:schemeClr>
-              </a:solidFill>
-            </a:ln>
+            <a:ln w="41275"/>
           </p:spPr>
           <p:style>
             <a:lnRef idx="2">
@@ -7743,19 +6935,67 @@
             <a:p>
               <a:pPr algn="ctr"/>
               <a:r>
-                <a:rPr lang="en-US" dirty="0"/>
-                <a:t>Mil</a:t>
+                <a:rPr lang="en-GB" dirty="0">
+                  <a:solidFill>
+                    <a:schemeClr val="tx1"/>
+                  </a:solidFill>
+                </a:rPr>
+                <a:t>2</a:t>
               </a:r>
-              <a:endParaRPr lang="de-DE" dirty="0"/>
             </a:p>
           </p:txBody>
         </p:sp>
+        <p:cxnSp>
+          <p:nvCxnSpPr>
+            <p:cNvPr id="8" name="Gerade Verbindung mit Pfeil 7">
+              <a:extLst>
+                <a:ext uri="{FF2B5EF4-FFF2-40B4-BE49-F238E27FC236}">
+                  <a16:creationId xmlns:a16="http://schemas.microsoft.com/office/drawing/2014/main" id="{21DC99D3-468F-45F9-BAD3-434F2E1B0CA7}"/>
+                </a:ext>
+              </a:extLst>
+            </p:cNvPr>
+            <p:cNvCxnSpPr>
+              <a:cxnSpLocks/>
+            </p:cNvCxnSpPr>
+            <p:nvPr/>
+          </p:nvCxnSpPr>
+          <p:spPr>
+            <a:xfrm flipH="1" flipV="1">
+              <a:off x="6906827" y="4944862"/>
+              <a:ext cx="479394" cy="594804"/>
+            </a:xfrm>
+            <a:prstGeom prst="straightConnector1">
+              <a:avLst/>
+            </a:prstGeom>
+            <a:ln w="47625">
+              <a:solidFill>
+                <a:srgbClr val="FF0000"/>
+              </a:solidFill>
+              <a:headEnd type="none"/>
+              <a:tailEnd type="triangle"/>
+            </a:ln>
+          </p:spPr>
+          <p:style>
+            <a:lnRef idx="1">
+              <a:schemeClr val="accent1"/>
+            </a:lnRef>
+            <a:fillRef idx="0">
+              <a:schemeClr val="accent1"/>
+            </a:fillRef>
+            <a:effectRef idx="0">
+              <a:schemeClr val="accent1"/>
+            </a:effectRef>
+            <a:fontRef idx="minor">
+              <a:schemeClr val="tx1"/>
+            </a:fontRef>
+          </p:style>
+        </p:cxnSp>
         <p:sp>
           <p:nvSpPr>
-            <p:cNvPr id="11" name="Rechteck: abgerundete Ecken 10">
-              <a:extLst>
-                <a:ext uri="{FF2B5EF4-FFF2-40B4-BE49-F238E27FC236}">
-                  <a16:creationId xmlns:a16="http://schemas.microsoft.com/office/drawing/2014/main" id="{F5A996D1-F113-4673-894C-451963F6E703}"/>
+            <p:cNvPr id="15" name="Ellipse 14">
+              <a:extLst>
+                <a:ext uri="{FF2B5EF4-FFF2-40B4-BE49-F238E27FC236}">
+                  <a16:creationId xmlns:a16="http://schemas.microsoft.com/office/drawing/2014/main" id="{42759DBD-9B93-4667-B046-2FFF79945AC1}"/>
                 </a:ext>
               </a:extLst>
             </p:cNvPr>
@@ -7763,25 +7003,17 @@
             <p:nvPr/>
           </p:nvSpPr>
           <p:spPr>
-            <a:xfrm rot="2700000">
-              <a:off x="4163955" y="4260585"/>
-              <a:ext cx="2032253" cy="717262"/>
-            </a:xfrm>
-            <a:prstGeom prst="roundRect">
+            <a:xfrm>
+              <a:off x="4585276" y="5468249"/>
+              <a:ext cx="314036" cy="319146"/>
+            </a:xfrm>
+            <a:prstGeom prst="ellipse">
               <a:avLst/>
             </a:prstGeom>
             <a:solidFill>
-              <a:schemeClr val="accent6">
-                <a:lumMod val="75000"/>
-              </a:schemeClr>
+              <a:schemeClr val="bg1"/>
             </a:solidFill>
-            <a:ln w="34925">
-              <a:solidFill>
-                <a:schemeClr val="bg1">
-                  <a:lumMod val="50000"/>
-                </a:schemeClr>
-              </a:solidFill>
-            </a:ln>
+            <a:ln w="41275"/>
           </p:spPr>
           <p:style>
             <a:lnRef idx="2">
@@ -7805,19 +7037,68 @@
             <a:p>
               <a:pPr algn="ctr"/>
               <a:r>
-                <a:rPr lang="en-US" dirty="0"/>
-                <a:t>Sil</a:t>
+                <a:rPr lang="en-GB" dirty="0">
+                  <a:solidFill>
+                    <a:schemeClr val="tx1"/>
+                  </a:solidFill>
+                </a:rPr>
+                <a:t>1</a:t>
               </a:r>
-              <a:endParaRPr lang="de-DE" dirty="0"/>
             </a:p>
           </p:txBody>
         </p:sp>
+        <p:cxnSp>
+          <p:nvCxnSpPr>
+            <p:cNvPr id="16" name="Gerade Verbindung mit Pfeil 15">
+              <a:extLst>
+                <a:ext uri="{FF2B5EF4-FFF2-40B4-BE49-F238E27FC236}">
+                  <a16:creationId xmlns:a16="http://schemas.microsoft.com/office/drawing/2014/main" id="{72BDF843-590B-4B3B-9430-6DE40CB65CA7}"/>
+                </a:ext>
+              </a:extLst>
+            </p:cNvPr>
+            <p:cNvCxnSpPr>
+              <a:cxnSpLocks/>
+              <a:stCxn id="15" idx="7"/>
+            </p:cNvCxnSpPr>
+            <p:nvPr/>
+          </p:nvCxnSpPr>
+          <p:spPr>
+            <a:xfrm flipV="1">
+              <a:off x="4853322" y="4993104"/>
+              <a:ext cx="431852" cy="521883"/>
+            </a:xfrm>
+            <a:prstGeom prst="straightConnector1">
+              <a:avLst/>
+            </a:prstGeom>
+            <a:ln w="47625">
+              <a:solidFill>
+                <a:srgbClr val="FF0000"/>
+              </a:solidFill>
+              <a:headEnd type="none"/>
+              <a:tailEnd type="triangle"/>
+            </a:ln>
+          </p:spPr>
+          <p:style>
+            <a:lnRef idx="1">
+              <a:schemeClr val="accent1"/>
+            </a:lnRef>
+            <a:fillRef idx="0">
+              <a:schemeClr val="accent1"/>
+            </a:fillRef>
+            <a:effectRef idx="0">
+              <a:schemeClr val="accent1"/>
+            </a:effectRef>
+            <a:fontRef idx="minor">
+              <a:schemeClr val="tx1"/>
+            </a:fontRef>
+          </p:style>
+        </p:cxnSp>
         <p:sp>
           <p:nvSpPr>
-            <p:cNvPr id="12" name="Rechteck: abgerundete Ecken 11">
-              <a:extLst>
-                <a:ext uri="{FF2B5EF4-FFF2-40B4-BE49-F238E27FC236}">
-                  <a16:creationId xmlns:a16="http://schemas.microsoft.com/office/drawing/2014/main" id="{25643424-C6E5-4E53-BF09-E6EDFC2C6720}"/>
+            <p:cNvPr id="20" name="Ellipse 19">
+              <a:extLst>
+                <a:ext uri="{FF2B5EF4-FFF2-40B4-BE49-F238E27FC236}">
+                  <a16:creationId xmlns:a16="http://schemas.microsoft.com/office/drawing/2014/main" id="{6AA1975F-DC1A-4BBB-8B8A-085BF12A76A3}"/>
                 </a:ext>
               </a:extLst>
             </p:cNvPr>
@@ -7825,25 +7106,17 @@
             <p:nvPr/>
           </p:nvSpPr>
           <p:spPr>
-            <a:xfrm rot="-2700000">
-              <a:off x="5522360" y="3235452"/>
-              <a:ext cx="3356375" cy="717262"/>
-            </a:xfrm>
-            <a:prstGeom prst="roundRect">
+            <a:xfrm>
+              <a:off x="7478291" y="3955743"/>
+              <a:ext cx="314036" cy="319146"/>
+            </a:xfrm>
+            <a:prstGeom prst="ellipse">
               <a:avLst/>
             </a:prstGeom>
             <a:solidFill>
-              <a:schemeClr val="bg1">
-                <a:lumMod val="65000"/>
-              </a:schemeClr>
+              <a:schemeClr val="bg1"/>
             </a:solidFill>
-            <a:ln w="34925">
-              <a:solidFill>
-                <a:schemeClr val="bg1">
-                  <a:lumMod val="50000"/>
-                </a:schemeClr>
-              </a:solidFill>
-            </a:ln>
+            <a:ln w="41275"/>
           </p:spPr>
           <p:style>
             <a:lnRef idx="2">
@@ -7867,377 +7140,22 @@
             <a:p>
               <a:pPr algn="ctr"/>
               <a:r>
-                <a:rPr lang="en-US" dirty="0" err="1"/>
-                <a:t>HiL</a:t>
-              </a:r>
-              <a:endParaRPr lang="de-DE" dirty="0"/>
-            </a:p>
-          </p:txBody>
-        </p:sp>
-        <p:sp>
-          <p:nvSpPr>
-            <p:cNvPr id="15" name="Textfeld 14">
-              <a:extLst>
-                <a:ext uri="{FF2B5EF4-FFF2-40B4-BE49-F238E27FC236}">
-                  <a16:creationId xmlns:a16="http://schemas.microsoft.com/office/drawing/2014/main" id="{06C3CB72-97F7-4AA9-B328-886DCEC5D5F3}"/>
-                </a:ext>
-              </a:extLst>
-            </p:cNvPr>
-            <p:cNvSpPr txBox="1"/>
-            <p:nvPr/>
-          </p:nvSpPr>
-          <p:spPr>
-            <a:xfrm>
-              <a:off x="1177802" y="2896639"/>
-              <a:ext cx="1993260" cy="369332"/>
-            </a:xfrm>
-            <a:prstGeom prst="rect">
-              <a:avLst/>
-            </a:prstGeom>
-            <a:noFill/>
-          </p:spPr>
-          <p:txBody>
-            <a:bodyPr wrap="square" rtlCol="0">
-              <a:spAutoFit/>
-            </a:bodyPr>
-            <a:lstStyle/>
-            <a:p>
-              <a:pPr algn="ctr"/>
-              <a:r>
-                <a:rPr lang="en-US" dirty="0"/>
-                <a:t>Requirements</a:t>
-              </a:r>
-              <a:endParaRPr lang="de-DE" dirty="0"/>
-            </a:p>
-          </p:txBody>
-        </p:sp>
-        <p:sp>
-          <p:nvSpPr>
-            <p:cNvPr id="16" name="Textfeld 15">
-              <a:extLst>
-                <a:ext uri="{FF2B5EF4-FFF2-40B4-BE49-F238E27FC236}">
-                  <a16:creationId xmlns:a16="http://schemas.microsoft.com/office/drawing/2014/main" id="{AEC282E5-34C9-4A16-A2D9-60ED20617E50}"/>
-                </a:ext>
-              </a:extLst>
-            </p:cNvPr>
-            <p:cNvSpPr txBox="1"/>
-            <p:nvPr/>
-          </p:nvSpPr>
-          <p:spPr>
-            <a:xfrm>
-              <a:off x="1778044" y="3302698"/>
-              <a:ext cx="1993260" cy="646331"/>
-            </a:xfrm>
-            <a:prstGeom prst="rect">
-              <a:avLst/>
-            </a:prstGeom>
-            <a:noFill/>
-          </p:spPr>
-          <p:txBody>
-            <a:bodyPr wrap="square" rtlCol="0">
-              <a:spAutoFit/>
-            </a:bodyPr>
-            <a:lstStyle/>
-            <a:p>
-              <a:pPr algn="ctr"/>
-              <a:r>
-                <a:rPr lang="en-US" dirty="0"/>
-                <a:t>Logical Architecture</a:t>
-              </a:r>
-              <a:endParaRPr lang="de-DE" dirty="0"/>
-            </a:p>
-          </p:txBody>
-        </p:sp>
-        <p:sp>
-          <p:nvSpPr>
-            <p:cNvPr id="17" name="Textfeld 16">
-              <a:extLst>
-                <a:ext uri="{FF2B5EF4-FFF2-40B4-BE49-F238E27FC236}">
-                  <a16:creationId xmlns:a16="http://schemas.microsoft.com/office/drawing/2014/main" id="{498B57CE-AB24-4237-A77F-8D21D5400431}"/>
-                </a:ext>
-              </a:extLst>
-            </p:cNvPr>
-            <p:cNvSpPr txBox="1"/>
-            <p:nvPr/>
-          </p:nvSpPr>
-          <p:spPr>
-            <a:xfrm>
-              <a:off x="2542818" y="4272308"/>
-              <a:ext cx="1993260" cy="369332"/>
-            </a:xfrm>
-            <a:prstGeom prst="rect">
-              <a:avLst/>
-            </a:prstGeom>
-            <a:noFill/>
-          </p:spPr>
-          <p:txBody>
-            <a:bodyPr wrap="square" rtlCol="0">
-              <a:spAutoFit/>
-            </a:bodyPr>
-            <a:lstStyle/>
-            <a:p>
-              <a:pPr algn="ctr"/>
-              <a:r>
-                <a:rPr lang="en-US" dirty="0"/>
-                <a:t>System Design</a:t>
-              </a:r>
-              <a:endParaRPr lang="de-DE" dirty="0"/>
-            </a:p>
-          </p:txBody>
-        </p:sp>
-        <p:sp>
-          <p:nvSpPr>
-            <p:cNvPr id="18" name="Textfeld 17">
-              <a:extLst>
-                <a:ext uri="{FF2B5EF4-FFF2-40B4-BE49-F238E27FC236}">
-                  <a16:creationId xmlns:a16="http://schemas.microsoft.com/office/drawing/2014/main" id="{E4F75AB1-290C-4A05-A5D9-B2EDA56C1D3E}"/>
-                </a:ext>
-              </a:extLst>
-            </p:cNvPr>
-            <p:cNvSpPr txBox="1"/>
-            <p:nvPr/>
-          </p:nvSpPr>
-          <p:spPr>
-            <a:xfrm>
-              <a:off x="2983558" y="4685229"/>
-              <a:ext cx="1993260" cy="646331"/>
-            </a:xfrm>
-            <a:prstGeom prst="rect">
-              <a:avLst/>
-            </a:prstGeom>
-            <a:noFill/>
-          </p:spPr>
-          <p:txBody>
-            <a:bodyPr wrap="square" rtlCol="0">
-              <a:spAutoFit/>
-            </a:bodyPr>
-            <a:lstStyle/>
-            <a:p>
-              <a:pPr algn="ctr"/>
-              <a:r>
-                <a:rPr lang="en-US" dirty="0">
+                <a:rPr lang="en-GB" dirty="0">
                   <a:solidFill>
-                    <a:schemeClr val="accent6">
-                      <a:lumMod val="75000"/>
-                    </a:schemeClr>
+                    <a:schemeClr val="tx1"/>
                   </a:solidFill>
                 </a:rPr>
-                <a:t>Component </a:t>
+                <a:t>3</a:t>
               </a:r>
-            </a:p>
-            <a:p>
-              <a:pPr algn="ctr"/>
-              <a:r>
-                <a:rPr lang="en-US" dirty="0">
-                  <a:solidFill>
-                    <a:schemeClr val="accent6">
-                      <a:lumMod val="75000"/>
-                    </a:schemeClr>
-                  </a:solidFill>
-                </a:rPr>
-                <a:t>Design</a:t>
-              </a:r>
-              <a:endParaRPr lang="de-DE" dirty="0">
-                <a:solidFill>
-                  <a:schemeClr val="accent6">
-                    <a:lumMod val="75000"/>
-                  </a:schemeClr>
-                </a:solidFill>
-              </a:endParaRPr>
-            </a:p>
-          </p:txBody>
-        </p:sp>
-        <p:sp>
-          <p:nvSpPr>
-            <p:cNvPr id="19" name="Textfeld 18">
-              <a:extLst>
-                <a:ext uri="{FF2B5EF4-FFF2-40B4-BE49-F238E27FC236}">
-                  <a16:creationId xmlns:a16="http://schemas.microsoft.com/office/drawing/2014/main" id="{E16DAB7E-EE8E-41A8-9AA9-5212EE675BA8}"/>
-                </a:ext>
-              </a:extLst>
-            </p:cNvPr>
-            <p:cNvSpPr txBox="1"/>
-            <p:nvPr/>
-          </p:nvSpPr>
-          <p:spPr>
-            <a:xfrm>
-              <a:off x="3738066" y="5348801"/>
-              <a:ext cx="1993260" cy="369332"/>
-            </a:xfrm>
-            <a:prstGeom prst="rect">
-              <a:avLst/>
-            </a:prstGeom>
-            <a:noFill/>
-          </p:spPr>
-          <p:txBody>
-            <a:bodyPr wrap="square" rtlCol="0">
-              <a:spAutoFit/>
-            </a:bodyPr>
-            <a:lstStyle/>
-            <a:p>
-              <a:pPr algn="ctr"/>
-              <a:r>
-                <a:rPr lang="en-US" dirty="0"/>
-                <a:t>Implementation</a:t>
-              </a:r>
-              <a:endParaRPr lang="de-DE" dirty="0"/>
-            </a:p>
-          </p:txBody>
-        </p:sp>
-        <p:sp>
-          <p:nvSpPr>
-            <p:cNvPr id="22" name="Textfeld 21">
-              <a:extLst>
-                <a:ext uri="{FF2B5EF4-FFF2-40B4-BE49-F238E27FC236}">
-                  <a16:creationId xmlns:a16="http://schemas.microsoft.com/office/drawing/2014/main" id="{2FE07805-26D5-4E8D-9DF7-9B5AD20B69DD}"/>
-                </a:ext>
-              </a:extLst>
-            </p:cNvPr>
-            <p:cNvSpPr txBox="1"/>
-            <p:nvPr/>
-          </p:nvSpPr>
-          <p:spPr>
-            <a:xfrm>
-              <a:off x="6462765" y="4529336"/>
-              <a:ext cx="1993260" cy="369332"/>
-            </a:xfrm>
-            <a:prstGeom prst="rect">
-              <a:avLst/>
-            </a:prstGeom>
-            <a:noFill/>
-          </p:spPr>
-          <p:txBody>
-            <a:bodyPr wrap="square" rtlCol="0">
-              <a:spAutoFit/>
-            </a:bodyPr>
-            <a:lstStyle/>
-            <a:p>
-              <a:pPr algn="ctr"/>
-              <a:r>
-                <a:rPr lang="en-US" dirty="0"/>
-                <a:t>Component Test</a:t>
-              </a:r>
-              <a:endParaRPr lang="de-DE" dirty="0"/>
-            </a:p>
-          </p:txBody>
-        </p:sp>
-        <p:sp>
-          <p:nvSpPr>
-            <p:cNvPr id="23" name="Textfeld 22">
-              <a:extLst>
-                <a:ext uri="{FF2B5EF4-FFF2-40B4-BE49-F238E27FC236}">
-                  <a16:creationId xmlns:a16="http://schemas.microsoft.com/office/drawing/2014/main" id="{F9FEA2E6-54C6-4823-A520-DD46DDA3BA28}"/>
-                </a:ext>
-              </a:extLst>
-            </p:cNvPr>
-            <p:cNvSpPr txBox="1"/>
-            <p:nvPr/>
-          </p:nvSpPr>
-          <p:spPr>
-            <a:xfrm>
-              <a:off x="6871215" y="3972351"/>
-              <a:ext cx="1993260" cy="369332"/>
-            </a:xfrm>
-            <a:prstGeom prst="rect">
-              <a:avLst/>
-            </a:prstGeom>
-            <a:noFill/>
-          </p:spPr>
-          <p:txBody>
-            <a:bodyPr wrap="square" rtlCol="0">
-              <a:spAutoFit/>
-            </a:bodyPr>
-            <a:lstStyle/>
-            <a:p>
-              <a:pPr algn="ctr"/>
-              <a:r>
-                <a:rPr lang="en-US" dirty="0"/>
-                <a:t>System Test</a:t>
-              </a:r>
-              <a:endParaRPr lang="de-DE" dirty="0"/>
-            </a:p>
-          </p:txBody>
-        </p:sp>
-        <p:sp>
-          <p:nvSpPr>
-            <p:cNvPr id="24" name="Textfeld 23">
-              <a:extLst>
-                <a:ext uri="{FF2B5EF4-FFF2-40B4-BE49-F238E27FC236}">
-                  <a16:creationId xmlns:a16="http://schemas.microsoft.com/office/drawing/2014/main" id="{45C4ECF8-36C4-4631-9E23-7CB1CB2B3E95}"/>
-                </a:ext>
-              </a:extLst>
-            </p:cNvPr>
-            <p:cNvSpPr txBox="1"/>
-            <p:nvPr/>
-          </p:nvSpPr>
-          <p:spPr>
-            <a:xfrm>
-              <a:off x="7532333" y="3415366"/>
-              <a:ext cx="1993260" cy="369332"/>
-            </a:xfrm>
-            <a:prstGeom prst="rect">
-              <a:avLst/>
-            </a:prstGeom>
-            <a:noFill/>
-          </p:spPr>
-          <p:txBody>
-            <a:bodyPr wrap="square" rtlCol="0">
-              <a:spAutoFit/>
-            </a:bodyPr>
-            <a:lstStyle/>
-            <a:p>
-              <a:pPr algn="ctr"/>
-              <a:r>
-                <a:rPr lang="en-US" dirty="0"/>
-                <a:t>Integration Test</a:t>
-              </a:r>
-              <a:endParaRPr lang="de-DE" dirty="0"/>
-            </a:p>
-          </p:txBody>
-        </p:sp>
-        <p:sp>
-          <p:nvSpPr>
-            <p:cNvPr id="25" name="Textfeld 24">
-              <a:extLst>
-                <a:ext uri="{FF2B5EF4-FFF2-40B4-BE49-F238E27FC236}">
-                  <a16:creationId xmlns:a16="http://schemas.microsoft.com/office/drawing/2014/main" id="{52C2A5DD-921B-468C-AD18-B3C6134DFBDC}"/>
-                </a:ext>
-              </a:extLst>
-            </p:cNvPr>
-            <p:cNvSpPr txBox="1"/>
-            <p:nvPr/>
-          </p:nvSpPr>
-          <p:spPr>
-            <a:xfrm>
-              <a:off x="8025727" y="2857010"/>
-              <a:ext cx="1993260" cy="369332"/>
-            </a:xfrm>
-            <a:prstGeom prst="rect">
-              <a:avLst/>
-            </a:prstGeom>
-            <a:noFill/>
-          </p:spPr>
-          <p:txBody>
-            <a:bodyPr wrap="square" rtlCol="0">
-              <a:spAutoFit/>
-            </a:bodyPr>
-            <a:lstStyle/>
-            <a:p>
-              <a:pPr algn="ctr"/>
-              <a:r>
-                <a:rPr lang="en-US" dirty="0"/>
-                <a:t>Qualification</a:t>
-              </a:r>
-              <a:endParaRPr lang="de-DE" dirty="0"/>
             </a:p>
           </p:txBody>
         </p:sp>
         <p:cxnSp>
           <p:nvCxnSpPr>
-            <p:cNvPr id="27" name="Gerade Verbindung mit Pfeil 26">
-              <a:extLst>
-                <a:ext uri="{FF2B5EF4-FFF2-40B4-BE49-F238E27FC236}">
-                  <a16:creationId xmlns:a16="http://schemas.microsoft.com/office/drawing/2014/main" id="{35A48110-7E76-4EA6-8BB2-84459347D9FF}"/>
+            <p:cNvPr id="21" name="Gerade Verbindung mit Pfeil 20">
+              <a:extLst>
+                <a:ext uri="{FF2B5EF4-FFF2-40B4-BE49-F238E27FC236}">
+                  <a16:creationId xmlns:a16="http://schemas.microsoft.com/office/drawing/2014/main" id="{27780DA3-CD15-4FC2-AE6F-CEAACAC25643}"/>
                 </a:ext>
               </a:extLst>
             </p:cNvPr>
@@ -8247,61 +7165,18 @@
             <p:nvPr/>
           </p:nvCxnSpPr>
           <p:spPr>
-            <a:xfrm rot="2700000">
-              <a:off x="2897140" y="3272091"/>
-              <a:ext cx="3168000" cy="0"/>
+            <a:xfrm flipH="1" flipV="1">
+              <a:off x="7063845" y="3432356"/>
+              <a:ext cx="479394" cy="594804"/>
             </a:xfrm>
             <a:prstGeom prst="straightConnector1">
               <a:avLst/>
             </a:prstGeom>
-            <a:ln w="38100">
+            <a:ln w="47625">
               <a:solidFill>
-                <a:srgbClr val="C00000"/>
+                <a:srgbClr val="FF0000"/>
               </a:solidFill>
-              <a:tailEnd type="triangle"/>
-            </a:ln>
-          </p:spPr>
-          <p:style>
-            <a:lnRef idx="1">
-              <a:schemeClr val="accent1"/>
-            </a:lnRef>
-            <a:fillRef idx="0">
-              <a:schemeClr val="accent1"/>
-            </a:fillRef>
-            <a:effectRef idx="0">
-              <a:schemeClr val="accent1"/>
-            </a:effectRef>
-            <a:fontRef idx="minor">
-              <a:schemeClr val="tx1"/>
-            </a:fontRef>
-          </p:style>
-        </p:cxnSp>
-        <p:cxnSp>
-          <p:nvCxnSpPr>
-            <p:cNvPr id="28" name="Gerade Verbindung mit Pfeil 27">
-              <a:extLst>
-                <a:ext uri="{FF2B5EF4-FFF2-40B4-BE49-F238E27FC236}">
-                  <a16:creationId xmlns:a16="http://schemas.microsoft.com/office/drawing/2014/main" id="{FA6BDB8E-DC91-4D15-BBEF-193EE35BB1DE}"/>
-                </a:ext>
-              </a:extLst>
-            </p:cNvPr>
-            <p:cNvCxnSpPr>
-              <a:cxnSpLocks/>
-            </p:cNvCxnSpPr>
-            <p:nvPr/>
-          </p:nvCxnSpPr>
-          <p:spPr>
-            <a:xfrm rot="-2700000" flipV="1">
-              <a:off x="5342985" y="3300870"/>
-              <a:ext cx="2988000" cy="0"/>
-            </a:xfrm>
-            <a:prstGeom prst="straightConnector1">
-              <a:avLst/>
-            </a:prstGeom>
-            <a:ln w="38100">
-              <a:solidFill>
-                <a:srgbClr val="C00000"/>
-              </a:solidFill>
+              <a:headEnd type="none"/>
               <a:tailEnd type="triangle"/>
             </a:ln>
           </p:spPr>
@@ -8324,7 +7199,7 @@
     </p:spTree>
     <p:extLst>
       <p:ext uri="{BB962C8B-B14F-4D97-AF65-F5344CB8AC3E}">
-        <p14:creationId xmlns:p14="http://schemas.microsoft.com/office/powerpoint/2010/main" val="1814418065"/>
+        <p14:creationId xmlns:p14="http://schemas.microsoft.com/office/powerpoint/2010/main" val="2468962258"/>
       </p:ext>
     </p:extLst>
   </p:cSld>
@@ -8374,712 +7249,6 @@
           <a:p>
             <a:r>
               <a:rPr lang="en-US" dirty="0"/>
-              <a:t>V Model Implementation</a:t>
-            </a:r>
-            <a:endParaRPr lang="de-DE" dirty="0"/>
-          </a:p>
-        </p:txBody>
-      </p:sp>
-      <p:grpSp>
-        <p:nvGrpSpPr>
-          <p:cNvPr id="34" name="Gruppieren 33">
-            <a:extLst>
-              <a:ext uri="{FF2B5EF4-FFF2-40B4-BE49-F238E27FC236}">
-                <a16:creationId xmlns:a16="http://schemas.microsoft.com/office/drawing/2014/main" id="{A6C7C88E-9212-466F-90A5-B4DE443468DC}"/>
-              </a:ext>
-            </a:extLst>
-          </p:cNvPr>
-          <p:cNvGrpSpPr/>
-          <p:nvPr/>
-        </p:nvGrpSpPr>
-        <p:grpSpPr>
-          <a:xfrm>
-            <a:off x="1454095" y="1690688"/>
-            <a:ext cx="8841185" cy="4030042"/>
-            <a:chOff x="1177802" y="1688091"/>
-            <a:chExt cx="8841185" cy="4030042"/>
-          </a:xfrm>
-        </p:grpSpPr>
-        <p:sp>
-          <p:nvSpPr>
-            <p:cNvPr id="4" name="Rechteck: abgerundete Ecken 3">
-              <a:extLst>
-                <a:ext uri="{FF2B5EF4-FFF2-40B4-BE49-F238E27FC236}">
-                  <a16:creationId xmlns:a16="http://schemas.microsoft.com/office/drawing/2014/main" id="{EAC00E52-286E-435F-BB34-805F56714348}"/>
-                </a:ext>
-              </a:extLst>
-            </p:cNvPr>
-            <p:cNvSpPr/>
-            <p:nvPr/>
-          </p:nvSpPr>
-          <p:spPr>
-            <a:xfrm rot="2700000">
-              <a:off x="2656673" y="2759633"/>
-              <a:ext cx="2032253" cy="717262"/>
-            </a:xfrm>
-            <a:prstGeom prst="roundRect">
-              <a:avLst/>
-            </a:prstGeom>
-            <a:solidFill>
-              <a:schemeClr val="bg1">
-                <a:lumMod val="65000"/>
-              </a:schemeClr>
-            </a:solidFill>
-            <a:ln w="34925">
-              <a:solidFill>
-                <a:schemeClr val="bg1">
-                  <a:lumMod val="50000"/>
-                </a:schemeClr>
-              </a:solidFill>
-            </a:ln>
-          </p:spPr>
-          <p:style>
-            <a:lnRef idx="2">
-              <a:schemeClr val="accent1">
-                <a:shade val="50000"/>
-              </a:schemeClr>
-            </a:lnRef>
-            <a:fillRef idx="1">
-              <a:schemeClr val="accent1"/>
-            </a:fillRef>
-            <a:effectRef idx="0">
-              <a:schemeClr val="accent1"/>
-            </a:effectRef>
-            <a:fontRef idx="minor">
-              <a:schemeClr val="lt1"/>
-            </a:fontRef>
-          </p:style>
-          <p:txBody>
-            <a:bodyPr rtlCol="0" anchor="ctr"/>
-            <a:lstStyle/>
-            <a:p>
-              <a:pPr algn="ctr"/>
-              <a:r>
-                <a:rPr lang="en-US" dirty="0"/>
-                <a:t>Mil</a:t>
-              </a:r>
-              <a:endParaRPr lang="de-DE" dirty="0"/>
-            </a:p>
-          </p:txBody>
-        </p:sp>
-        <p:sp>
-          <p:nvSpPr>
-            <p:cNvPr id="11" name="Rechteck: abgerundete Ecken 10">
-              <a:extLst>
-                <a:ext uri="{FF2B5EF4-FFF2-40B4-BE49-F238E27FC236}">
-                  <a16:creationId xmlns:a16="http://schemas.microsoft.com/office/drawing/2014/main" id="{F5A996D1-F113-4673-894C-451963F6E703}"/>
-                </a:ext>
-              </a:extLst>
-            </p:cNvPr>
-            <p:cNvSpPr/>
-            <p:nvPr/>
-          </p:nvSpPr>
-          <p:spPr>
-            <a:xfrm rot="2700000">
-              <a:off x="4163955" y="4260585"/>
-              <a:ext cx="2032253" cy="717262"/>
-            </a:xfrm>
-            <a:prstGeom prst="roundRect">
-              <a:avLst/>
-            </a:prstGeom>
-            <a:solidFill>
-              <a:schemeClr val="accent6">
-                <a:lumMod val="75000"/>
-              </a:schemeClr>
-            </a:solidFill>
-            <a:ln w="34925">
-              <a:solidFill>
-                <a:schemeClr val="bg1">
-                  <a:lumMod val="50000"/>
-                </a:schemeClr>
-              </a:solidFill>
-            </a:ln>
-          </p:spPr>
-          <p:style>
-            <a:lnRef idx="2">
-              <a:schemeClr val="accent1">
-                <a:shade val="50000"/>
-              </a:schemeClr>
-            </a:lnRef>
-            <a:fillRef idx="1">
-              <a:schemeClr val="accent1"/>
-            </a:fillRef>
-            <a:effectRef idx="0">
-              <a:schemeClr val="accent1"/>
-            </a:effectRef>
-            <a:fontRef idx="minor">
-              <a:schemeClr val="lt1"/>
-            </a:fontRef>
-          </p:style>
-          <p:txBody>
-            <a:bodyPr rtlCol="0" anchor="ctr"/>
-            <a:lstStyle/>
-            <a:p>
-              <a:pPr algn="ctr"/>
-              <a:r>
-                <a:rPr lang="en-US" dirty="0"/>
-                <a:t>Sil</a:t>
-              </a:r>
-              <a:endParaRPr lang="de-DE" dirty="0"/>
-            </a:p>
-          </p:txBody>
-        </p:sp>
-        <p:sp>
-          <p:nvSpPr>
-            <p:cNvPr id="12" name="Rechteck: abgerundete Ecken 11">
-              <a:extLst>
-                <a:ext uri="{FF2B5EF4-FFF2-40B4-BE49-F238E27FC236}">
-                  <a16:creationId xmlns:a16="http://schemas.microsoft.com/office/drawing/2014/main" id="{25643424-C6E5-4E53-BF09-E6EDFC2C6720}"/>
-                </a:ext>
-              </a:extLst>
-            </p:cNvPr>
-            <p:cNvSpPr/>
-            <p:nvPr/>
-          </p:nvSpPr>
-          <p:spPr>
-            <a:xfrm rot="-2700000">
-              <a:off x="5522360" y="3235452"/>
-              <a:ext cx="3356375" cy="717262"/>
-            </a:xfrm>
-            <a:prstGeom prst="roundRect">
-              <a:avLst/>
-            </a:prstGeom>
-            <a:solidFill>
-              <a:schemeClr val="bg1">
-                <a:lumMod val="65000"/>
-              </a:schemeClr>
-            </a:solidFill>
-            <a:ln w="34925">
-              <a:solidFill>
-                <a:schemeClr val="bg1">
-                  <a:lumMod val="50000"/>
-                </a:schemeClr>
-              </a:solidFill>
-            </a:ln>
-          </p:spPr>
-          <p:style>
-            <a:lnRef idx="2">
-              <a:schemeClr val="accent1">
-                <a:shade val="50000"/>
-              </a:schemeClr>
-            </a:lnRef>
-            <a:fillRef idx="1">
-              <a:schemeClr val="accent1"/>
-            </a:fillRef>
-            <a:effectRef idx="0">
-              <a:schemeClr val="accent1"/>
-            </a:effectRef>
-            <a:fontRef idx="minor">
-              <a:schemeClr val="lt1"/>
-            </a:fontRef>
-          </p:style>
-          <p:txBody>
-            <a:bodyPr rtlCol="0" anchor="ctr"/>
-            <a:lstStyle/>
-            <a:p>
-              <a:pPr algn="ctr"/>
-              <a:r>
-                <a:rPr lang="en-US" dirty="0" err="1"/>
-                <a:t>HiL</a:t>
-              </a:r>
-              <a:endParaRPr lang="de-DE" dirty="0"/>
-            </a:p>
-          </p:txBody>
-        </p:sp>
-        <p:sp>
-          <p:nvSpPr>
-            <p:cNvPr id="15" name="Textfeld 14">
-              <a:extLst>
-                <a:ext uri="{FF2B5EF4-FFF2-40B4-BE49-F238E27FC236}">
-                  <a16:creationId xmlns:a16="http://schemas.microsoft.com/office/drawing/2014/main" id="{06C3CB72-97F7-4AA9-B328-886DCEC5D5F3}"/>
-                </a:ext>
-              </a:extLst>
-            </p:cNvPr>
-            <p:cNvSpPr txBox="1"/>
-            <p:nvPr/>
-          </p:nvSpPr>
-          <p:spPr>
-            <a:xfrm>
-              <a:off x="1177802" y="2896639"/>
-              <a:ext cx="1993260" cy="369332"/>
-            </a:xfrm>
-            <a:prstGeom prst="rect">
-              <a:avLst/>
-            </a:prstGeom>
-            <a:noFill/>
-          </p:spPr>
-          <p:txBody>
-            <a:bodyPr wrap="square" rtlCol="0">
-              <a:spAutoFit/>
-            </a:bodyPr>
-            <a:lstStyle/>
-            <a:p>
-              <a:pPr algn="ctr"/>
-              <a:r>
-                <a:rPr lang="en-US" dirty="0"/>
-                <a:t>Requirements</a:t>
-              </a:r>
-              <a:endParaRPr lang="de-DE" dirty="0"/>
-            </a:p>
-          </p:txBody>
-        </p:sp>
-        <p:sp>
-          <p:nvSpPr>
-            <p:cNvPr id="16" name="Textfeld 15">
-              <a:extLst>
-                <a:ext uri="{FF2B5EF4-FFF2-40B4-BE49-F238E27FC236}">
-                  <a16:creationId xmlns:a16="http://schemas.microsoft.com/office/drawing/2014/main" id="{AEC282E5-34C9-4A16-A2D9-60ED20617E50}"/>
-                </a:ext>
-              </a:extLst>
-            </p:cNvPr>
-            <p:cNvSpPr txBox="1"/>
-            <p:nvPr/>
-          </p:nvSpPr>
-          <p:spPr>
-            <a:xfrm>
-              <a:off x="1778044" y="3302698"/>
-              <a:ext cx="1993260" cy="646331"/>
-            </a:xfrm>
-            <a:prstGeom prst="rect">
-              <a:avLst/>
-            </a:prstGeom>
-            <a:noFill/>
-          </p:spPr>
-          <p:txBody>
-            <a:bodyPr wrap="square" rtlCol="0">
-              <a:spAutoFit/>
-            </a:bodyPr>
-            <a:lstStyle/>
-            <a:p>
-              <a:pPr algn="ctr"/>
-              <a:r>
-                <a:rPr lang="en-US" dirty="0"/>
-                <a:t>Logical Architecture</a:t>
-              </a:r>
-              <a:endParaRPr lang="de-DE" dirty="0"/>
-            </a:p>
-          </p:txBody>
-        </p:sp>
-        <p:sp>
-          <p:nvSpPr>
-            <p:cNvPr id="17" name="Textfeld 16">
-              <a:extLst>
-                <a:ext uri="{FF2B5EF4-FFF2-40B4-BE49-F238E27FC236}">
-                  <a16:creationId xmlns:a16="http://schemas.microsoft.com/office/drawing/2014/main" id="{498B57CE-AB24-4237-A77F-8D21D5400431}"/>
-                </a:ext>
-              </a:extLst>
-            </p:cNvPr>
-            <p:cNvSpPr txBox="1"/>
-            <p:nvPr/>
-          </p:nvSpPr>
-          <p:spPr>
-            <a:xfrm>
-              <a:off x="2542818" y="4272308"/>
-              <a:ext cx="1993260" cy="369332"/>
-            </a:xfrm>
-            <a:prstGeom prst="rect">
-              <a:avLst/>
-            </a:prstGeom>
-            <a:noFill/>
-          </p:spPr>
-          <p:txBody>
-            <a:bodyPr wrap="square" rtlCol="0">
-              <a:spAutoFit/>
-            </a:bodyPr>
-            <a:lstStyle/>
-            <a:p>
-              <a:pPr algn="ctr"/>
-              <a:r>
-                <a:rPr lang="en-US" dirty="0"/>
-                <a:t>System Design</a:t>
-              </a:r>
-              <a:endParaRPr lang="de-DE" dirty="0"/>
-            </a:p>
-          </p:txBody>
-        </p:sp>
-        <p:sp>
-          <p:nvSpPr>
-            <p:cNvPr id="18" name="Textfeld 17">
-              <a:extLst>
-                <a:ext uri="{FF2B5EF4-FFF2-40B4-BE49-F238E27FC236}">
-                  <a16:creationId xmlns:a16="http://schemas.microsoft.com/office/drawing/2014/main" id="{E4F75AB1-290C-4A05-A5D9-B2EDA56C1D3E}"/>
-                </a:ext>
-              </a:extLst>
-            </p:cNvPr>
-            <p:cNvSpPr txBox="1"/>
-            <p:nvPr/>
-          </p:nvSpPr>
-          <p:spPr>
-            <a:xfrm>
-              <a:off x="2983558" y="4685229"/>
-              <a:ext cx="1993260" cy="646331"/>
-            </a:xfrm>
-            <a:prstGeom prst="rect">
-              <a:avLst/>
-            </a:prstGeom>
-            <a:noFill/>
-          </p:spPr>
-          <p:txBody>
-            <a:bodyPr wrap="square" rtlCol="0">
-              <a:spAutoFit/>
-            </a:bodyPr>
-            <a:lstStyle/>
-            <a:p>
-              <a:pPr algn="ctr"/>
-              <a:r>
-                <a:rPr lang="en-US" dirty="0"/>
-                <a:t>Component </a:t>
-              </a:r>
-            </a:p>
-            <a:p>
-              <a:pPr algn="ctr"/>
-              <a:r>
-                <a:rPr lang="en-US" dirty="0"/>
-                <a:t>Design</a:t>
-              </a:r>
-              <a:endParaRPr lang="de-DE" dirty="0"/>
-            </a:p>
-          </p:txBody>
-        </p:sp>
-        <p:sp>
-          <p:nvSpPr>
-            <p:cNvPr id="19" name="Textfeld 18">
-              <a:extLst>
-                <a:ext uri="{FF2B5EF4-FFF2-40B4-BE49-F238E27FC236}">
-                  <a16:creationId xmlns:a16="http://schemas.microsoft.com/office/drawing/2014/main" id="{E16DAB7E-EE8E-41A8-9AA9-5212EE675BA8}"/>
-                </a:ext>
-              </a:extLst>
-            </p:cNvPr>
-            <p:cNvSpPr txBox="1"/>
-            <p:nvPr/>
-          </p:nvSpPr>
-          <p:spPr>
-            <a:xfrm>
-              <a:off x="3738066" y="5348801"/>
-              <a:ext cx="1993260" cy="369332"/>
-            </a:xfrm>
-            <a:prstGeom prst="rect">
-              <a:avLst/>
-            </a:prstGeom>
-            <a:noFill/>
-          </p:spPr>
-          <p:txBody>
-            <a:bodyPr wrap="square" rtlCol="0">
-              <a:spAutoFit/>
-            </a:bodyPr>
-            <a:lstStyle/>
-            <a:p>
-              <a:pPr algn="ctr"/>
-              <a:r>
-                <a:rPr lang="en-US" dirty="0">
-                  <a:solidFill>
-                    <a:schemeClr val="accent6">
-                      <a:lumMod val="75000"/>
-                    </a:schemeClr>
-                  </a:solidFill>
-                </a:rPr>
-                <a:t>Implementation</a:t>
-              </a:r>
-              <a:endParaRPr lang="de-DE" dirty="0">
-                <a:solidFill>
-                  <a:schemeClr val="accent6">
-                    <a:lumMod val="75000"/>
-                  </a:schemeClr>
-                </a:solidFill>
-              </a:endParaRPr>
-            </a:p>
-          </p:txBody>
-        </p:sp>
-        <p:sp>
-          <p:nvSpPr>
-            <p:cNvPr id="22" name="Textfeld 21">
-              <a:extLst>
-                <a:ext uri="{FF2B5EF4-FFF2-40B4-BE49-F238E27FC236}">
-                  <a16:creationId xmlns:a16="http://schemas.microsoft.com/office/drawing/2014/main" id="{2FE07805-26D5-4E8D-9DF7-9B5AD20B69DD}"/>
-                </a:ext>
-              </a:extLst>
-            </p:cNvPr>
-            <p:cNvSpPr txBox="1"/>
-            <p:nvPr/>
-          </p:nvSpPr>
-          <p:spPr>
-            <a:xfrm>
-              <a:off x="6462765" y="4529336"/>
-              <a:ext cx="1993260" cy="369332"/>
-            </a:xfrm>
-            <a:prstGeom prst="rect">
-              <a:avLst/>
-            </a:prstGeom>
-            <a:noFill/>
-          </p:spPr>
-          <p:txBody>
-            <a:bodyPr wrap="square" rtlCol="0">
-              <a:spAutoFit/>
-            </a:bodyPr>
-            <a:lstStyle/>
-            <a:p>
-              <a:pPr algn="ctr"/>
-              <a:r>
-                <a:rPr lang="en-US" dirty="0"/>
-                <a:t>Component Test</a:t>
-              </a:r>
-              <a:endParaRPr lang="de-DE" dirty="0"/>
-            </a:p>
-          </p:txBody>
-        </p:sp>
-        <p:sp>
-          <p:nvSpPr>
-            <p:cNvPr id="23" name="Textfeld 22">
-              <a:extLst>
-                <a:ext uri="{FF2B5EF4-FFF2-40B4-BE49-F238E27FC236}">
-                  <a16:creationId xmlns:a16="http://schemas.microsoft.com/office/drawing/2014/main" id="{F9FEA2E6-54C6-4823-A520-DD46DDA3BA28}"/>
-                </a:ext>
-              </a:extLst>
-            </p:cNvPr>
-            <p:cNvSpPr txBox="1"/>
-            <p:nvPr/>
-          </p:nvSpPr>
-          <p:spPr>
-            <a:xfrm>
-              <a:off x="6871215" y="3972351"/>
-              <a:ext cx="1993260" cy="369332"/>
-            </a:xfrm>
-            <a:prstGeom prst="rect">
-              <a:avLst/>
-            </a:prstGeom>
-            <a:noFill/>
-          </p:spPr>
-          <p:txBody>
-            <a:bodyPr wrap="square" rtlCol="0">
-              <a:spAutoFit/>
-            </a:bodyPr>
-            <a:lstStyle/>
-            <a:p>
-              <a:pPr algn="ctr"/>
-              <a:r>
-                <a:rPr lang="en-US" dirty="0"/>
-                <a:t>System Test</a:t>
-              </a:r>
-              <a:endParaRPr lang="de-DE" dirty="0"/>
-            </a:p>
-          </p:txBody>
-        </p:sp>
-        <p:sp>
-          <p:nvSpPr>
-            <p:cNvPr id="24" name="Textfeld 23">
-              <a:extLst>
-                <a:ext uri="{FF2B5EF4-FFF2-40B4-BE49-F238E27FC236}">
-                  <a16:creationId xmlns:a16="http://schemas.microsoft.com/office/drawing/2014/main" id="{45C4ECF8-36C4-4631-9E23-7CB1CB2B3E95}"/>
-                </a:ext>
-              </a:extLst>
-            </p:cNvPr>
-            <p:cNvSpPr txBox="1"/>
-            <p:nvPr/>
-          </p:nvSpPr>
-          <p:spPr>
-            <a:xfrm>
-              <a:off x="7532333" y="3415366"/>
-              <a:ext cx="1993260" cy="369332"/>
-            </a:xfrm>
-            <a:prstGeom prst="rect">
-              <a:avLst/>
-            </a:prstGeom>
-            <a:noFill/>
-          </p:spPr>
-          <p:txBody>
-            <a:bodyPr wrap="square" rtlCol="0">
-              <a:spAutoFit/>
-            </a:bodyPr>
-            <a:lstStyle/>
-            <a:p>
-              <a:pPr algn="ctr"/>
-              <a:r>
-                <a:rPr lang="en-US" dirty="0"/>
-                <a:t>Integration Test</a:t>
-              </a:r>
-              <a:endParaRPr lang="de-DE" dirty="0"/>
-            </a:p>
-          </p:txBody>
-        </p:sp>
-        <p:sp>
-          <p:nvSpPr>
-            <p:cNvPr id="25" name="Textfeld 24">
-              <a:extLst>
-                <a:ext uri="{FF2B5EF4-FFF2-40B4-BE49-F238E27FC236}">
-                  <a16:creationId xmlns:a16="http://schemas.microsoft.com/office/drawing/2014/main" id="{52C2A5DD-921B-468C-AD18-B3C6134DFBDC}"/>
-                </a:ext>
-              </a:extLst>
-            </p:cNvPr>
-            <p:cNvSpPr txBox="1"/>
-            <p:nvPr/>
-          </p:nvSpPr>
-          <p:spPr>
-            <a:xfrm>
-              <a:off x="8025727" y="2857010"/>
-              <a:ext cx="1993260" cy="369332"/>
-            </a:xfrm>
-            <a:prstGeom prst="rect">
-              <a:avLst/>
-            </a:prstGeom>
-            <a:noFill/>
-          </p:spPr>
-          <p:txBody>
-            <a:bodyPr wrap="square" rtlCol="0">
-              <a:spAutoFit/>
-            </a:bodyPr>
-            <a:lstStyle/>
-            <a:p>
-              <a:pPr algn="ctr"/>
-              <a:r>
-                <a:rPr lang="en-US" dirty="0"/>
-                <a:t>Qualification</a:t>
-              </a:r>
-              <a:endParaRPr lang="de-DE" dirty="0"/>
-            </a:p>
-          </p:txBody>
-        </p:sp>
-        <p:cxnSp>
-          <p:nvCxnSpPr>
-            <p:cNvPr id="27" name="Gerade Verbindung mit Pfeil 26">
-              <a:extLst>
-                <a:ext uri="{FF2B5EF4-FFF2-40B4-BE49-F238E27FC236}">
-                  <a16:creationId xmlns:a16="http://schemas.microsoft.com/office/drawing/2014/main" id="{35A48110-7E76-4EA6-8BB2-84459347D9FF}"/>
-                </a:ext>
-              </a:extLst>
-            </p:cNvPr>
-            <p:cNvCxnSpPr>
-              <a:cxnSpLocks/>
-            </p:cNvCxnSpPr>
-            <p:nvPr/>
-          </p:nvCxnSpPr>
-          <p:spPr>
-            <a:xfrm rot="2700000">
-              <a:off x="2897140" y="3272091"/>
-              <a:ext cx="3168000" cy="0"/>
-            </a:xfrm>
-            <a:prstGeom prst="straightConnector1">
-              <a:avLst/>
-            </a:prstGeom>
-            <a:ln w="38100">
-              <a:solidFill>
-                <a:srgbClr val="C00000"/>
-              </a:solidFill>
-              <a:tailEnd type="triangle"/>
-            </a:ln>
-          </p:spPr>
-          <p:style>
-            <a:lnRef idx="1">
-              <a:schemeClr val="accent1"/>
-            </a:lnRef>
-            <a:fillRef idx="0">
-              <a:schemeClr val="accent1"/>
-            </a:fillRef>
-            <a:effectRef idx="0">
-              <a:schemeClr val="accent1"/>
-            </a:effectRef>
-            <a:fontRef idx="minor">
-              <a:schemeClr val="tx1"/>
-            </a:fontRef>
-          </p:style>
-        </p:cxnSp>
-        <p:cxnSp>
-          <p:nvCxnSpPr>
-            <p:cNvPr id="28" name="Gerade Verbindung mit Pfeil 27">
-              <a:extLst>
-                <a:ext uri="{FF2B5EF4-FFF2-40B4-BE49-F238E27FC236}">
-                  <a16:creationId xmlns:a16="http://schemas.microsoft.com/office/drawing/2014/main" id="{FA6BDB8E-DC91-4D15-BBEF-193EE35BB1DE}"/>
-                </a:ext>
-              </a:extLst>
-            </p:cNvPr>
-            <p:cNvCxnSpPr>
-              <a:cxnSpLocks/>
-            </p:cNvCxnSpPr>
-            <p:nvPr/>
-          </p:nvCxnSpPr>
-          <p:spPr>
-            <a:xfrm rot="-2700000" flipV="1">
-              <a:off x="5342985" y="3300870"/>
-              <a:ext cx="2988000" cy="0"/>
-            </a:xfrm>
-            <a:prstGeom prst="straightConnector1">
-              <a:avLst/>
-            </a:prstGeom>
-            <a:ln w="38100">
-              <a:solidFill>
-                <a:srgbClr val="C00000"/>
-              </a:solidFill>
-              <a:tailEnd type="triangle"/>
-            </a:ln>
-          </p:spPr>
-          <p:style>
-            <a:lnRef idx="1">
-              <a:schemeClr val="accent1"/>
-            </a:lnRef>
-            <a:fillRef idx="0">
-              <a:schemeClr val="accent1"/>
-            </a:fillRef>
-            <a:effectRef idx="0">
-              <a:schemeClr val="accent1"/>
-            </a:effectRef>
-            <a:fontRef idx="minor">
-              <a:schemeClr val="tx1"/>
-            </a:fontRef>
-          </p:style>
-        </p:cxnSp>
-      </p:grpSp>
-    </p:spTree>
-    <p:extLst>
-      <p:ext uri="{BB962C8B-B14F-4D97-AF65-F5344CB8AC3E}">
-        <p14:creationId xmlns:p14="http://schemas.microsoft.com/office/powerpoint/2010/main" val="19924687"/>
-      </p:ext>
-    </p:extLst>
-  </p:cSld>
-  <p:clrMapOvr>
-    <a:masterClrMapping/>
-  </p:clrMapOvr>
-</p:sld>
-</file>
-
-<file path=ppt/slides/slide8.xml><?xml version="1.0" encoding="utf-8"?>
-<p:sld xmlns:a="http://schemas.openxmlformats.org/drawingml/2006/main" xmlns:r="http://schemas.openxmlformats.org/officeDocument/2006/relationships" xmlns:p="http://schemas.openxmlformats.org/presentationml/2006/main">
-  <p:cSld>
-    <p:spTree>
-      <p:nvGrpSpPr>
-        <p:cNvPr id="1" name=""/>
-        <p:cNvGrpSpPr/>
-        <p:nvPr/>
-      </p:nvGrpSpPr>
-      <p:grpSpPr>
-        <a:xfrm>
-          <a:off x="0" y="0"/>
-          <a:ext cx="0" cy="0"/>
-          <a:chOff x="0" y="0"/>
-          <a:chExt cx="0" cy="0"/>
-        </a:xfrm>
-      </p:grpSpPr>
-      <p:sp>
-        <p:nvSpPr>
-          <p:cNvPr id="2" name="Titel 1">
-            <a:extLst>
-              <a:ext uri="{FF2B5EF4-FFF2-40B4-BE49-F238E27FC236}">
-                <a16:creationId xmlns:a16="http://schemas.microsoft.com/office/drawing/2014/main" id="{CC3780CA-0B83-4266-A161-411569AB4807}"/>
-              </a:ext>
-            </a:extLst>
-          </p:cNvPr>
-          <p:cNvSpPr>
-            <a:spLocks noGrp="1"/>
-          </p:cNvSpPr>
-          <p:nvPr>
-            <p:ph type="title"/>
-          </p:nvPr>
-        </p:nvSpPr>
-        <p:spPr/>
-        <p:txBody>
-          <a:bodyPr/>
-          <a:lstStyle/>
-          <a:p>
-            <a:r>
-              <a:rPr lang="en-US" dirty="0"/>
               <a:t>V Model Component Test</a:t>
             </a:r>
             <a:endParaRPr lang="de-DE" dirty="0"/>
@@ -9563,700 +7732,6 @@
             <a:p>
               <a:pPr algn="ctr"/>
               <a:r>
-                <a:rPr lang="en-US" dirty="0"/>
-                <a:t>System Test</a:t>
-              </a:r>
-              <a:endParaRPr lang="de-DE" dirty="0"/>
-            </a:p>
-          </p:txBody>
-        </p:sp>
-        <p:sp>
-          <p:nvSpPr>
-            <p:cNvPr id="24" name="Textfeld 23">
-              <a:extLst>
-                <a:ext uri="{FF2B5EF4-FFF2-40B4-BE49-F238E27FC236}">
-                  <a16:creationId xmlns:a16="http://schemas.microsoft.com/office/drawing/2014/main" id="{45C4ECF8-36C4-4631-9E23-7CB1CB2B3E95}"/>
-                </a:ext>
-              </a:extLst>
-            </p:cNvPr>
-            <p:cNvSpPr txBox="1"/>
-            <p:nvPr/>
-          </p:nvSpPr>
-          <p:spPr>
-            <a:xfrm>
-              <a:off x="7532333" y="3415366"/>
-              <a:ext cx="1993260" cy="369332"/>
-            </a:xfrm>
-            <a:prstGeom prst="rect">
-              <a:avLst/>
-            </a:prstGeom>
-            <a:noFill/>
-          </p:spPr>
-          <p:txBody>
-            <a:bodyPr wrap="square" rtlCol="0">
-              <a:spAutoFit/>
-            </a:bodyPr>
-            <a:lstStyle/>
-            <a:p>
-              <a:pPr algn="ctr"/>
-              <a:r>
-                <a:rPr lang="en-US" dirty="0"/>
-                <a:t>Integration Test</a:t>
-              </a:r>
-              <a:endParaRPr lang="de-DE" dirty="0"/>
-            </a:p>
-          </p:txBody>
-        </p:sp>
-        <p:sp>
-          <p:nvSpPr>
-            <p:cNvPr id="25" name="Textfeld 24">
-              <a:extLst>
-                <a:ext uri="{FF2B5EF4-FFF2-40B4-BE49-F238E27FC236}">
-                  <a16:creationId xmlns:a16="http://schemas.microsoft.com/office/drawing/2014/main" id="{52C2A5DD-921B-468C-AD18-B3C6134DFBDC}"/>
-                </a:ext>
-              </a:extLst>
-            </p:cNvPr>
-            <p:cNvSpPr txBox="1"/>
-            <p:nvPr/>
-          </p:nvSpPr>
-          <p:spPr>
-            <a:xfrm>
-              <a:off x="8025727" y="2857010"/>
-              <a:ext cx="1993260" cy="369332"/>
-            </a:xfrm>
-            <a:prstGeom prst="rect">
-              <a:avLst/>
-            </a:prstGeom>
-            <a:noFill/>
-          </p:spPr>
-          <p:txBody>
-            <a:bodyPr wrap="square" rtlCol="0">
-              <a:spAutoFit/>
-            </a:bodyPr>
-            <a:lstStyle/>
-            <a:p>
-              <a:pPr algn="ctr"/>
-              <a:r>
-                <a:rPr lang="en-US" dirty="0"/>
-                <a:t>Qualification</a:t>
-              </a:r>
-              <a:endParaRPr lang="de-DE" dirty="0"/>
-            </a:p>
-          </p:txBody>
-        </p:sp>
-        <p:cxnSp>
-          <p:nvCxnSpPr>
-            <p:cNvPr id="27" name="Gerade Verbindung mit Pfeil 26">
-              <a:extLst>
-                <a:ext uri="{FF2B5EF4-FFF2-40B4-BE49-F238E27FC236}">
-                  <a16:creationId xmlns:a16="http://schemas.microsoft.com/office/drawing/2014/main" id="{35A48110-7E76-4EA6-8BB2-84459347D9FF}"/>
-                </a:ext>
-              </a:extLst>
-            </p:cNvPr>
-            <p:cNvCxnSpPr>
-              <a:cxnSpLocks/>
-            </p:cNvCxnSpPr>
-            <p:nvPr/>
-          </p:nvCxnSpPr>
-          <p:spPr>
-            <a:xfrm rot="2700000">
-              <a:off x="2897140" y="3272091"/>
-              <a:ext cx="3168000" cy="0"/>
-            </a:xfrm>
-            <a:prstGeom prst="straightConnector1">
-              <a:avLst/>
-            </a:prstGeom>
-            <a:ln w="38100">
-              <a:solidFill>
-                <a:srgbClr val="C00000"/>
-              </a:solidFill>
-              <a:tailEnd type="triangle"/>
-            </a:ln>
-          </p:spPr>
-          <p:style>
-            <a:lnRef idx="1">
-              <a:schemeClr val="accent1"/>
-            </a:lnRef>
-            <a:fillRef idx="0">
-              <a:schemeClr val="accent1"/>
-            </a:fillRef>
-            <a:effectRef idx="0">
-              <a:schemeClr val="accent1"/>
-            </a:effectRef>
-            <a:fontRef idx="minor">
-              <a:schemeClr val="tx1"/>
-            </a:fontRef>
-          </p:style>
-        </p:cxnSp>
-        <p:cxnSp>
-          <p:nvCxnSpPr>
-            <p:cNvPr id="28" name="Gerade Verbindung mit Pfeil 27">
-              <a:extLst>
-                <a:ext uri="{FF2B5EF4-FFF2-40B4-BE49-F238E27FC236}">
-                  <a16:creationId xmlns:a16="http://schemas.microsoft.com/office/drawing/2014/main" id="{FA6BDB8E-DC91-4D15-BBEF-193EE35BB1DE}"/>
-                </a:ext>
-              </a:extLst>
-            </p:cNvPr>
-            <p:cNvCxnSpPr>
-              <a:cxnSpLocks/>
-            </p:cNvCxnSpPr>
-            <p:nvPr/>
-          </p:nvCxnSpPr>
-          <p:spPr>
-            <a:xfrm rot="-2700000" flipV="1">
-              <a:off x="5342985" y="3300870"/>
-              <a:ext cx="2988000" cy="0"/>
-            </a:xfrm>
-            <a:prstGeom prst="straightConnector1">
-              <a:avLst/>
-            </a:prstGeom>
-            <a:ln w="38100">
-              <a:solidFill>
-                <a:srgbClr val="C00000"/>
-              </a:solidFill>
-              <a:tailEnd type="triangle"/>
-            </a:ln>
-          </p:spPr>
-          <p:style>
-            <a:lnRef idx="1">
-              <a:schemeClr val="accent1"/>
-            </a:lnRef>
-            <a:fillRef idx="0">
-              <a:schemeClr val="accent1"/>
-            </a:fillRef>
-            <a:effectRef idx="0">
-              <a:schemeClr val="accent1"/>
-            </a:effectRef>
-            <a:fontRef idx="minor">
-              <a:schemeClr val="tx1"/>
-            </a:fontRef>
-          </p:style>
-        </p:cxnSp>
-      </p:grpSp>
-    </p:spTree>
-    <p:extLst>
-      <p:ext uri="{BB962C8B-B14F-4D97-AF65-F5344CB8AC3E}">
-        <p14:creationId xmlns:p14="http://schemas.microsoft.com/office/powerpoint/2010/main" val="3358199935"/>
-      </p:ext>
-    </p:extLst>
-  </p:cSld>
-  <p:clrMapOvr>
-    <a:masterClrMapping/>
-  </p:clrMapOvr>
-</p:sld>
-</file>
-
-<file path=ppt/slides/slide9.xml><?xml version="1.0" encoding="utf-8"?>
-<p:sld xmlns:a="http://schemas.openxmlformats.org/drawingml/2006/main" xmlns:r="http://schemas.openxmlformats.org/officeDocument/2006/relationships" xmlns:p="http://schemas.openxmlformats.org/presentationml/2006/main">
-  <p:cSld>
-    <p:spTree>
-      <p:nvGrpSpPr>
-        <p:cNvPr id="1" name=""/>
-        <p:cNvGrpSpPr/>
-        <p:nvPr/>
-      </p:nvGrpSpPr>
-      <p:grpSpPr>
-        <a:xfrm>
-          <a:off x="0" y="0"/>
-          <a:ext cx="0" cy="0"/>
-          <a:chOff x="0" y="0"/>
-          <a:chExt cx="0" cy="0"/>
-        </a:xfrm>
-      </p:grpSpPr>
-      <p:sp>
-        <p:nvSpPr>
-          <p:cNvPr id="2" name="Titel 1">
-            <a:extLst>
-              <a:ext uri="{FF2B5EF4-FFF2-40B4-BE49-F238E27FC236}">
-                <a16:creationId xmlns:a16="http://schemas.microsoft.com/office/drawing/2014/main" id="{CC3780CA-0B83-4266-A161-411569AB4807}"/>
-              </a:ext>
-            </a:extLst>
-          </p:cNvPr>
-          <p:cNvSpPr>
-            <a:spLocks noGrp="1"/>
-          </p:cNvSpPr>
-          <p:nvPr>
-            <p:ph type="title"/>
-          </p:nvPr>
-        </p:nvSpPr>
-        <p:spPr/>
-        <p:txBody>
-          <a:bodyPr/>
-          <a:lstStyle/>
-          <a:p>
-            <a:r>
-              <a:rPr lang="en-US" dirty="0"/>
-              <a:t>V Model System Test</a:t>
-            </a:r>
-            <a:endParaRPr lang="de-DE" dirty="0"/>
-          </a:p>
-        </p:txBody>
-      </p:sp>
-      <p:grpSp>
-        <p:nvGrpSpPr>
-          <p:cNvPr id="34" name="Gruppieren 33">
-            <a:extLst>
-              <a:ext uri="{FF2B5EF4-FFF2-40B4-BE49-F238E27FC236}">
-                <a16:creationId xmlns:a16="http://schemas.microsoft.com/office/drawing/2014/main" id="{A6C7C88E-9212-466F-90A5-B4DE443468DC}"/>
-              </a:ext>
-            </a:extLst>
-          </p:cNvPr>
-          <p:cNvGrpSpPr/>
-          <p:nvPr/>
-        </p:nvGrpSpPr>
-        <p:grpSpPr>
-          <a:xfrm>
-            <a:off x="1454095" y="1690688"/>
-            <a:ext cx="8841185" cy="4030042"/>
-            <a:chOff x="1177802" y="1688091"/>
-            <a:chExt cx="8841185" cy="4030042"/>
-          </a:xfrm>
-        </p:grpSpPr>
-        <p:sp>
-          <p:nvSpPr>
-            <p:cNvPr id="4" name="Rechteck: abgerundete Ecken 3">
-              <a:extLst>
-                <a:ext uri="{FF2B5EF4-FFF2-40B4-BE49-F238E27FC236}">
-                  <a16:creationId xmlns:a16="http://schemas.microsoft.com/office/drawing/2014/main" id="{EAC00E52-286E-435F-BB34-805F56714348}"/>
-                </a:ext>
-              </a:extLst>
-            </p:cNvPr>
-            <p:cNvSpPr/>
-            <p:nvPr/>
-          </p:nvSpPr>
-          <p:spPr>
-            <a:xfrm rot="2700000">
-              <a:off x="2656673" y="2759633"/>
-              <a:ext cx="2032253" cy="717262"/>
-            </a:xfrm>
-            <a:prstGeom prst="roundRect">
-              <a:avLst/>
-            </a:prstGeom>
-            <a:solidFill>
-              <a:schemeClr val="bg1">
-                <a:lumMod val="65000"/>
-              </a:schemeClr>
-            </a:solidFill>
-            <a:ln w="34925">
-              <a:solidFill>
-                <a:schemeClr val="bg1">
-                  <a:lumMod val="50000"/>
-                </a:schemeClr>
-              </a:solidFill>
-            </a:ln>
-          </p:spPr>
-          <p:style>
-            <a:lnRef idx="2">
-              <a:schemeClr val="accent1">
-                <a:shade val="50000"/>
-              </a:schemeClr>
-            </a:lnRef>
-            <a:fillRef idx="1">
-              <a:schemeClr val="accent1"/>
-            </a:fillRef>
-            <a:effectRef idx="0">
-              <a:schemeClr val="accent1"/>
-            </a:effectRef>
-            <a:fontRef idx="minor">
-              <a:schemeClr val="lt1"/>
-            </a:fontRef>
-          </p:style>
-          <p:txBody>
-            <a:bodyPr rtlCol="0" anchor="ctr"/>
-            <a:lstStyle/>
-            <a:p>
-              <a:pPr algn="ctr"/>
-              <a:r>
-                <a:rPr lang="en-US" dirty="0"/>
-                <a:t>Mil</a:t>
-              </a:r>
-              <a:endParaRPr lang="de-DE" dirty="0"/>
-            </a:p>
-          </p:txBody>
-        </p:sp>
-        <p:sp>
-          <p:nvSpPr>
-            <p:cNvPr id="11" name="Rechteck: abgerundete Ecken 10">
-              <a:extLst>
-                <a:ext uri="{FF2B5EF4-FFF2-40B4-BE49-F238E27FC236}">
-                  <a16:creationId xmlns:a16="http://schemas.microsoft.com/office/drawing/2014/main" id="{F5A996D1-F113-4673-894C-451963F6E703}"/>
-                </a:ext>
-              </a:extLst>
-            </p:cNvPr>
-            <p:cNvSpPr/>
-            <p:nvPr/>
-          </p:nvSpPr>
-          <p:spPr>
-            <a:xfrm rot="2700000">
-              <a:off x="4163955" y="4260585"/>
-              <a:ext cx="2032253" cy="717262"/>
-            </a:xfrm>
-            <a:prstGeom prst="roundRect">
-              <a:avLst/>
-            </a:prstGeom>
-            <a:solidFill>
-              <a:schemeClr val="bg1">
-                <a:lumMod val="65000"/>
-              </a:schemeClr>
-            </a:solidFill>
-            <a:ln w="34925">
-              <a:solidFill>
-                <a:schemeClr val="bg1">
-                  <a:lumMod val="50000"/>
-                </a:schemeClr>
-              </a:solidFill>
-            </a:ln>
-          </p:spPr>
-          <p:style>
-            <a:lnRef idx="2">
-              <a:schemeClr val="accent1">
-                <a:shade val="50000"/>
-              </a:schemeClr>
-            </a:lnRef>
-            <a:fillRef idx="1">
-              <a:schemeClr val="accent1"/>
-            </a:fillRef>
-            <a:effectRef idx="0">
-              <a:schemeClr val="accent1"/>
-            </a:effectRef>
-            <a:fontRef idx="minor">
-              <a:schemeClr val="lt1"/>
-            </a:fontRef>
-          </p:style>
-          <p:txBody>
-            <a:bodyPr rtlCol="0" anchor="ctr"/>
-            <a:lstStyle/>
-            <a:p>
-              <a:pPr algn="ctr"/>
-              <a:r>
-                <a:rPr lang="en-US" dirty="0"/>
-                <a:t>Sil</a:t>
-              </a:r>
-              <a:endParaRPr lang="de-DE" dirty="0"/>
-            </a:p>
-          </p:txBody>
-        </p:sp>
-        <p:sp>
-          <p:nvSpPr>
-            <p:cNvPr id="12" name="Rechteck: abgerundete Ecken 11">
-              <a:extLst>
-                <a:ext uri="{FF2B5EF4-FFF2-40B4-BE49-F238E27FC236}">
-                  <a16:creationId xmlns:a16="http://schemas.microsoft.com/office/drawing/2014/main" id="{25643424-C6E5-4E53-BF09-E6EDFC2C6720}"/>
-                </a:ext>
-              </a:extLst>
-            </p:cNvPr>
-            <p:cNvSpPr/>
-            <p:nvPr/>
-          </p:nvSpPr>
-          <p:spPr>
-            <a:xfrm rot="-2700000">
-              <a:off x="5522360" y="3235452"/>
-              <a:ext cx="3356375" cy="717262"/>
-            </a:xfrm>
-            <a:prstGeom prst="roundRect">
-              <a:avLst/>
-            </a:prstGeom>
-            <a:solidFill>
-              <a:schemeClr val="accent6">
-                <a:lumMod val="75000"/>
-              </a:schemeClr>
-            </a:solidFill>
-            <a:ln w="34925">
-              <a:solidFill>
-                <a:schemeClr val="bg1">
-                  <a:lumMod val="50000"/>
-                </a:schemeClr>
-              </a:solidFill>
-            </a:ln>
-          </p:spPr>
-          <p:style>
-            <a:lnRef idx="2">
-              <a:schemeClr val="accent1">
-                <a:shade val="50000"/>
-              </a:schemeClr>
-            </a:lnRef>
-            <a:fillRef idx="1">
-              <a:schemeClr val="accent1"/>
-            </a:fillRef>
-            <a:effectRef idx="0">
-              <a:schemeClr val="accent1"/>
-            </a:effectRef>
-            <a:fontRef idx="minor">
-              <a:schemeClr val="lt1"/>
-            </a:fontRef>
-          </p:style>
-          <p:txBody>
-            <a:bodyPr rtlCol="0" anchor="ctr"/>
-            <a:lstStyle/>
-            <a:p>
-              <a:pPr algn="ctr"/>
-              <a:r>
-                <a:rPr lang="en-US" dirty="0" err="1"/>
-                <a:t>HiL</a:t>
-              </a:r>
-              <a:endParaRPr lang="de-DE" dirty="0"/>
-            </a:p>
-          </p:txBody>
-        </p:sp>
-        <p:sp>
-          <p:nvSpPr>
-            <p:cNvPr id="15" name="Textfeld 14">
-              <a:extLst>
-                <a:ext uri="{FF2B5EF4-FFF2-40B4-BE49-F238E27FC236}">
-                  <a16:creationId xmlns:a16="http://schemas.microsoft.com/office/drawing/2014/main" id="{06C3CB72-97F7-4AA9-B328-886DCEC5D5F3}"/>
-                </a:ext>
-              </a:extLst>
-            </p:cNvPr>
-            <p:cNvSpPr txBox="1"/>
-            <p:nvPr/>
-          </p:nvSpPr>
-          <p:spPr>
-            <a:xfrm>
-              <a:off x="1177802" y="2896639"/>
-              <a:ext cx="1993260" cy="369332"/>
-            </a:xfrm>
-            <a:prstGeom prst="rect">
-              <a:avLst/>
-            </a:prstGeom>
-            <a:noFill/>
-          </p:spPr>
-          <p:txBody>
-            <a:bodyPr wrap="square" rtlCol="0">
-              <a:spAutoFit/>
-            </a:bodyPr>
-            <a:lstStyle/>
-            <a:p>
-              <a:pPr algn="ctr"/>
-              <a:r>
-                <a:rPr lang="en-US" dirty="0"/>
-                <a:t>Requirements</a:t>
-              </a:r>
-              <a:endParaRPr lang="de-DE" dirty="0"/>
-            </a:p>
-          </p:txBody>
-        </p:sp>
-        <p:sp>
-          <p:nvSpPr>
-            <p:cNvPr id="16" name="Textfeld 15">
-              <a:extLst>
-                <a:ext uri="{FF2B5EF4-FFF2-40B4-BE49-F238E27FC236}">
-                  <a16:creationId xmlns:a16="http://schemas.microsoft.com/office/drawing/2014/main" id="{AEC282E5-34C9-4A16-A2D9-60ED20617E50}"/>
-                </a:ext>
-              </a:extLst>
-            </p:cNvPr>
-            <p:cNvSpPr txBox="1"/>
-            <p:nvPr/>
-          </p:nvSpPr>
-          <p:spPr>
-            <a:xfrm>
-              <a:off x="1778044" y="3302698"/>
-              <a:ext cx="1993260" cy="646331"/>
-            </a:xfrm>
-            <a:prstGeom prst="rect">
-              <a:avLst/>
-            </a:prstGeom>
-            <a:noFill/>
-          </p:spPr>
-          <p:txBody>
-            <a:bodyPr wrap="square" rtlCol="0">
-              <a:spAutoFit/>
-            </a:bodyPr>
-            <a:lstStyle/>
-            <a:p>
-              <a:pPr algn="ctr"/>
-              <a:r>
-                <a:rPr lang="en-US" dirty="0"/>
-                <a:t>Logical Architecture</a:t>
-              </a:r>
-              <a:endParaRPr lang="de-DE" dirty="0"/>
-            </a:p>
-          </p:txBody>
-        </p:sp>
-        <p:sp>
-          <p:nvSpPr>
-            <p:cNvPr id="17" name="Textfeld 16">
-              <a:extLst>
-                <a:ext uri="{FF2B5EF4-FFF2-40B4-BE49-F238E27FC236}">
-                  <a16:creationId xmlns:a16="http://schemas.microsoft.com/office/drawing/2014/main" id="{498B57CE-AB24-4237-A77F-8D21D5400431}"/>
-                </a:ext>
-              </a:extLst>
-            </p:cNvPr>
-            <p:cNvSpPr txBox="1"/>
-            <p:nvPr/>
-          </p:nvSpPr>
-          <p:spPr>
-            <a:xfrm>
-              <a:off x="2542818" y="4272308"/>
-              <a:ext cx="1993260" cy="369332"/>
-            </a:xfrm>
-            <a:prstGeom prst="rect">
-              <a:avLst/>
-            </a:prstGeom>
-            <a:noFill/>
-          </p:spPr>
-          <p:txBody>
-            <a:bodyPr wrap="square" rtlCol="0">
-              <a:spAutoFit/>
-            </a:bodyPr>
-            <a:lstStyle/>
-            <a:p>
-              <a:pPr algn="ctr"/>
-              <a:r>
-                <a:rPr lang="en-US" dirty="0"/>
-                <a:t>System Design</a:t>
-              </a:r>
-              <a:endParaRPr lang="de-DE" dirty="0"/>
-            </a:p>
-          </p:txBody>
-        </p:sp>
-        <p:sp>
-          <p:nvSpPr>
-            <p:cNvPr id="18" name="Textfeld 17">
-              <a:extLst>
-                <a:ext uri="{FF2B5EF4-FFF2-40B4-BE49-F238E27FC236}">
-                  <a16:creationId xmlns:a16="http://schemas.microsoft.com/office/drawing/2014/main" id="{E4F75AB1-290C-4A05-A5D9-B2EDA56C1D3E}"/>
-                </a:ext>
-              </a:extLst>
-            </p:cNvPr>
-            <p:cNvSpPr txBox="1"/>
-            <p:nvPr/>
-          </p:nvSpPr>
-          <p:spPr>
-            <a:xfrm>
-              <a:off x="2983558" y="4685229"/>
-              <a:ext cx="1993260" cy="646331"/>
-            </a:xfrm>
-            <a:prstGeom prst="rect">
-              <a:avLst/>
-            </a:prstGeom>
-            <a:noFill/>
-          </p:spPr>
-          <p:txBody>
-            <a:bodyPr wrap="square" rtlCol="0">
-              <a:spAutoFit/>
-            </a:bodyPr>
-            <a:lstStyle/>
-            <a:p>
-              <a:pPr algn="ctr"/>
-              <a:r>
-                <a:rPr lang="en-US" dirty="0"/>
-                <a:t>Component </a:t>
-              </a:r>
-            </a:p>
-            <a:p>
-              <a:pPr algn="ctr"/>
-              <a:r>
-                <a:rPr lang="en-US" dirty="0"/>
-                <a:t>Design</a:t>
-              </a:r>
-              <a:endParaRPr lang="de-DE" dirty="0"/>
-            </a:p>
-          </p:txBody>
-        </p:sp>
-        <p:sp>
-          <p:nvSpPr>
-            <p:cNvPr id="19" name="Textfeld 18">
-              <a:extLst>
-                <a:ext uri="{FF2B5EF4-FFF2-40B4-BE49-F238E27FC236}">
-                  <a16:creationId xmlns:a16="http://schemas.microsoft.com/office/drawing/2014/main" id="{E16DAB7E-EE8E-41A8-9AA9-5212EE675BA8}"/>
-                </a:ext>
-              </a:extLst>
-            </p:cNvPr>
-            <p:cNvSpPr txBox="1"/>
-            <p:nvPr/>
-          </p:nvSpPr>
-          <p:spPr>
-            <a:xfrm>
-              <a:off x="3738066" y="5348801"/>
-              <a:ext cx="1993260" cy="369332"/>
-            </a:xfrm>
-            <a:prstGeom prst="rect">
-              <a:avLst/>
-            </a:prstGeom>
-            <a:noFill/>
-          </p:spPr>
-          <p:txBody>
-            <a:bodyPr wrap="square" rtlCol="0">
-              <a:spAutoFit/>
-            </a:bodyPr>
-            <a:lstStyle/>
-            <a:p>
-              <a:pPr algn="ctr"/>
-              <a:r>
-                <a:rPr lang="en-US" dirty="0"/>
-                <a:t>Implementation</a:t>
-              </a:r>
-              <a:endParaRPr lang="de-DE" dirty="0"/>
-            </a:p>
-          </p:txBody>
-        </p:sp>
-        <p:sp>
-          <p:nvSpPr>
-            <p:cNvPr id="22" name="Textfeld 21">
-              <a:extLst>
-                <a:ext uri="{FF2B5EF4-FFF2-40B4-BE49-F238E27FC236}">
-                  <a16:creationId xmlns:a16="http://schemas.microsoft.com/office/drawing/2014/main" id="{2FE07805-26D5-4E8D-9DF7-9B5AD20B69DD}"/>
-                </a:ext>
-              </a:extLst>
-            </p:cNvPr>
-            <p:cNvSpPr txBox="1"/>
-            <p:nvPr/>
-          </p:nvSpPr>
-          <p:spPr>
-            <a:xfrm>
-              <a:off x="6462765" y="4529336"/>
-              <a:ext cx="1993260" cy="369332"/>
-            </a:xfrm>
-            <a:prstGeom prst="rect">
-              <a:avLst/>
-            </a:prstGeom>
-            <a:noFill/>
-          </p:spPr>
-          <p:txBody>
-            <a:bodyPr wrap="square" rtlCol="0">
-              <a:spAutoFit/>
-            </a:bodyPr>
-            <a:lstStyle/>
-            <a:p>
-              <a:pPr algn="ctr"/>
-              <a:r>
-                <a:rPr lang="en-US" dirty="0"/>
-                <a:t>Component Test</a:t>
-              </a:r>
-              <a:endParaRPr lang="de-DE" dirty="0"/>
-            </a:p>
-          </p:txBody>
-        </p:sp>
-        <p:sp>
-          <p:nvSpPr>
-            <p:cNvPr id="23" name="Textfeld 22">
-              <a:extLst>
-                <a:ext uri="{FF2B5EF4-FFF2-40B4-BE49-F238E27FC236}">
-                  <a16:creationId xmlns:a16="http://schemas.microsoft.com/office/drawing/2014/main" id="{F9FEA2E6-54C6-4823-A520-DD46DDA3BA28}"/>
-                </a:ext>
-              </a:extLst>
-            </p:cNvPr>
-            <p:cNvSpPr txBox="1"/>
-            <p:nvPr/>
-          </p:nvSpPr>
-          <p:spPr>
-            <a:xfrm>
-              <a:off x="6871215" y="3972351"/>
-              <a:ext cx="1993260" cy="369332"/>
-            </a:xfrm>
-            <a:prstGeom prst="rect">
-              <a:avLst/>
-            </a:prstGeom>
-            <a:noFill/>
-          </p:spPr>
-          <p:txBody>
-            <a:bodyPr wrap="square" rtlCol="0">
-              <a:spAutoFit/>
-            </a:bodyPr>
-            <a:lstStyle/>
-            <a:p>
-              <a:pPr algn="ctr"/>
-              <a:r>
                 <a:rPr lang="en-US" dirty="0">
                   <a:solidFill>
                     <a:schemeClr val="accent6">
@@ -10306,10 +7781,22 @@
             <a:p>
               <a:pPr algn="ctr"/>
               <a:r>
-                <a:rPr lang="en-US" dirty="0"/>
+                <a:rPr lang="en-US" dirty="0">
+                  <a:solidFill>
+                    <a:schemeClr val="accent6">
+                      <a:lumMod val="75000"/>
+                    </a:schemeClr>
+                  </a:solidFill>
+                </a:rPr>
                 <a:t>Integration Test</a:t>
               </a:r>
-              <a:endParaRPr lang="de-DE" dirty="0"/>
+              <a:endParaRPr lang="de-DE" dirty="0">
+                <a:solidFill>
+                  <a:schemeClr val="accent6">
+                    <a:lumMod val="75000"/>
+                  </a:schemeClr>
+                </a:solidFill>
+              </a:endParaRPr>
             </a:p>
           </p:txBody>
         </p:sp>
@@ -10343,10 +7830,22 @@
             <a:p>
               <a:pPr algn="ctr"/>
               <a:r>
-                <a:rPr lang="en-US" dirty="0"/>
+                <a:rPr lang="en-US" dirty="0">
+                  <a:solidFill>
+                    <a:schemeClr val="accent6">
+                      <a:lumMod val="75000"/>
+                    </a:schemeClr>
+                  </a:solidFill>
+                </a:rPr>
                 <a:t>Qualification</a:t>
               </a:r>
-              <a:endParaRPr lang="de-DE" dirty="0"/>
+              <a:endParaRPr lang="de-DE" dirty="0">
+                <a:solidFill>
+                  <a:schemeClr val="accent6">
+                    <a:lumMod val="75000"/>
+                  </a:schemeClr>
+                </a:solidFill>
+              </a:endParaRPr>
             </a:p>
           </p:txBody>
         </p:sp>
@@ -10442,7 +7941,7 @@
     </p:spTree>
     <p:extLst>
       <p:ext uri="{BB962C8B-B14F-4D97-AF65-F5344CB8AC3E}">
-        <p14:creationId xmlns:p14="http://schemas.microsoft.com/office/powerpoint/2010/main" val="3346849382"/>
+        <p14:creationId xmlns:p14="http://schemas.microsoft.com/office/powerpoint/2010/main" val="3358199935"/>
       </p:ext>
     </p:extLst>
   </p:cSld>

--- a/Report/Pictures/Pictures.pptx
+++ b/Report/Pictures/Pictures.pptx
@@ -10,8 +10,10 @@
     <p:sldId id="258" r:id="rId4"/>
     <p:sldId id="264" r:id="rId5"/>
     <p:sldId id="260" r:id="rId6"/>
-    <p:sldId id="265" r:id="rId7"/>
-    <p:sldId id="263" r:id="rId8"/>
+    <p:sldId id="267" r:id="rId7"/>
+    <p:sldId id="265" r:id="rId8"/>
+    <p:sldId id="266" r:id="rId9"/>
+    <p:sldId id="263" r:id="rId10"/>
   </p:sldIdLst>
   <p:sldSz cx="12192000" cy="6858000"/>
   <p:notesSz cx="6858000" cy="9144000"/>
@@ -265,7 +267,7 @@
           <a:p>
             <a:fld id="{2D1B7895-1F1C-4B9A-88D5-22DBBA334E15}" type="datetimeFigureOut">
               <a:rPr lang="de-DE" smtClean="0"/>
-              <a:t>13.02.2022</a:t>
+              <a:t>14.02.2022</a:t>
             </a:fld>
             <a:endParaRPr lang="de-DE"/>
           </a:p>
@@ -463,7 +465,7 @@
           <a:p>
             <a:fld id="{2D1B7895-1F1C-4B9A-88D5-22DBBA334E15}" type="datetimeFigureOut">
               <a:rPr lang="de-DE" smtClean="0"/>
-              <a:t>13.02.2022</a:t>
+              <a:t>14.02.2022</a:t>
             </a:fld>
             <a:endParaRPr lang="de-DE"/>
           </a:p>
@@ -671,7 +673,7 @@
           <a:p>
             <a:fld id="{2D1B7895-1F1C-4B9A-88D5-22DBBA334E15}" type="datetimeFigureOut">
               <a:rPr lang="de-DE" smtClean="0"/>
-              <a:t>13.02.2022</a:t>
+              <a:t>14.02.2022</a:t>
             </a:fld>
             <a:endParaRPr lang="de-DE"/>
           </a:p>
@@ -869,7 +871,7 @@
           <a:p>
             <a:fld id="{2D1B7895-1F1C-4B9A-88D5-22DBBA334E15}" type="datetimeFigureOut">
               <a:rPr lang="de-DE" smtClean="0"/>
-              <a:t>13.02.2022</a:t>
+              <a:t>14.02.2022</a:t>
             </a:fld>
             <a:endParaRPr lang="de-DE"/>
           </a:p>
@@ -1144,7 +1146,7 @@
           <a:p>
             <a:fld id="{2D1B7895-1F1C-4B9A-88D5-22DBBA334E15}" type="datetimeFigureOut">
               <a:rPr lang="de-DE" smtClean="0"/>
-              <a:t>13.02.2022</a:t>
+              <a:t>14.02.2022</a:t>
             </a:fld>
             <a:endParaRPr lang="de-DE"/>
           </a:p>
@@ -1409,7 +1411,7 @@
           <a:p>
             <a:fld id="{2D1B7895-1F1C-4B9A-88D5-22DBBA334E15}" type="datetimeFigureOut">
               <a:rPr lang="de-DE" smtClean="0"/>
-              <a:t>13.02.2022</a:t>
+              <a:t>14.02.2022</a:t>
             </a:fld>
             <a:endParaRPr lang="de-DE"/>
           </a:p>
@@ -1821,7 +1823,7 @@
           <a:p>
             <a:fld id="{2D1B7895-1F1C-4B9A-88D5-22DBBA334E15}" type="datetimeFigureOut">
               <a:rPr lang="de-DE" smtClean="0"/>
-              <a:t>13.02.2022</a:t>
+              <a:t>14.02.2022</a:t>
             </a:fld>
             <a:endParaRPr lang="de-DE"/>
           </a:p>
@@ -1962,7 +1964,7 @@
           <a:p>
             <a:fld id="{2D1B7895-1F1C-4B9A-88D5-22DBBA334E15}" type="datetimeFigureOut">
               <a:rPr lang="de-DE" smtClean="0"/>
-              <a:t>13.02.2022</a:t>
+              <a:t>14.02.2022</a:t>
             </a:fld>
             <a:endParaRPr lang="de-DE"/>
           </a:p>
@@ -2075,7 +2077,7 @@
           <a:p>
             <a:fld id="{2D1B7895-1F1C-4B9A-88D5-22DBBA334E15}" type="datetimeFigureOut">
               <a:rPr lang="de-DE" smtClean="0"/>
-              <a:t>13.02.2022</a:t>
+              <a:t>14.02.2022</a:t>
             </a:fld>
             <a:endParaRPr lang="de-DE"/>
           </a:p>
@@ -2386,7 +2388,7 @@
           <a:p>
             <a:fld id="{2D1B7895-1F1C-4B9A-88D5-22DBBA334E15}" type="datetimeFigureOut">
               <a:rPr lang="de-DE" smtClean="0"/>
-              <a:t>13.02.2022</a:t>
+              <a:t>14.02.2022</a:t>
             </a:fld>
             <a:endParaRPr lang="de-DE"/>
           </a:p>
@@ -2674,7 +2676,7 @@
           <a:p>
             <a:fld id="{2D1B7895-1F1C-4B9A-88D5-22DBBA334E15}" type="datetimeFigureOut">
               <a:rPr lang="de-DE" smtClean="0"/>
-              <a:t>13.02.2022</a:t>
+              <a:t>14.02.2022</a:t>
             </a:fld>
             <a:endParaRPr lang="de-DE"/>
           </a:p>
@@ -2915,7 +2917,7 @@
           <a:p>
             <a:fld id="{2D1B7895-1F1C-4B9A-88D5-22DBBA334E15}" type="datetimeFigureOut">
               <a:rPr lang="de-DE" smtClean="0"/>
-              <a:t>13.02.2022</a:t>
+              <a:t>14.02.2022</a:t>
             </a:fld>
             <a:endParaRPr lang="de-DE"/>
           </a:p>
@@ -6797,6 +6799,2119 @@
           <p:cNvPr id="2" name="Titel 1">
             <a:extLst>
               <a:ext uri="{FF2B5EF4-FFF2-40B4-BE49-F238E27FC236}">
+                <a16:creationId xmlns:a16="http://schemas.microsoft.com/office/drawing/2014/main" id="{C1BBF80A-3BCE-4DF6-853F-610631E5D394}"/>
+              </a:ext>
+            </a:extLst>
+          </p:cNvPr>
+          <p:cNvSpPr>
+            <a:spLocks noGrp="1"/>
+          </p:cNvSpPr>
+          <p:nvPr>
+            <p:ph type="title"/>
+          </p:nvPr>
+        </p:nvSpPr>
+        <p:spPr>
+          <a:xfrm>
+            <a:off x="-75975" y="-455321"/>
+            <a:ext cx="10515600" cy="1325563"/>
+          </a:xfrm>
+        </p:spPr>
+        <p:txBody>
+          <a:bodyPr/>
+          <a:lstStyle/>
+          <a:p>
+            <a:r>
+              <a:rPr lang="de-DE" dirty="0"/>
+              <a:t>System design</a:t>
+            </a:r>
+          </a:p>
+        </p:txBody>
+      </p:sp>
+      <p:grpSp>
+        <p:nvGrpSpPr>
+          <p:cNvPr id="111" name="Gruppieren 110">
+            <a:extLst>
+              <a:ext uri="{FF2B5EF4-FFF2-40B4-BE49-F238E27FC236}">
+                <a16:creationId xmlns:a16="http://schemas.microsoft.com/office/drawing/2014/main" id="{6566698C-ABD2-4B61-B51C-72E0EB2B5A46}"/>
+              </a:ext>
+            </a:extLst>
+          </p:cNvPr>
+          <p:cNvGrpSpPr/>
+          <p:nvPr/>
+        </p:nvGrpSpPr>
+        <p:grpSpPr>
+          <a:xfrm>
+            <a:off x="1444805" y="1095645"/>
+            <a:ext cx="8994820" cy="5304260"/>
+            <a:chOff x="348463" y="1108801"/>
+            <a:chExt cx="8994820" cy="5304260"/>
+          </a:xfrm>
+        </p:grpSpPr>
+        <p:sp>
+          <p:nvSpPr>
+            <p:cNvPr id="5" name="Rechteck: abgerundete Ecken 4">
+              <a:extLst>
+                <a:ext uri="{FF2B5EF4-FFF2-40B4-BE49-F238E27FC236}">
+                  <a16:creationId xmlns:a16="http://schemas.microsoft.com/office/drawing/2014/main" id="{67839D99-C000-4013-AC5C-C0720C806AEE}"/>
+                </a:ext>
+              </a:extLst>
+            </p:cNvPr>
+            <p:cNvSpPr/>
+            <p:nvPr/>
+          </p:nvSpPr>
+          <p:spPr>
+            <a:xfrm>
+              <a:off x="2737359" y="1777494"/>
+              <a:ext cx="1003706" cy="537807"/>
+            </a:xfrm>
+            <a:prstGeom prst="roundRect">
+              <a:avLst/>
+            </a:prstGeom>
+            <a:solidFill>
+              <a:schemeClr val="accent4">
+                <a:lumMod val="20000"/>
+                <a:lumOff val="80000"/>
+              </a:schemeClr>
+            </a:solidFill>
+            <a:ln>
+              <a:solidFill>
+                <a:schemeClr val="tx1"/>
+              </a:solidFill>
+            </a:ln>
+          </p:spPr>
+          <p:style>
+            <a:lnRef idx="2">
+              <a:schemeClr val="accent1">
+                <a:shade val="50000"/>
+              </a:schemeClr>
+            </a:lnRef>
+            <a:fillRef idx="1">
+              <a:schemeClr val="accent1"/>
+            </a:fillRef>
+            <a:effectRef idx="0">
+              <a:schemeClr val="accent1"/>
+            </a:effectRef>
+            <a:fontRef idx="minor">
+              <a:schemeClr val="lt1"/>
+            </a:fontRef>
+          </p:style>
+          <p:txBody>
+            <a:bodyPr rtlCol="0" anchor="ctr"/>
+            <a:lstStyle/>
+            <a:p>
+              <a:pPr algn="ctr"/>
+              <a:r>
+                <a:rPr lang="en-US" sz="1100" b="1" dirty="0">
+                  <a:solidFill>
+                    <a:schemeClr val="tx1"/>
+                  </a:solidFill>
+                </a:rPr>
+                <a:t>Encoder</a:t>
+              </a:r>
+            </a:p>
+          </p:txBody>
+        </p:sp>
+        <p:sp>
+          <p:nvSpPr>
+            <p:cNvPr id="6" name="Rechteck: abgerundete Ecken 5">
+              <a:extLst>
+                <a:ext uri="{FF2B5EF4-FFF2-40B4-BE49-F238E27FC236}">
+                  <a16:creationId xmlns:a16="http://schemas.microsoft.com/office/drawing/2014/main" id="{58AB94D3-DCC9-4A43-9760-DA2D81D9E88C}"/>
+                </a:ext>
+              </a:extLst>
+            </p:cNvPr>
+            <p:cNvSpPr/>
+            <p:nvPr/>
+          </p:nvSpPr>
+          <p:spPr>
+            <a:xfrm>
+              <a:off x="4592592" y="1780360"/>
+              <a:ext cx="1003706" cy="537807"/>
+            </a:xfrm>
+            <a:prstGeom prst="roundRect">
+              <a:avLst/>
+            </a:prstGeom>
+            <a:solidFill>
+              <a:schemeClr val="accent4">
+                <a:lumMod val="20000"/>
+                <a:lumOff val="80000"/>
+              </a:schemeClr>
+            </a:solidFill>
+            <a:ln>
+              <a:solidFill>
+                <a:schemeClr val="tx1"/>
+              </a:solidFill>
+            </a:ln>
+          </p:spPr>
+          <p:style>
+            <a:lnRef idx="2">
+              <a:schemeClr val="accent1">
+                <a:shade val="50000"/>
+              </a:schemeClr>
+            </a:lnRef>
+            <a:fillRef idx="1">
+              <a:schemeClr val="accent1"/>
+            </a:fillRef>
+            <a:effectRef idx="0">
+              <a:schemeClr val="accent1"/>
+            </a:effectRef>
+            <a:fontRef idx="minor">
+              <a:schemeClr val="lt1"/>
+            </a:fontRef>
+          </p:style>
+          <p:txBody>
+            <a:bodyPr rtlCol="0" anchor="ctr"/>
+            <a:lstStyle/>
+            <a:p>
+              <a:pPr algn="ctr"/>
+              <a:r>
+                <a:rPr lang="en-US" sz="1100" b="1">
+                  <a:solidFill>
+                    <a:schemeClr val="tx1"/>
+                  </a:solidFill>
+                </a:rPr>
+                <a:t>µ Controller</a:t>
+              </a:r>
+            </a:p>
+          </p:txBody>
+        </p:sp>
+        <p:sp>
+          <p:nvSpPr>
+            <p:cNvPr id="7" name="Rechteck: abgerundete Ecken 6">
+              <a:extLst>
+                <a:ext uri="{FF2B5EF4-FFF2-40B4-BE49-F238E27FC236}">
+                  <a16:creationId xmlns:a16="http://schemas.microsoft.com/office/drawing/2014/main" id="{221C68B5-C3BD-4853-B2CD-7628DA20ADAC}"/>
+                </a:ext>
+              </a:extLst>
+            </p:cNvPr>
+            <p:cNvSpPr/>
+            <p:nvPr/>
+          </p:nvSpPr>
+          <p:spPr>
+            <a:xfrm>
+              <a:off x="6230115" y="1777493"/>
+              <a:ext cx="1003706" cy="537807"/>
+            </a:xfrm>
+            <a:prstGeom prst="roundRect">
+              <a:avLst/>
+            </a:prstGeom>
+            <a:solidFill>
+              <a:schemeClr val="accent4">
+                <a:lumMod val="20000"/>
+                <a:lumOff val="80000"/>
+              </a:schemeClr>
+            </a:solidFill>
+            <a:ln>
+              <a:solidFill>
+                <a:schemeClr val="tx1"/>
+              </a:solidFill>
+            </a:ln>
+          </p:spPr>
+          <p:style>
+            <a:lnRef idx="2">
+              <a:schemeClr val="accent1">
+                <a:shade val="50000"/>
+              </a:schemeClr>
+            </a:lnRef>
+            <a:fillRef idx="1">
+              <a:schemeClr val="accent1"/>
+            </a:fillRef>
+            <a:effectRef idx="0">
+              <a:schemeClr val="accent1"/>
+            </a:effectRef>
+            <a:fontRef idx="minor">
+              <a:schemeClr val="lt1"/>
+            </a:fontRef>
+          </p:style>
+          <p:txBody>
+            <a:bodyPr rtlCol="0" anchor="ctr"/>
+            <a:lstStyle/>
+            <a:p>
+              <a:pPr algn="ctr"/>
+              <a:r>
+                <a:rPr lang="en-US" sz="1100" b="1" dirty="0">
+                  <a:solidFill>
+                    <a:schemeClr val="tx1"/>
+                  </a:solidFill>
+                </a:rPr>
+                <a:t>HMI</a:t>
+              </a:r>
+            </a:p>
+          </p:txBody>
+        </p:sp>
+        <p:sp>
+          <p:nvSpPr>
+            <p:cNvPr id="8" name="Rechteck: abgerundete Ecken 7">
+              <a:extLst>
+                <a:ext uri="{FF2B5EF4-FFF2-40B4-BE49-F238E27FC236}">
+                  <a16:creationId xmlns:a16="http://schemas.microsoft.com/office/drawing/2014/main" id="{52DFFF30-CE40-4734-A3A4-94D9E071CFD8}"/>
+                </a:ext>
+              </a:extLst>
+            </p:cNvPr>
+            <p:cNvSpPr/>
+            <p:nvPr/>
+          </p:nvSpPr>
+          <p:spPr>
+            <a:xfrm>
+              <a:off x="2941409" y="3298574"/>
+              <a:ext cx="1003706" cy="537807"/>
+            </a:xfrm>
+            <a:prstGeom prst="roundRect">
+              <a:avLst/>
+            </a:prstGeom>
+            <a:solidFill>
+              <a:schemeClr val="accent4">
+                <a:lumMod val="20000"/>
+                <a:lumOff val="80000"/>
+              </a:schemeClr>
+            </a:solidFill>
+            <a:ln>
+              <a:solidFill>
+                <a:schemeClr val="tx1"/>
+              </a:solidFill>
+            </a:ln>
+          </p:spPr>
+          <p:style>
+            <a:lnRef idx="2">
+              <a:schemeClr val="accent1">
+                <a:shade val="50000"/>
+              </a:schemeClr>
+            </a:lnRef>
+            <a:fillRef idx="1">
+              <a:schemeClr val="accent1"/>
+            </a:fillRef>
+            <a:effectRef idx="0">
+              <a:schemeClr val="accent1"/>
+            </a:effectRef>
+            <a:fontRef idx="minor">
+              <a:schemeClr val="lt1"/>
+            </a:fontRef>
+          </p:style>
+          <p:txBody>
+            <a:bodyPr rtlCol="0" anchor="ctr"/>
+            <a:lstStyle/>
+            <a:p>
+              <a:pPr algn="ctr"/>
+              <a:r>
+                <a:rPr lang="en-US" sz="1100" b="1" dirty="0">
+                  <a:solidFill>
+                    <a:schemeClr val="tx1"/>
+                  </a:solidFill>
+                </a:rPr>
+                <a:t>Motor</a:t>
+              </a:r>
+              <a:br>
+                <a:rPr lang="en-US" sz="1100" b="1" dirty="0">
+                  <a:solidFill>
+                    <a:schemeClr val="tx1"/>
+                  </a:solidFill>
+                </a:rPr>
+              </a:br>
+              <a:r>
+                <a:rPr lang="en-US" sz="1100" b="1" dirty="0">
+                  <a:solidFill>
+                    <a:schemeClr val="tx1"/>
+                  </a:solidFill>
+                </a:rPr>
+                <a:t>Controller</a:t>
+              </a:r>
+            </a:p>
+          </p:txBody>
+        </p:sp>
+        <p:sp>
+          <p:nvSpPr>
+            <p:cNvPr id="9" name="Rechteck: abgerundete Ecken 8">
+              <a:extLst>
+                <a:ext uri="{FF2B5EF4-FFF2-40B4-BE49-F238E27FC236}">
+                  <a16:creationId xmlns:a16="http://schemas.microsoft.com/office/drawing/2014/main" id="{E6325D0D-6CA5-424F-B050-E94C3C3FCF72}"/>
+                </a:ext>
+              </a:extLst>
+            </p:cNvPr>
+            <p:cNvSpPr/>
+            <p:nvPr/>
+          </p:nvSpPr>
+          <p:spPr>
+            <a:xfrm>
+              <a:off x="2941408" y="3836381"/>
+              <a:ext cx="1003706" cy="537807"/>
+            </a:xfrm>
+            <a:prstGeom prst="roundRect">
+              <a:avLst/>
+            </a:prstGeom>
+            <a:solidFill>
+              <a:schemeClr val="accent4">
+                <a:lumMod val="20000"/>
+                <a:lumOff val="80000"/>
+              </a:schemeClr>
+            </a:solidFill>
+            <a:ln>
+              <a:solidFill>
+                <a:schemeClr val="tx1"/>
+              </a:solidFill>
+            </a:ln>
+          </p:spPr>
+          <p:style>
+            <a:lnRef idx="2">
+              <a:schemeClr val="accent1">
+                <a:shade val="50000"/>
+              </a:schemeClr>
+            </a:lnRef>
+            <a:fillRef idx="1">
+              <a:schemeClr val="accent1"/>
+            </a:fillRef>
+            <a:effectRef idx="0">
+              <a:schemeClr val="accent1"/>
+            </a:effectRef>
+            <a:fontRef idx="minor">
+              <a:schemeClr val="lt1"/>
+            </a:fontRef>
+          </p:style>
+          <p:txBody>
+            <a:bodyPr rtlCol="0" anchor="ctr"/>
+            <a:lstStyle/>
+            <a:p>
+              <a:pPr algn="ctr"/>
+              <a:r>
+                <a:rPr lang="en-US" sz="1100" b="1" dirty="0">
+                  <a:solidFill>
+                    <a:schemeClr val="tx1"/>
+                  </a:solidFill>
+                </a:rPr>
+                <a:t>Motor</a:t>
+              </a:r>
+            </a:p>
+          </p:txBody>
+        </p:sp>
+        <p:sp>
+          <p:nvSpPr>
+            <p:cNvPr id="10" name="Rechteck: abgerundete Ecken 9">
+              <a:extLst>
+                <a:ext uri="{FF2B5EF4-FFF2-40B4-BE49-F238E27FC236}">
+                  <a16:creationId xmlns:a16="http://schemas.microsoft.com/office/drawing/2014/main" id="{5ED03E5A-668B-47B5-BCE8-8E298D6CCF35}"/>
+                </a:ext>
+              </a:extLst>
+            </p:cNvPr>
+            <p:cNvSpPr/>
+            <p:nvPr/>
+          </p:nvSpPr>
+          <p:spPr>
+            <a:xfrm>
+              <a:off x="2941408" y="5235565"/>
+              <a:ext cx="1003706" cy="537807"/>
+            </a:xfrm>
+            <a:prstGeom prst="roundRect">
+              <a:avLst/>
+            </a:prstGeom>
+            <a:solidFill>
+              <a:schemeClr val="accent4">
+                <a:lumMod val="20000"/>
+                <a:lumOff val="80000"/>
+              </a:schemeClr>
+            </a:solidFill>
+            <a:ln>
+              <a:solidFill>
+                <a:schemeClr val="tx1"/>
+              </a:solidFill>
+            </a:ln>
+          </p:spPr>
+          <p:style>
+            <a:lnRef idx="2">
+              <a:schemeClr val="accent1">
+                <a:shade val="50000"/>
+              </a:schemeClr>
+            </a:lnRef>
+            <a:fillRef idx="1">
+              <a:schemeClr val="accent1"/>
+            </a:fillRef>
+            <a:effectRef idx="0">
+              <a:schemeClr val="accent1"/>
+            </a:effectRef>
+            <a:fontRef idx="minor">
+              <a:schemeClr val="lt1"/>
+            </a:fontRef>
+          </p:style>
+          <p:txBody>
+            <a:bodyPr rtlCol="0" anchor="ctr"/>
+            <a:lstStyle/>
+            <a:p>
+              <a:pPr algn="ctr"/>
+              <a:r>
+                <a:rPr lang="en-US" sz="1100" b="1" dirty="0">
+                  <a:solidFill>
+                    <a:schemeClr val="tx1"/>
+                  </a:solidFill>
+                </a:rPr>
+                <a:t>Gear Box</a:t>
+              </a:r>
+            </a:p>
+          </p:txBody>
+        </p:sp>
+        <p:cxnSp>
+          <p:nvCxnSpPr>
+            <p:cNvPr id="13" name="Gerade Verbindung mit Pfeil 12">
+              <a:extLst>
+                <a:ext uri="{FF2B5EF4-FFF2-40B4-BE49-F238E27FC236}">
+                  <a16:creationId xmlns:a16="http://schemas.microsoft.com/office/drawing/2014/main" id="{8FD0272A-FBB7-4EA2-8E3B-DE5F724D149F}"/>
+                </a:ext>
+              </a:extLst>
+            </p:cNvPr>
+            <p:cNvCxnSpPr>
+              <a:cxnSpLocks/>
+              <a:stCxn id="10" idx="2"/>
+            </p:cNvCxnSpPr>
+            <p:nvPr/>
+          </p:nvCxnSpPr>
+          <p:spPr>
+            <a:xfrm flipH="1">
+              <a:off x="3443261" y="5773372"/>
+              <a:ext cx="1" cy="378079"/>
+            </a:xfrm>
+            <a:prstGeom prst="straightConnector1">
+              <a:avLst/>
+            </a:prstGeom>
+            <a:ln w="47625">
+              <a:solidFill>
+                <a:srgbClr val="C00000"/>
+              </a:solidFill>
+              <a:tailEnd type="triangle"/>
+            </a:ln>
+          </p:spPr>
+          <p:style>
+            <a:lnRef idx="1">
+              <a:schemeClr val="accent1"/>
+            </a:lnRef>
+            <a:fillRef idx="0">
+              <a:schemeClr val="accent1"/>
+            </a:fillRef>
+            <a:effectRef idx="0">
+              <a:schemeClr val="accent1"/>
+            </a:effectRef>
+            <a:fontRef idx="minor">
+              <a:schemeClr val="tx1"/>
+            </a:fontRef>
+          </p:style>
+        </p:cxnSp>
+        <p:cxnSp>
+          <p:nvCxnSpPr>
+            <p:cNvPr id="14" name="Gerade Verbindung mit Pfeil 13">
+              <a:extLst>
+                <a:ext uri="{FF2B5EF4-FFF2-40B4-BE49-F238E27FC236}">
+                  <a16:creationId xmlns:a16="http://schemas.microsoft.com/office/drawing/2014/main" id="{9A8AC06C-2FAE-42F0-A9FA-BDF9A9B28096}"/>
+                </a:ext>
+              </a:extLst>
+            </p:cNvPr>
+            <p:cNvCxnSpPr>
+              <a:cxnSpLocks/>
+              <a:stCxn id="9" idx="2"/>
+              <a:endCxn id="10" idx="0"/>
+            </p:cNvCxnSpPr>
+            <p:nvPr/>
+          </p:nvCxnSpPr>
+          <p:spPr>
+            <a:xfrm>
+              <a:off x="3443261" y="4374188"/>
+              <a:ext cx="0" cy="861377"/>
+            </a:xfrm>
+            <a:prstGeom prst="straightConnector1">
+              <a:avLst/>
+            </a:prstGeom>
+            <a:ln w="47625">
+              <a:solidFill>
+                <a:schemeClr val="tx1"/>
+              </a:solidFill>
+              <a:tailEnd type="triangle"/>
+            </a:ln>
+          </p:spPr>
+          <p:style>
+            <a:lnRef idx="1">
+              <a:schemeClr val="accent1"/>
+            </a:lnRef>
+            <a:fillRef idx="0">
+              <a:schemeClr val="accent1"/>
+            </a:fillRef>
+            <a:effectRef idx="0">
+              <a:schemeClr val="accent1"/>
+            </a:effectRef>
+            <a:fontRef idx="minor">
+              <a:schemeClr val="tx1"/>
+            </a:fontRef>
+          </p:style>
+        </p:cxnSp>
+        <p:cxnSp>
+          <p:nvCxnSpPr>
+            <p:cNvPr id="15" name="Gerade Verbindung mit Pfeil 14">
+              <a:extLst>
+                <a:ext uri="{FF2B5EF4-FFF2-40B4-BE49-F238E27FC236}">
+                  <a16:creationId xmlns:a16="http://schemas.microsoft.com/office/drawing/2014/main" id="{6C9EB918-83E4-42DE-9013-B470995BBA45}"/>
+                </a:ext>
+              </a:extLst>
+            </p:cNvPr>
+            <p:cNvCxnSpPr>
+              <a:cxnSpLocks/>
+              <a:stCxn id="5" idx="3"/>
+              <a:endCxn id="6" idx="1"/>
+            </p:cNvCxnSpPr>
+            <p:nvPr/>
+          </p:nvCxnSpPr>
+          <p:spPr>
+            <a:xfrm>
+              <a:off x="3741065" y="2046398"/>
+              <a:ext cx="851527" cy="2866"/>
+            </a:xfrm>
+            <a:prstGeom prst="straightConnector1">
+              <a:avLst/>
+            </a:prstGeom>
+            <a:ln w="47625">
+              <a:solidFill>
+                <a:schemeClr val="tx1"/>
+              </a:solidFill>
+              <a:tailEnd type="triangle"/>
+            </a:ln>
+          </p:spPr>
+          <p:style>
+            <a:lnRef idx="1">
+              <a:schemeClr val="accent1"/>
+            </a:lnRef>
+            <a:fillRef idx="0">
+              <a:schemeClr val="accent1"/>
+            </a:fillRef>
+            <a:effectRef idx="0">
+              <a:schemeClr val="accent1"/>
+            </a:effectRef>
+            <a:fontRef idx="minor">
+              <a:schemeClr val="tx1"/>
+            </a:fontRef>
+          </p:style>
+        </p:cxnSp>
+        <p:cxnSp>
+          <p:nvCxnSpPr>
+            <p:cNvPr id="17" name="Gerade Verbindung mit Pfeil 16">
+              <a:extLst>
+                <a:ext uri="{FF2B5EF4-FFF2-40B4-BE49-F238E27FC236}">
+                  <a16:creationId xmlns:a16="http://schemas.microsoft.com/office/drawing/2014/main" id="{B66EBB58-7A91-4161-94C6-7A26F9CD691E}"/>
+                </a:ext>
+              </a:extLst>
+            </p:cNvPr>
+            <p:cNvCxnSpPr>
+              <a:cxnSpLocks/>
+              <a:endCxn id="5" idx="1"/>
+            </p:cNvCxnSpPr>
+            <p:nvPr/>
+          </p:nvCxnSpPr>
+          <p:spPr>
+            <a:xfrm>
+              <a:off x="2251661" y="2046396"/>
+              <a:ext cx="467426" cy="1"/>
+            </a:xfrm>
+            <a:prstGeom prst="straightConnector1">
+              <a:avLst/>
+            </a:prstGeom>
+            <a:ln w="47625">
+              <a:solidFill>
+                <a:schemeClr val="accent6">
+                  <a:lumMod val="75000"/>
+                </a:schemeClr>
+              </a:solidFill>
+              <a:tailEnd type="triangle"/>
+            </a:ln>
+          </p:spPr>
+          <p:style>
+            <a:lnRef idx="1">
+              <a:schemeClr val="accent1"/>
+            </a:lnRef>
+            <a:fillRef idx="0">
+              <a:schemeClr val="accent1"/>
+            </a:fillRef>
+            <a:effectRef idx="0">
+              <a:schemeClr val="accent1"/>
+            </a:effectRef>
+            <a:fontRef idx="minor">
+              <a:schemeClr val="tx1"/>
+            </a:fontRef>
+          </p:style>
+        </p:cxnSp>
+        <p:cxnSp>
+          <p:nvCxnSpPr>
+            <p:cNvPr id="18" name="Gerade Verbindung mit Pfeil 17">
+              <a:extLst>
+                <a:ext uri="{FF2B5EF4-FFF2-40B4-BE49-F238E27FC236}">
+                  <a16:creationId xmlns:a16="http://schemas.microsoft.com/office/drawing/2014/main" id="{76E05938-96E2-43D6-83E4-B788A275FA6E}"/>
+                </a:ext>
+              </a:extLst>
+            </p:cNvPr>
+            <p:cNvCxnSpPr>
+              <a:cxnSpLocks/>
+              <a:endCxn id="7" idx="3"/>
+            </p:cNvCxnSpPr>
+            <p:nvPr/>
+          </p:nvCxnSpPr>
+          <p:spPr>
+            <a:xfrm flipH="1">
+              <a:off x="7233821" y="2046397"/>
+              <a:ext cx="485699" cy="0"/>
+            </a:xfrm>
+            <a:prstGeom prst="straightConnector1">
+              <a:avLst/>
+            </a:prstGeom>
+            <a:ln w="47625">
+              <a:solidFill>
+                <a:schemeClr val="accent6">
+                  <a:lumMod val="75000"/>
+                </a:schemeClr>
+              </a:solidFill>
+              <a:tailEnd type="triangle"/>
+            </a:ln>
+          </p:spPr>
+          <p:style>
+            <a:lnRef idx="1">
+              <a:schemeClr val="accent1"/>
+            </a:lnRef>
+            <a:fillRef idx="0">
+              <a:schemeClr val="accent1"/>
+            </a:fillRef>
+            <a:effectRef idx="0">
+              <a:schemeClr val="accent1"/>
+            </a:effectRef>
+            <a:fontRef idx="minor">
+              <a:schemeClr val="tx1"/>
+            </a:fontRef>
+          </p:style>
+        </p:cxnSp>
+        <p:sp>
+          <p:nvSpPr>
+            <p:cNvPr id="21" name="Textfeld 20">
+              <a:extLst>
+                <a:ext uri="{FF2B5EF4-FFF2-40B4-BE49-F238E27FC236}">
+                  <a16:creationId xmlns:a16="http://schemas.microsoft.com/office/drawing/2014/main" id="{99ACB728-008C-43E2-BC47-D84A434A2FB0}"/>
+                </a:ext>
+              </a:extLst>
+            </p:cNvPr>
+            <p:cNvSpPr txBox="1"/>
+            <p:nvPr/>
+          </p:nvSpPr>
+          <p:spPr>
+            <a:xfrm>
+              <a:off x="752475" y="1241981"/>
+              <a:ext cx="1095172" cy="261610"/>
+            </a:xfrm>
+            <a:prstGeom prst="rect">
+              <a:avLst/>
+            </a:prstGeom>
+            <a:noFill/>
+          </p:spPr>
+          <p:txBody>
+            <a:bodyPr wrap="none" rtlCol="0">
+              <a:spAutoFit/>
+            </a:bodyPr>
+            <a:lstStyle/>
+            <a:p>
+              <a:r>
+                <a:rPr lang="en-US" sz="1100" dirty="0"/>
+                <a:t>Spindle Position</a:t>
+              </a:r>
+            </a:p>
+          </p:txBody>
+        </p:sp>
+        <p:cxnSp>
+          <p:nvCxnSpPr>
+            <p:cNvPr id="22" name="Verbinder: gewinkelt 21">
+              <a:extLst>
+                <a:ext uri="{FF2B5EF4-FFF2-40B4-BE49-F238E27FC236}">
+                  <a16:creationId xmlns:a16="http://schemas.microsoft.com/office/drawing/2014/main" id="{4A46F693-1044-4FB5-94B3-B2B1570AA622}"/>
+                </a:ext>
+              </a:extLst>
+            </p:cNvPr>
+            <p:cNvCxnSpPr>
+              <a:cxnSpLocks/>
+              <a:endCxn id="25" idx="1"/>
+            </p:cNvCxnSpPr>
+            <p:nvPr/>
+          </p:nvCxnSpPr>
+          <p:spPr>
+            <a:xfrm rot="16200000" flipH="1">
+              <a:off x="5801374" y="2257769"/>
+              <a:ext cx="561244" cy="375110"/>
+            </a:xfrm>
+            <a:prstGeom prst="bentConnector2">
+              <a:avLst/>
+            </a:prstGeom>
+            <a:ln w="28575">
+              <a:solidFill>
+                <a:schemeClr val="tx1"/>
+              </a:solidFill>
+              <a:prstDash val="dash"/>
+            </a:ln>
+          </p:spPr>
+          <p:style>
+            <a:lnRef idx="1">
+              <a:schemeClr val="accent1"/>
+            </a:lnRef>
+            <a:fillRef idx="0">
+              <a:schemeClr val="accent1"/>
+            </a:fillRef>
+            <a:effectRef idx="0">
+              <a:schemeClr val="accent1"/>
+            </a:effectRef>
+            <a:fontRef idx="minor">
+              <a:schemeClr val="tx1"/>
+            </a:fontRef>
+          </p:style>
+        </p:cxnSp>
+        <p:sp>
+          <p:nvSpPr>
+            <p:cNvPr id="25" name="Textfeld 24">
+              <a:extLst>
+                <a:ext uri="{FF2B5EF4-FFF2-40B4-BE49-F238E27FC236}">
+                  <a16:creationId xmlns:a16="http://schemas.microsoft.com/office/drawing/2014/main" id="{5337A77F-A2A0-4133-8A2A-4AE70A4665E2}"/>
+                </a:ext>
+              </a:extLst>
+            </p:cNvPr>
+            <p:cNvSpPr txBox="1"/>
+            <p:nvPr/>
+          </p:nvSpPr>
+          <p:spPr>
+            <a:xfrm>
+              <a:off x="6269551" y="2510502"/>
+              <a:ext cx="1154483" cy="430887"/>
+            </a:xfrm>
+            <a:prstGeom prst="rect">
+              <a:avLst/>
+            </a:prstGeom>
+            <a:noFill/>
+          </p:spPr>
+          <p:txBody>
+            <a:bodyPr wrap="none" rtlCol="0">
+              <a:spAutoFit/>
+            </a:bodyPr>
+            <a:lstStyle/>
+            <a:p>
+              <a:pPr marL="171450" indent="-171450">
+                <a:buFont typeface="Arial" panose="020B0604020202020204" pitchFamily="34" charset="0"/>
+                <a:buChar char="•"/>
+              </a:pPr>
+              <a:r>
+                <a:rPr lang="en-US" sz="1100" dirty="0"/>
+                <a:t>Spindle RPM</a:t>
+              </a:r>
+            </a:p>
+            <a:p>
+              <a:pPr marL="171450" indent="-171450">
+                <a:buFont typeface="Arial" panose="020B0604020202020204" pitchFamily="34" charset="0"/>
+                <a:buChar char="•"/>
+              </a:pPr>
+              <a:r>
+                <a:rPr lang="en-US" sz="1100" dirty="0"/>
+                <a:t>System Status</a:t>
+              </a:r>
+            </a:p>
+          </p:txBody>
+        </p:sp>
+        <p:sp>
+          <p:nvSpPr>
+            <p:cNvPr id="28" name="Textfeld 27">
+              <a:extLst>
+                <a:ext uri="{FF2B5EF4-FFF2-40B4-BE49-F238E27FC236}">
+                  <a16:creationId xmlns:a16="http://schemas.microsoft.com/office/drawing/2014/main" id="{2F7B6556-5797-43C2-9CBE-85880FE071FF}"/>
+                </a:ext>
+              </a:extLst>
+            </p:cNvPr>
+            <p:cNvSpPr txBox="1"/>
+            <p:nvPr/>
+          </p:nvSpPr>
+          <p:spPr>
+            <a:xfrm>
+              <a:off x="2802701" y="6151451"/>
+              <a:ext cx="1281120" cy="261610"/>
+            </a:xfrm>
+            <a:prstGeom prst="rect">
+              <a:avLst/>
+            </a:prstGeom>
+            <a:noFill/>
+          </p:spPr>
+          <p:txBody>
+            <a:bodyPr wrap="none" rtlCol="0">
+              <a:spAutoFit/>
+            </a:bodyPr>
+            <a:lstStyle/>
+            <a:p>
+              <a:r>
+                <a:rPr lang="en-US" sz="1100" dirty="0"/>
+                <a:t>Leadscrew Position</a:t>
+              </a:r>
+            </a:p>
+          </p:txBody>
+        </p:sp>
+        <p:pic>
+          <p:nvPicPr>
+            <p:cNvPr id="33" name="Grafik 32">
+              <a:extLst>
+                <a:ext uri="{FF2B5EF4-FFF2-40B4-BE49-F238E27FC236}">
+                  <a16:creationId xmlns:a16="http://schemas.microsoft.com/office/drawing/2014/main" id="{FCD7950B-9F61-4892-A513-35C496F00012}"/>
+                </a:ext>
+              </a:extLst>
+            </p:cNvPr>
+            <p:cNvPicPr>
+              <a:picLocks noChangeAspect="1"/>
+            </p:cNvPicPr>
+            <p:nvPr/>
+          </p:nvPicPr>
+          <p:blipFill>
+            <a:blip r:embed="rId2"/>
+            <a:stretch>
+              <a:fillRect/>
+            </a:stretch>
+          </p:blipFill>
+          <p:spPr>
+            <a:xfrm>
+              <a:off x="348463" y="1503591"/>
+              <a:ext cx="1903197" cy="1071024"/>
+            </a:xfrm>
+            <a:prstGeom prst="rect">
+              <a:avLst/>
+            </a:prstGeom>
+          </p:spPr>
+        </p:pic>
+        <p:pic>
+          <p:nvPicPr>
+            <p:cNvPr id="34" name="Grafik 33">
+              <a:extLst>
+                <a:ext uri="{FF2B5EF4-FFF2-40B4-BE49-F238E27FC236}">
+                  <a16:creationId xmlns:a16="http://schemas.microsoft.com/office/drawing/2014/main" id="{48FDF59F-6BCF-408F-8064-3116A295279F}"/>
+                </a:ext>
+              </a:extLst>
+            </p:cNvPr>
+            <p:cNvPicPr>
+              <a:picLocks noChangeAspect="1"/>
+            </p:cNvPicPr>
+            <p:nvPr/>
+          </p:nvPicPr>
+          <p:blipFill rotWithShape="1">
+            <a:blip r:embed="rId3">
+              <a:extLst>
+                <a:ext uri="{28A0092B-C50C-407E-A947-70E740481C1C}">
+                  <a14:useLocalDpi xmlns:a14="http://schemas.microsoft.com/office/drawing/2010/main" val="0"/>
+                </a:ext>
+              </a:extLst>
+            </a:blip>
+            <a:srcRect t="3549"/>
+            <a:stretch/>
+          </p:blipFill>
+          <p:spPr>
+            <a:xfrm>
+              <a:off x="7719520" y="1510883"/>
+              <a:ext cx="1623763" cy="1071025"/>
+            </a:xfrm>
+            <a:prstGeom prst="rect">
+              <a:avLst/>
+            </a:prstGeom>
+          </p:spPr>
+        </p:pic>
+        <p:cxnSp>
+          <p:nvCxnSpPr>
+            <p:cNvPr id="37" name="Gerade Verbindung mit Pfeil 36">
+              <a:extLst>
+                <a:ext uri="{FF2B5EF4-FFF2-40B4-BE49-F238E27FC236}">
+                  <a16:creationId xmlns:a16="http://schemas.microsoft.com/office/drawing/2014/main" id="{3478FCCF-AD8F-4465-A0E3-EBBDEC54E091}"/>
+                </a:ext>
+              </a:extLst>
+            </p:cNvPr>
+            <p:cNvCxnSpPr/>
+            <p:nvPr/>
+          </p:nvCxnSpPr>
+          <p:spPr>
+            <a:xfrm>
+              <a:off x="5596296" y="2164702"/>
+              <a:ext cx="630671" cy="0"/>
+            </a:xfrm>
+            <a:prstGeom prst="straightConnector1">
+              <a:avLst/>
+            </a:prstGeom>
+            <a:ln w="25400">
+              <a:solidFill>
+                <a:srgbClr val="C00000"/>
+              </a:solidFill>
+              <a:tailEnd type="triangle"/>
+            </a:ln>
+          </p:spPr>
+          <p:style>
+            <a:lnRef idx="1">
+              <a:schemeClr val="accent1"/>
+            </a:lnRef>
+            <a:fillRef idx="0">
+              <a:schemeClr val="accent1"/>
+            </a:fillRef>
+            <a:effectRef idx="0">
+              <a:schemeClr val="accent1"/>
+            </a:effectRef>
+            <a:fontRef idx="minor">
+              <a:schemeClr val="tx1"/>
+            </a:fontRef>
+          </p:style>
+        </p:cxnSp>
+        <p:cxnSp>
+          <p:nvCxnSpPr>
+            <p:cNvPr id="38" name="Gerade Verbindung mit Pfeil 37">
+              <a:extLst>
+                <a:ext uri="{FF2B5EF4-FFF2-40B4-BE49-F238E27FC236}">
+                  <a16:creationId xmlns:a16="http://schemas.microsoft.com/office/drawing/2014/main" id="{93E68E0A-F526-466F-818E-2E26C7F04CCF}"/>
+                </a:ext>
+              </a:extLst>
+            </p:cNvPr>
+            <p:cNvCxnSpPr>
+              <a:cxnSpLocks/>
+            </p:cNvCxnSpPr>
+            <p:nvPr/>
+          </p:nvCxnSpPr>
+          <p:spPr>
+            <a:xfrm flipH="1">
+              <a:off x="5596296" y="1901163"/>
+              <a:ext cx="630671" cy="0"/>
+            </a:xfrm>
+            <a:prstGeom prst="straightConnector1">
+              <a:avLst/>
+            </a:prstGeom>
+            <a:ln w="25400">
+              <a:solidFill>
+                <a:schemeClr val="accent6"/>
+              </a:solidFill>
+              <a:tailEnd type="triangle"/>
+            </a:ln>
+          </p:spPr>
+          <p:style>
+            <a:lnRef idx="1">
+              <a:schemeClr val="accent1"/>
+            </a:lnRef>
+            <a:fillRef idx="0">
+              <a:schemeClr val="accent1"/>
+            </a:fillRef>
+            <a:effectRef idx="0">
+              <a:schemeClr val="accent1"/>
+            </a:effectRef>
+            <a:fontRef idx="minor">
+              <a:schemeClr val="tx1"/>
+            </a:fontRef>
+          </p:style>
+        </p:cxnSp>
+        <p:sp>
+          <p:nvSpPr>
+            <p:cNvPr id="52" name="Textfeld 51">
+              <a:extLst>
+                <a:ext uri="{FF2B5EF4-FFF2-40B4-BE49-F238E27FC236}">
+                  <a16:creationId xmlns:a16="http://schemas.microsoft.com/office/drawing/2014/main" id="{04470EC5-56F3-4EE9-B6A3-EA3DEC94A95A}"/>
+                </a:ext>
+              </a:extLst>
+            </p:cNvPr>
+            <p:cNvSpPr txBox="1"/>
+            <p:nvPr/>
+          </p:nvSpPr>
+          <p:spPr>
+            <a:xfrm>
+              <a:off x="6269551" y="1108801"/>
+              <a:ext cx="1521570" cy="430887"/>
+            </a:xfrm>
+            <a:prstGeom prst="rect">
+              <a:avLst/>
+            </a:prstGeom>
+            <a:noFill/>
+          </p:spPr>
+          <p:txBody>
+            <a:bodyPr wrap="none" rtlCol="0">
+              <a:spAutoFit/>
+            </a:bodyPr>
+            <a:lstStyle/>
+            <a:p>
+              <a:pPr marL="171450" indent="-171450">
+                <a:buFont typeface="Arial" panose="020B0604020202020204" pitchFamily="34" charset="0"/>
+                <a:buChar char="•"/>
+              </a:pPr>
+              <a:r>
+                <a:rPr lang="en-US" sz="1100" dirty="0"/>
+                <a:t>Transmission</a:t>
+              </a:r>
+            </a:p>
+            <a:p>
+              <a:pPr marL="171450" indent="-171450">
+                <a:buFont typeface="Arial" panose="020B0604020202020204" pitchFamily="34" charset="0"/>
+                <a:buChar char="•"/>
+              </a:pPr>
+              <a:r>
+                <a:rPr lang="en-US" sz="1100" dirty="0"/>
+                <a:t>Mode (Inch/Metric)</a:t>
+              </a:r>
+            </a:p>
+          </p:txBody>
+        </p:sp>
+        <p:cxnSp>
+          <p:nvCxnSpPr>
+            <p:cNvPr id="53" name="Verbinder: gewinkelt 52">
+              <a:extLst>
+                <a:ext uri="{FF2B5EF4-FFF2-40B4-BE49-F238E27FC236}">
+                  <a16:creationId xmlns:a16="http://schemas.microsoft.com/office/drawing/2014/main" id="{BEAFA512-49FD-460C-BB2B-D4F102278B56}"/>
+                </a:ext>
+              </a:extLst>
+            </p:cNvPr>
+            <p:cNvCxnSpPr>
+              <a:cxnSpLocks/>
+              <a:endCxn id="52" idx="1"/>
+            </p:cNvCxnSpPr>
+            <p:nvPr/>
+          </p:nvCxnSpPr>
+          <p:spPr>
+            <a:xfrm rot="5400000" flipH="1" flipV="1">
+              <a:off x="5800025" y="1418481"/>
+              <a:ext cx="563762" cy="375290"/>
+            </a:xfrm>
+            <a:prstGeom prst="bentConnector2">
+              <a:avLst/>
+            </a:prstGeom>
+            <a:ln w="28575">
+              <a:solidFill>
+                <a:schemeClr val="tx1"/>
+              </a:solidFill>
+              <a:prstDash val="dash"/>
+            </a:ln>
+          </p:spPr>
+          <p:style>
+            <a:lnRef idx="1">
+              <a:schemeClr val="accent1"/>
+            </a:lnRef>
+            <a:fillRef idx="0">
+              <a:schemeClr val="accent1"/>
+            </a:fillRef>
+            <a:effectRef idx="0">
+              <a:schemeClr val="accent1"/>
+            </a:effectRef>
+            <a:fontRef idx="minor">
+              <a:schemeClr val="tx1"/>
+            </a:fontRef>
+          </p:style>
+        </p:cxnSp>
+        <p:cxnSp>
+          <p:nvCxnSpPr>
+            <p:cNvPr id="58" name="Gerader Verbinder 57">
+              <a:extLst>
+                <a:ext uri="{FF2B5EF4-FFF2-40B4-BE49-F238E27FC236}">
+                  <a16:creationId xmlns:a16="http://schemas.microsoft.com/office/drawing/2014/main" id="{5A056F8C-9452-45AB-9170-85D8854E1296}"/>
+                </a:ext>
+              </a:extLst>
+            </p:cNvPr>
+            <p:cNvCxnSpPr>
+              <a:cxnSpLocks/>
+              <a:endCxn id="59" idx="1"/>
+            </p:cNvCxnSpPr>
+            <p:nvPr/>
+          </p:nvCxnSpPr>
+          <p:spPr>
+            <a:xfrm>
+              <a:off x="3443261" y="4745752"/>
+              <a:ext cx="1199780" cy="0"/>
+            </a:xfrm>
+            <a:prstGeom prst="line">
+              <a:avLst/>
+            </a:prstGeom>
+            <a:ln w="28575">
+              <a:solidFill>
+                <a:schemeClr val="tx1"/>
+              </a:solidFill>
+              <a:prstDash val="dash"/>
+            </a:ln>
+          </p:spPr>
+          <p:style>
+            <a:lnRef idx="1">
+              <a:schemeClr val="accent1"/>
+            </a:lnRef>
+            <a:fillRef idx="0">
+              <a:schemeClr val="accent1"/>
+            </a:fillRef>
+            <a:effectRef idx="0">
+              <a:schemeClr val="accent1"/>
+            </a:effectRef>
+            <a:fontRef idx="minor">
+              <a:schemeClr val="tx1"/>
+            </a:fontRef>
+          </p:style>
+        </p:cxnSp>
+        <p:sp>
+          <p:nvSpPr>
+            <p:cNvPr id="59" name="Textfeld 58">
+              <a:extLst>
+                <a:ext uri="{FF2B5EF4-FFF2-40B4-BE49-F238E27FC236}">
+                  <a16:creationId xmlns:a16="http://schemas.microsoft.com/office/drawing/2014/main" id="{F2A2143C-F0B8-4794-9BD3-DB39E80E7CF5}"/>
+                </a:ext>
+              </a:extLst>
+            </p:cNvPr>
+            <p:cNvSpPr txBox="1"/>
+            <p:nvPr/>
+          </p:nvSpPr>
+          <p:spPr>
+            <a:xfrm>
+              <a:off x="4643041" y="4530308"/>
+              <a:ext cx="816249" cy="430887"/>
+            </a:xfrm>
+            <a:prstGeom prst="rect">
+              <a:avLst/>
+            </a:prstGeom>
+            <a:noFill/>
+          </p:spPr>
+          <p:txBody>
+            <a:bodyPr wrap="none" rtlCol="0">
+              <a:spAutoFit/>
+            </a:bodyPr>
+            <a:lstStyle/>
+            <a:p>
+              <a:pPr marL="171450" indent="-171450">
+                <a:buFont typeface="Arial" panose="020B0604020202020204" pitchFamily="34" charset="0"/>
+                <a:buChar char="•"/>
+              </a:pPr>
+              <a:r>
+                <a:rPr lang="en-US" sz="1100" dirty="0"/>
+                <a:t>Position</a:t>
+              </a:r>
+            </a:p>
+            <a:p>
+              <a:pPr marL="171450" indent="-171450">
+                <a:buFont typeface="Arial" panose="020B0604020202020204" pitchFamily="34" charset="0"/>
+                <a:buChar char="•"/>
+              </a:pPr>
+              <a:r>
+                <a:rPr lang="en-US" sz="1100" dirty="0"/>
+                <a:t>Torque</a:t>
+              </a:r>
+            </a:p>
+          </p:txBody>
+        </p:sp>
+        <p:cxnSp>
+          <p:nvCxnSpPr>
+            <p:cNvPr id="65" name="Verbinder: gewinkelt 64">
+              <a:extLst>
+                <a:ext uri="{FF2B5EF4-FFF2-40B4-BE49-F238E27FC236}">
+                  <a16:creationId xmlns:a16="http://schemas.microsoft.com/office/drawing/2014/main" id="{2F630FE6-8C2F-4775-A42F-8BE53555CE8A}"/>
+                </a:ext>
+              </a:extLst>
+            </p:cNvPr>
+            <p:cNvCxnSpPr>
+              <a:stCxn id="6" idx="2"/>
+              <a:endCxn id="8" idx="0"/>
+            </p:cNvCxnSpPr>
+            <p:nvPr/>
+          </p:nvCxnSpPr>
+          <p:spPr>
+            <a:xfrm rot="5400000">
+              <a:off x="3778651" y="1982779"/>
+              <a:ext cx="980407" cy="1651183"/>
+            </a:xfrm>
+            <a:prstGeom prst="bentConnector3">
+              <a:avLst/>
+            </a:prstGeom>
+            <a:ln w="47625">
+              <a:solidFill>
+                <a:schemeClr val="tx1"/>
+              </a:solidFill>
+              <a:tailEnd type="triangle"/>
+            </a:ln>
+          </p:spPr>
+          <p:style>
+            <a:lnRef idx="1">
+              <a:schemeClr val="accent1"/>
+            </a:lnRef>
+            <a:fillRef idx="0">
+              <a:schemeClr val="accent1"/>
+            </a:fillRef>
+            <a:effectRef idx="0">
+              <a:schemeClr val="accent1"/>
+            </a:effectRef>
+            <a:fontRef idx="minor">
+              <a:schemeClr val="tx1"/>
+            </a:fontRef>
+          </p:style>
+        </p:cxnSp>
+        <p:sp>
+          <p:nvSpPr>
+            <p:cNvPr id="70" name="Bogen 69">
+              <a:extLst>
+                <a:ext uri="{FF2B5EF4-FFF2-40B4-BE49-F238E27FC236}">
+                  <a16:creationId xmlns:a16="http://schemas.microsoft.com/office/drawing/2014/main" id="{7C3401C4-345F-40B7-925F-135F3949B3F0}"/>
+                </a:ext>
+              </a:extLst>
+            </p:cNvPr>
+            <p:cNvSpPr/>
+            <p:nvPr/>
+          </p:nvSpPr>
+          <p:spPr>
+            <a:xfrm rot="3278511">
+              <a:off x="3351404" y="3442405"/>
+              <a:ext cx="828000" cy="828000"/>
+            </a:xfrm>
+            <a:prstGeom prst="arc">
+              <a:avLst>
+                <a:gd name="adj1" fmla="val 14510791"/>
+                <a:gd name="adj2" fmla="val 624341"/>
+              </a:avLst>
+            </a:prstGeom>
+            <a:ln w="19050">
+              <a:solidFill>
+                <a:schemeClr val="accent6"/>
+              </a:solidFill>
+              <a:tailEnd type="triangle"/>
+            </a:ln>
+          </p:spPr>
+          <p:style>
+            <a:lnRef idx="1">
+              <a:schemeClr val="accent1"/>
+            </a:lnRef>
+            <a:fillRef idx="0">
+              <a:schemeClr val="accent1"/>
+            </a:fillRef>
+            <a:effectRef idx="0">
+              <a:schemeClr val="accent1"/>
+            </a:effectRef>
+            <a:fontRef idx="minor">
+              <a:schemeClr val="tx1"/>
+            </a:fontRef>
+          </p:style>
+          <p:txBody>
+            <a:bodyPr rtlCol="0" anchor="ctr"/>
+            <a:lstStyle/>
+            <a:p>
+              <a:pPr algn="ctr"/>
+              <a:endParaRPr lang="de-DE"/>
+            </a:p>
+          </p:txBody>
+        </p:sp>
+        <p:sp>
+          <p:nvSpPr>
+            <p:cNvPr id="71" name="Bogen 70">
+              <a:extLst>
+                <a:ext uri="{FF2B5EF4-FFF2-40B4-BE49-F238E27FC236}">
+                  <a16:creationId xmlns:a16="http://schemas.microsoft.com/office/drawing/2014/main" id="{76B1AB0E-0631-4A84-AD60-A0FB9870BA42}"/>
+                </a:ext>
+              </a:extLst>
+            </p:cNvPr>
+            <p:cNvSpPr/>
+            <p:nvPr/>
+          </p:nvSpPr>
+          <p:spPr>
+            <a:xfrm rot="14158898">
+              <a:off x="2704667" y="3457709"/>
+              <a:ext cx="828000" cy="828000"/>
+            </a:xfrm>
+            <a:prstGeom prst="arc">
+              <a:avLst>
+                <a:gd name="adj1" fmla="val 14510791"/>
+                <a:gd name="adj2" fmla="val 624341"/>
+              </a:avLst>
+            </a:prstGeom>
+            <a:ln w="19050">
+              <a:solidFill>
+                <a:srgbClr val="C00000"/>
+              </a:solidFill>
+              <a:tailEnd type="triangle"/>
+            </a:ln>
+          </p:spPr>
+          <p:style>
+            <a:lnRef idx="1">
+              <a:schemeClr val="accent1"/>
+            </a:lnRef>
+            <a:fillRef idx="0">
+              <a:schemeClr val="accent1"/>
+            </a:fillRef>
+            <a:effectRef idx="0">
+              <a:schemeClr val="accent1"/>
+            </a:effectRef>
+            <a:fontRef idx="minor">
+              <a:schemeClr val="tx1"/>
+            </a:fontRef>
+          </p:style>
+          <p:txBody>
+            <a:bodyPr rtlCol="0" anchor="ctr"/>
+            <a:lstStyle/>
+            <a:p>
+              <a:pPr algn="ctr"/>
+              <a:endParaRPr lang="de-DE"/>
+            </a:p>
+          </p:txBody>
+        </p:sp>
+        <p:sp>
+          <p:nvSpPr>
+            <p:cNvPr id="73" name="Textfeld 72">
+              <a:extLst>
+                <a:ext uri="{FF2B5EF4-FFF2-40B4-BE49-F238E27FC236}">
+                  <a16:creationId xmlns:a16="http://schemas.microsoft.com/office/drawing/2014/main" id="{5628F944-BD13-4BD3-BE6C-E9CC3B95FFBC}"/>
+                </a:ext>
+              </a:extLst>
+            </p:cNvPr>
+            <p:cNvSpPr txBox="1"/>
+            <p:nvPr/>
+          </p:nvSpPr>
+          <p:spPr>
+            <a:xfrm>
+              <a:off x="4643041" y="2998113"/>
+              <a:ext cx="1330162" cy="430887"/>
+            </a:xfrm>
+            <a:prstGeom prst="rect">
+              <a:avLst/>
+            </a:prstGeom>
+            <a:noFill/>
+          </p:spPr>
+          <p:txBody>
+            <a:bodyPr wrap="square" rtlCol="0">
+              <a:spAutoFit/>
+            </a:bodyPr>
+            <a:lstStyle/>
+            <a:p>
+              <a:pPr marL="171450" indent="-171450">
+                <a:buFont typeface="Arial" panose="020B0604020202020204" pitchFamily="34" charset="0"/>
+                <a:buChar char="•"/>
+              </a:pPr>
+              <a:r>
+                <a:rPr lang="en-US" sz="1100" dirty="0"/>
+                <a:t>Desired Position</a:t>
+              </a:r>
+            </a:p>
+            <a:p>
+              <a:pPr marL="171450" indent="-171450">
+                <a:buFont typeface="Arial" panose="020B0604020202020204" pitchFamily="34" charset="0"/>
+                <a:buChar char="•"/>
+              </a:pPr>
+              <a:r>
+                <a:rPr lang="en-US" sz="1100" dirty="0"/>
+                <a:t>Direction</a:t>
+              </a:r>
+            </a:p>
+          </p:txBody>
+        </p:sp>
+        <p:cxnSp>
+          <p:nvCxnSpPr>
+            <p:cNvPr id="75" name="Verbinder: gewinkelt 74">
+              <a:extLst>
+                <a:ext uri="{FF2B5EF4-FFF2-40B4-BE49-F238E27FC236}">
+                  <a16:creationId xmlns:a16="http://schemas.microsoft.com/office/drawing/2014/main" id="{27766753-10C9-4A24-A4E4-DE55ECC037B6}"/>
+                </a:ext>
+              </a:extLst>
+            </p:cNvPr>
+            <p:cNvCxnSpPr>
+              <a:cxnSpLocks/>
+              <a:endCxn id="73" idx="1"/>
+            </p:cNvCxnSpPr>
+            <p:nvPr/>
+          </p:nvCxnSpPr>
+          <p:spPr>
+            <a:xfrm rot="16200000" flipH="1">
+              <a:off x="4288535" y="2859051"/>
+              <a:ext cx="409204" cy="299808"/>
+            </a:xfrm>
+            <a:prstGeom prst="bentConnector2">
+              <a:avLst/>
+            </a:prstGeom>
+            <a:ln w="28575">
+              <a:solidFill>
+                <a:schemeClr val="tx1"/>
+              </a:solidFill>
+              <a:prstDash val="dash"/>
+            </a:ln>
+          </p:spPr>
+          <p:style>
+            <a:lnRef idx="1">
+              <a:schemeClr val="accent1"/>
+            </a:lnRef>
+            <a:fillRef idx="0">
+              <a:schemeClr val="accent1"/>
+            </a:fillRef>
+            <a:effectRef idx="0">
+              <a:schemeClr val="accent1"/>
+            </a:effectRef>
+            <a:fontRef idx="minor">
+              <a:schemeClr val="tx1"/>
+            </a:fontRef>
+          </p:style>
+        </p:cxnSp>
+        <p:grpSp>
+          <p:nvGrpSpPr>
+            <p:cNvPr id="110" name="Gruppieren 109">
+              <a:extLst>
+                <a:ext uri="{FF2B5EF4-FFF2-40B4-BE49-F238E27FC236}">
+                  <a16:creationId xmlns:a16="http://schemas.microsoft.com/office/drawing/2014/main" id="{EBB0B0FE-1FDD-43BB-BE81-90EBA1020D91}"/>
+                </a:ext>
+              </a:extLst>
+            </p:cNvPr>
+            <p:cNvGrpSpPr/>
+            <p:nvPr/>
+          </p:nvGrpSpPr>
+          <p:grpSpPr>
+            <a:xfrm>
+              <a:off x="3837959" y="1549877"/>
+              <a:ext cx="657739" cy="430887"/>
+              <a:chOff x="6302208" y="4961194"/>
+              <a:chExt cx="2554621" cy="1532179"/>
+            </a:xfrm>
+          </p:grpSpPr>
+          <p:cxnSp>
+            <p:nvCxnSpPr>
+              <p:cNvPr id="81" name="Gerader Verbinder 80">
+                <a:extLst>
+                  <a:ext uri="{FF2B5EF4-FFF2-40B4-BE49-F238E27FC236}">
+                    <a16:creationId xmlns:a16="http://schemas.microsoft.com/office/drawing/2014/main" id="{AA349965-E6C6-4FE6-BC04-CE1FCF20DB7C}"/>
+                  </a:ext>
+                </a:extLst>
+              </p:cNvPr>
+              <p:cNvCxnSpPr/>
+              <p:nvPr/>
+            </p:nvCxnSpPr>
+            <p:spPr>
+              <a:xfrm flipV="1">
+                <a:off x="6696829" y="4961195"/>
+                <a:ext cx="0" cy="720000"/>
+              </a:xfrm>
+              <a:prstGeom prst="line">
+                <a:avLst/>
+              </a:prstGeom>
+            </p:spPr>
+            <p:style>
+              <a:lnRef idx="1">
+                <a:schemeClr val="accent1"/>
+              </a:lnRef>
+              <a:fillRef idx="0">
+                <a:schemeClr val="accent1"/>
+              </a:fillRef>
+              <a:effectRef idx="0">
+                <a:schemeClr val="accent1"/>
+              </a:effectRef>
+              <a:fontRef idx="minor">
+                <a:schemeClr val="tx1"/>
+              </a:fontRef>
+            </p:style>
+          </p:cxnSp>
+          <p:cxnSp>
+            <p:nvCxnSpPr>
+              <p:cNvPr id="82" name="Gerader Verbinder 81">
+                <a:extLst>
+                  <a:ext uri="{FF2B5EF4-FFF2-40B4-BE49-F238E27FC236}">
+                    <a16:creationId xmlns:a16="http://schemas.microsoft.com/office/drawing/2014/main" id="{64836326-110F-498F-AA43-9CD29D19B839}"/>
+                  </a:ext>
+                </a:extLst>
+              </p:cNvPr>
+              <p:cNvCxnSpPr>
+                <a:cxnSpLocks/>
+              </p:cNvCxnSpPr>
+              <p:nvPr/>
+            </p:nvCxnSpPr>
+            <p:spPr>
+              <a:xfrm>
+                <a:off x="6696829" y="4961195"/>
+                <a:ext cx="720000" cy="0"/>
+              </a:xfrm>
+              <a:prstGeom prst="line">
+                <a:avLst/>
+              </a:prstGeom>
+              <a:ln w="34925">
+                <a:solidFill>
+                  <a:schemeClr val="accent6"/>
+                </a:solidFill>
+              </a:ln>
+            </p:spPr>
+            <p:style>
+              <a:lnRef idx="1">
+                <a:schemeClr val="accent1"/>
+              </a:lnRef>
+              <a:fillRef idx="0">
+                <a:schemeClr val="accent1"/>
+              </a:fillRef>
+              <a:effectRef idx="0">
+                <a:schemeClr val="accent1"/>
+              </a:effectRef>
+              <a:fontRef idx="minor">
+                <a:schemeClr val="tx1"/>
+              </a:fontRef>
+            </p:style>
+          </p:cxnSp>
+          <p:cxnSp>
+            <p:nvCxnSpPr>
+              <p:cNvPr id="86" name="Gerader Verbinder 85">
+                <a:extLst>
+                  <a:ext uri="{FF2B5EF4-FFF2-40B4-BE49-F238E27FC236}">
+                    <a16:creationId xmlns:a16="http://schemas.microsoft.com/office/drawing/2014/main" id="{1FF4D5D3-5425-45A1-95BF-A9A65AA51099}"/>
+                  </a:ext>
+                </a:extLst>
+              </p:cNvPr>
+              <p:cNvCxnSpPr>
+                <a:cxnSpLocks/>
+              </p:cNvCxnSpPr>
+              <p:nvPr/>
+            </p:nvCxnSpPr>
+            <p:spPr>
+              <a:xfrm flipH="1" flipV="1">
+                <a:off x="7416829" y="4961195"/>
+                <a:ext cx="0" cy="719999"/>
+              </a:xfrm>
+              <a:prstGeom prst="line">
+                <a:avLst/>
+              </a:prstGeom>
+              <a:ln w="34925">
+                <a:solidFill>
+                  <a:schemeClr val="accent6"/>
+                </a:solidFill>
+              </a:ln>
+            </p:spPr>
+            <p:style>
+              <a:lnRef idx="1">
+                <a:schemeClr val="accent1"/>
+              </a:lnRef>
+              <a:fillRef idx="0">
+                <a:schemeClr val="accent1"/>
+              </a:fillRef>
+              <a:effectRef idx="0">
+                <a:schemeClr val="accent1"/>
+              </a:effectRef>
+              <a:fontRef idx="minor">
+                <a:schemeClr val="tx1"/>
+              </a:fontRef>
+            </p:style>
+          </p:cxnSp>
+          <p:cxnSp>
+            <p:nvCxnSpPr>
+              <p:cNvPr id="90" name="Gerader Verbinder 89">
+                <a:extLst>
+                  <a:ext uri="{FF2B5EF4-FFF2-40B4-BE49-F238E27FC236}">
+                    <a16:creationId xmlns:a16="http://schemas.microsoft.com/office/drawing/2014/main" id="{F1E22829-8098-46E2-B3BF-C3A61A0BBBF5}"/>
+                  </a:ext>
+                </a:extLst>
+              </p:cNvPr>
+              <p:cNvCxnSpPr/>
+              <p:nvPr/>
+            </p:nvCxnSpPr>
+            <p:spPr>
+              <a:xfrm flipV="1">
+                <a:off x="6696829" y="4961195"/>
+                <a:ext cx="0" cy="720000"/>
+              </a:xfrm>
+              <a:prstGeom prst="line">
+                <a:avLst/>
+              </a:prstGeom>
+              <a:ln w="34925">
+                <a:solidFill>
+                  <a:schemeClr val="accent6"/>
+                </a:solidFill>
+              </a:ln>
+            </p:spPr>
+            <p:style>
+              <a:lnRef idx="1">
+                <a:schemeClr val="accent1"/>
+              </a:lnRef>
+              <a:fillRef idx="0">
+                <a:schemeClr val="accent1"/>
+              </a:fillRef>
+              <a:effectRef idx="0">
+                <a:schemeClr val="accent1"/>
+              </a:effectRef>
+              <a:fontRef idx="minor">
+                <a:schemeClr val="tx1"/>
+              </a:fontRef>
+            </p:style>
+          </p:cxnSp>
+          <p:cxnSp>
+            <p:nvCxnSpPr>
+              <p:cNvPr id="91" name="Gerader Verbinder 90">
+                <a:extLst>
+                  <a:ext uri="{FF2B5EF4-FFF2-40B4-BE49-F238E27FC236}">
+                    <a16:creationId xmlns:a16="http://schemas.microsoft.com/office/drawing/2014/main" id="{DE501B4C-001D-4D74-8196-F6B1260FB7F8}"/>
+                  </a:ext>
+                </a:extLst>
+              </p:cNvPr>
+              <p:cNvCxnSpPr>
+                <a:cxnSpLocks/>
+              </p:cNvCxnSpPr>
+              <p:nvPr/>
+            </p:nvCxnSpPr>
+            <p:spPr>
+              <a:xfrm>
+                <a:off x="7416829" y="5681194"/>
+                <a:ext cx="720000" cy="0"/>
+              </a:xfrm>
+              <a:prstGeom prst="line">
+                <a:avLst/>
+              </a:prstGeom>
+              <a:ln w="34925">
+                <a:solidFill>
+                  <a:schemeClr val="accent6"/>
+                </a:solidFill>
+              </a:ln>
+            </p:spPr>
+            <p:style>
+              <a:lnRef idx="1">
+                <a:schemeClr val="accent1"/>
+              </a:lnRef>
+              <a:fillRef idx="0">
+                <a:schemeClr val="accent1"/>
+              </a:fillRef>
+              <a:effectRef idx="0">
+                <a:schemeClr val="accent1"/>
+              </a:effectRef>
+              <a:fontRef idx="minor">
+                <a:schemeClr val="tx1"/>
+              </a:fontRef>
+            </p:style>
+          </p:cxnSp>
+          <p:cxnSp>
+            <p:nvCxnSpPr>
+              <p:cNvPr id="93" name="Gerader Verbinder 92">
+                <a:extLst>
+                  <a:ext uri="{FF2B5EF4-FFF2-40B4-BE49-F238E27FC236}">
+                    <a16:creationId xmlns:a16="http://schemas.microsoft.com/office/drawing/2014/main" id="{7F7C4EE5-3A88-4F5B-AD24-4146ECB76E2C}"/>
+                  </a:ext>
+                </a:extLst>
+              </p:cNvPr>
+              <p:cNvCxnSpPr>
+                <a:cxnSpLocks/>
+              </p:cNvCxnSpPr>
+              <p:nvPr/>
+            </p:nvCxnSpPr>
+            <p:spPr>
+              <a:xfrm flipH="1">
+                <a:off x="8136829" y="4961194"/>
+                <a:ext cx="0" cy="720000"/>
+              </a:xfrm>
+              <a:prstGeom prst="line">
+                <a:avLst/>
+              </a:prstGeom>
+              <a:ln w="34925">
+                <a:solidFill>
+                  <a:schemeClr val="accent6"/>
+                </a:solidFill>
+              </a:ln>
+            </p:spPr>
+            <p:style>
+              <a:lnRef idx="1">
+                <a:schemeClr val="accent1"/>
+              </a:lnRef>
+              <a:fillRef idx="0">
+                <a:schemeClr val="accent1"/>
+              </a:fillRef>
+              <a:effectRef idx="0">
+                <a:schemeClr val="accent1"/>
+              </a:effectRef>
+              <a:fontRef idx="minor">
+                <a:schemeClr val="tx1"/>
+              </a:fontRef>
+            </p:style>
+          </p:cxnSp>
+          <p:cxnSp>
+            <p:nvCxnSpPr>
+              <p:cNvPr id="96" name="Gerader Verbinder 95">
+                <a:extLst>
+                  <a:ext uri="{FF2B5EF4-FFF2-40B4-BE49-F238E27FC236}">
+                    <a16:creationId xmlns:a16="http://schemas.microsoft.com/office/drawing/2014/main" id="{CF2F164D-7FA9-4487-BACF-E59318D0185F}"/>
+                  </a:ext>
+                </a:extLst>
+              </p:cNvPr>
+              <p:cNvCxnSpPr>
+                <a:cxnSpLocks/>
+              </p:cNvCxnSpPr>
+              <p:nvPr/>
+            </p:nvCxnSpPr>
+            <p:spPr>
+              <a:xfrm>
+                <a:off x="8136829" y="4961194"/>
+                <a:ext cx="720000" cy="0"/>
+              </a:xfrm>
+              <a:prstGeom prst="line">
+                <a:avLst/>
+              </a:prstGeom>
+              <a:ln w="34925">
+                <a:solidFill>
+                  <a:schemeClr val="accent6"/>
+                </a:solidFill>
+              </a:ln>
+            </p:spPr>
+            <p:style>
+              <a:lnRef idx="1">
+                <a:schemeClr val="accent1"/>
+              </a:lnRef>
+              <a:fillRef idx="0">
+                <a:schemeClr val="accent1"/>
+              </a:fillRef>
+              <a:effectRef idx="0">
+                <a:schemeClr val="accent1"/>
+              </a:effectRef>
+              <a:fontRef idx="minor">
+                <a:schemeClr val="tx1"/>
+              </a:fontRef>
+            </p:style>
+          </p:cxnSp>
+          <p:cxnSp>
+            <p:nvCxnSpPr>
+              <p:cNvPr id="102" name="Gerader Verbinder 101">
+                <a:extLst>
+                  <a:ext uri="{FF2B5EF4-FFF2-40B4-BE49-F238E27FC236}">
+                    <a16:creationId xmlns:a16="http://schemas.microsoft.com/office/drawing/2014/main" id="{3BD492A4-3DC1-4956-B1A4-D43D8D5CEDA7}"/>
+                  </a:ext>
+                </a:extLst>
+              </p:cNvPr>
+              <p:cNvCxnSpPr>
+                <a:cxnSpLocks/>
+              </p:cNvCxnSpPr>
+              <p:nvPr/>
+            </p:nvCxnSpPr>
+            <p:spPr>
+              <a:xfrm>
+                <a:off x="6302208" y="5773373"/>
+                <a:ext cx="720000" cy="0"/>
+              </a:xfrm>
+              <a:prstGeom prst="line">
+                <a:avLst/>
+              </a:prstGeom>
+              <a:ln w="34925">
+                <a:solidFill>
+                  <a:srgbClr val="C00000"/>
+                </a:solidFill>
+              </a:ln>
+            </p:spPr>
+            <p:style>
+              <a:lnRef idx="1">
+                <a:schemeClr val="accent1"/>
+              </a:lnRef>
+              <a:fillRef idx="0">
+                <a:schemeClr val="accent1"/>
+              </a:fillRef>
+              <a:effectRef idx="0">
+                <a:schemeClr val="accent1"/>
+              </a:effectRef>
+              <a:fontRef idx="minor">
+                <a:schemeClr val="tx1"/>
+              </a:fontRef>
+            </p:style>
+          </p:cxnSp>
+          <p:cxnSp>
+            <p:nvCxnSpPr>
+              <p:cNvPr id="103" name="Gerader Verbinder 102">
+                <a:extLst>
+                  <a:ext uri="{FF2B5EF4-FFF2-40B4-BE49-F238E27FC236}">
+                    <a16:creationId xmlns:a16="http://schemas.microsoft.com/office/drawing/2014/main" id="{18D539C3-D29C-4791-A115-CE4D9379D050}"/>
+                  </a:ext>
+                </a:extLst>
+              </p:cNvPr>
+              <p:cNvCxnSpPr>
+                <a:cxnSpLocks/>
+              </p:cNvCxnSpPr>
+              <p:nvPr/>
+            </p:nvCxnSpPr>
+            <p:spPr>
+              <a:xfrm flipH="1" flipV="1">
+                <a:off x="7022208" y="5773373"/>
+                <a:ext cx="0" cy="719999"/>
+              </a:xfrm>
+              <a:prstGeom prst="line">
+                <a:avLst/>
+              </a:prstGeom>
+              <a:ln w="34925">
+                <a:solidFill>
+                  <a:srgbClr val="C00000"/>
+                </a:solidFill>
+              </a:ln>
+            </p:spPr>
+            <p:style>
+              <a:lnRef idx="1">
+                <a:schemeClr val="accent1"/>
+              </a:lnRef>
+              <a:fillRef idx="0">
+                <a:schemeClr val="accent1"/>
+              </a:fillRef>
+              <a:effectRef idx="0">
+                <a:schemeClr val="accent1"/>
+              </a:effectRef>
+              <a:fontRef idx="minor">
+                <a:schemeClr val="tx1"/>
+              </a:fontRef>
+            </p:style>
+          </p:cxnSp>
+          <p:cxnSp>
+            <p:nvCxnSpPr>
+              <p:cNvPr id="104" name="Gerader Verbinder 103">
+                <a:extLst>
+                  <a:ext uri="{FF2B5EF4-FFF2-40B4-BE49-F238E27FC236}">
+                    <a16:creationId xmlns:a16="http://schemas.microsoft.com/office/drawing/2014/main" id="{D9CD3D60-110D-4F76-A96E-1CA861B2FE2E}"/>
+                  </a:ext>
+                </a:extLst>
+              </p:cNvPr>
+              <p:cNvCxnSpPr/>
+              <p:nvPr/>
+            </p:nvCxnSpPr>
+            <p:spPr>
+              <a:xfrm flipV="1">
+                <a:off x="6302208" y="5773373"/>
+                <a:ext cx="0" cy="720000"/>
+              </a:xfrm>
+              <a:prstGeom prst="line">
+                <a:avLst/>
+              </a:prstGeom>
+              <a:ln w="34925">
+                <a:solidFill>
+                  <a:srgbClr val="C00000"/>
+                </a:solidFill>
+              </a:ln>
+            </p:spPr>
+            <p:style>
+              <a:lnRef idx="1">
+                <a:schemeClr val="accent1"/>
+              </a:lnRef>
+              <a:fillRef idx="0">
+                <a:schemeClr val="accent1"/>
+              </a:fillRef>
+              <a:effectRef idx="0">
+                <a:schemeClr val="accent1"/>
+              </a:effectRef>
+              <a:fontRef idx="minor">
+                <a:schemeClr val="tx1"/>
+              </a:fontRef>
+            </p:style>
+          </p:cxnSp>
+          <p:cxnSp>
+            <p:nvCxnSpPr>
+              <p:cNvPr id="105" name="Gerader Verbinder 104">
+                <a:extLst>
+                  <a:ext uri="{FF2B5EF4-FFF2-40B4-BE49-F238E27FC236}">
+                    <a16:creationId xmlns:a16="http://schemas.microsoft.com/office/drawing/2014/main" id="{C771569F-4888-4A42-9061-25E4B08F8103}"/>
+                  </a:ext>
+                </a:extLst>
+              </p:cNvPr>
+              <p:cNvCxnSpPr>
+                <a:cxnSpLocks/>
+              </p:cNvCxnSpPr>
+              <p:nvPr/>
+            </p:nvCxnSpPr>
+            <p:spPr>
+              <a:xfrm>
+                <a:off x="7022208" y="6493372"/>
+                <a:ext cx="720000" cy="0"/>
+              </a:xfrm>
+              <a:prstGeom prst="line">
+                <a:avLst/>
+              </a:prstGeom>
+              <a:ln w="34925">
+                <a:solidFill>
+                  <a:srgbClr val="C00000"/>
+                </a:solidFill>
+              </a:ln>
+            </p:spPr>
+            <p:style>
+              <a:lnRef idx="1">
+                <a:schemeClr val="accent1"/>
+              </a:lnRef>
+              <a:fillRef idx="0">
+                <a:schemeClr val="accent1"/>
+              </a:fillRef>
+              <a:effectRef idx="0">
+                <a:schemeClr val="accent1"/>
+              </a:effectRef>
+              <a:fontRef idx="minor">
+                <a:schemeClr val="tx1"/>
+              </a:fontRef>
+            </p:style>
+          </p:cxnSp>
+          <p:cxnSp>
+            <p:nvCxnSpPr>
+              <p:cNvPr id="106" name="Gerader Verbinder 105">
+                <a:extLst>
+                  <a:ext uri="{FF2B5EF4-FFF2-40B4-BE49-F238E27FC236}">
+                    <a16:creationId xmlns:a16="http://schemas.microsoft.com/office/drawing/2014/main" id="{6B514F4E-6637-41D7-A8C9-D751D50248D1}"/>
+                  </a:ext>
+                </a:extLst>
+              </p:cNvPr>
+              <p:cNvCxnSpPr>
+                <a:cxnSpLocks/>
+              </p:cNvCxnSpPr>
+              <p:nvPr/>
+            </p:nvCxnSpPr>
+            <p:spPr>
+              <a:xfrm flipH="1">
+                <a:off x="7742208" y="5773372"/>
+                <a:ext cx="0" cy="720000"/>
+              </a:xfrm>
+              <a:prstGeom prst="line">
+                <a:avLst/>
+              </a:prstGeom>
+              <a:ln w="34925">
+                <a:solidFill>
+                  <a:srgbClr val="C00000"/>
+                </a:solidFill>
+              </a:ln>
+            </p:spPr>
+            <p:style>
+              <a:lnRef idx="1">
+                <a:schemeClr val="accent1"/>
+              </a:lnRef>
+              <a:fillRef idx="0">
+                <a:schemeClr val="accent1"/>
+              </a:fillRef>
+              <a:effectRef idx="0">
+                <a:schemeClr val="accent1"/>
+              </a:effectRef>
+              <a:fontRef idx="minor">
+                <a:schemeClr val="tx1"/>
+              </a:fontRef>
+            </p:style>
+          </p:cxnSp>
+          <p:cxnSp>
+            <p:nvCxnSpPr>
+              <p:cNvPr id="107" name="Gerader Verbinder 106">
+                <a:extLst>
+                  <a:ext uri="{FF2B5EF4-FFF2-40B4-BE49-F238E27FC236}">
+                    <a16:creationId xmlns:a16="http://schemas.microsoft.com/office/drawing/2014/main" id="{FACEEDC5-30F3-483B-ACFF-BC1B7D9B1738}"/>
+                  </a:ext>
+                </a:extLst>
+              </p:cNvPr>
+              <p:cNvCxnSpPr>
+                <a:cxnSpLocks/>
+              </p:cNvCxnSpPr>
+              <p:nvPr/>
+            </p:nvCxnSpPr>
+            <p:spPr>
+              <a:xfrm>
+                <a:off x="7742208" y="5773372"/>
+                <a:ext cx="720000" cy="0"/>
+              </a:xfrm>
+              <a:prstGeom prst="line">
+                <a:avLst/>
+              </a:prstGeom>
+              <a:ln w="34925">
+                <a:solidFill>
+                  <a:srgbClr val="C00000"/>
+                </a:solidFill>
+              </a:ln>
+            </p:spPr>
+            <p:style>
+              <a:lnRef idx="1">
+                <a:schemeClr val="accent1"/>
+              </a:lnRef>
+              <a:fillRef idx="0">
+                <a:schemeClr val="accent1"/>
+              </a:fillRef>
+              <a:effectRef idx="0">
+                <a:schemeClr val="accent1"/>
+              </a:effectRef>
+              <a:fontRef idx="minor">
+                <a:schemeClr val="tx1"/>
+              </a:fontRef>
+            </p:style>
+          </p:cxnSp>
+          <p:cxnSp>
+            <p:nvCxnSpPr>
+              <p:cNvPr id="108" name="Gerader Verbinder 107">
+                <a:extLst>
+                  <a:ext uri="{FF2B5EF4-FFF2-40B4-BE49-F238E27FC236}">
+                    <a16:creationId xmlns:a16="http://schemas.microsoft.com/office/drawing/2014/main" id="{5F6E254E-3AEF-4E9C-A948-CFB266EAC14A}"/>
+                  </a:ext>
+                </a:extLst>
+              </p:cNvPr>
+              <p:cNvCxnSpPr/>
+              <p:nvPr/>
+            </p:nvCxnSpPr>
+            <p:spPr>
+              <a:xfrm flipV="1">
+                <a:off x="8856829" y="4961194"/>
+                <a:ext cx="0" cy="720000"/>
+              </a:xfrm>
+              <a:prstGeom prst="line">
+                <a:avLst/>
+              </a:prstGeom>
+              <a:ln w="34925">
+                <a:solidFill>
+                  <a:schemeClr val="accent6"/>
+                </a:solidFill>
+              </a:ln>
+            </p:spPr>
+            <p:style>
+              <a:lnRef idx="1">
+                <a:schemeClr val="accent1"/>
+              </a:lnRef>
+              <a:fillRef idx="0">
+                <a:schemeClr val="accent1"/>
+              </a:fillRef>
+              <a:effectRef idx="0">
+                <a:schemeClr val="accent1"/>
+              </a:effectRef>
+              <a:fontRef idx="minor">
+                <a:schemeClr val="tx1"/>
+              </a:fontRef>
+            </p:style>
+          </p:cxnSp>
+          <p:cxnSp>
+            <p:nvCxnSpPr>
+              <p:cNvPr id="109" name="Gerader Verbinder 108">
+                <a:extLst>
+                  <a:ext uri="{FF2B5EF4-FFF2-40B4-BE49-F238E27FC236}">
+                    <a16:creationId xmlns:a16="http://schemas.microsoft.com/office/drawing/2014/main" id="{9C5C6B77-40BE-484A-B262-189D1A04BDF1}"/>
+                  </a:ext>
+                </a:extLst>
+              </p:cNvPr>
+              <p:cNvCxnSpPr/>
+              <p:nvPr/>
+            </p:nvCxnSpPr>
+            <p:spPr>
+              <a:xfrm flipV="1">
+                <a:off x="8462208" y="5773372"/>
+                <a:ext cx="0" cy="720000"/>
+              </a:xfrm>
+              <a:prstGeom prst="line">
+                <a:avLst/>
+              </a:prstGeom>
+              <a:ln w="34925">
+                <a:solidFill>
+                  <a:srgbClr val="C00000"/>
+                </a:solidFill>
+              </a:ln>
+            </p:spPr>
+            <p:style>
+              <a:lnRef idx="1">
+                <a:schemeClr val="accent1"/>
+              </a:lnRef>
+              <a:fillRef idx="0">
+                <a:schemeClr val="accent1"/>
+              </a:fillRef>
+              <a:effectRef idx="0">
+                <a:schemeClr val="accent1"/>
+              </a:effectRef>
+              <a:fontRef idx="minor">
+                <a:schemeClr val="tx1"/>
+              </a:fontRef>
+            </p:style>
+          </p:cxnSp>
+        </p:grpSp>
+      </p:grpSp>
+    </p:spTree>
+    <p:extLst>
+      <p:ext uri="{BB962C8B-B14F-4D97-AF65-F5344CB8AC3E}">
+        <p14:creationId xmlns:p14="http://schemas.microsoft.com/office/powerpoint/2010/main" val="70988750"/>
+      </p:ext>
+    </p:extLst>
+  </p:cSld>
+  <p:clrMapOvr>
+    <a:masterClrMapping/>
+  </p:clrMapOvr>
+</p:sld>
+</file>
+
+<file path=ppt/slides/slide7.xml><?xml version="1.0" encoding="utf-8"?>
+<p:sld xmlns:a="http://schemas.openxmlformats.org/drawingml/2006/main" xmlns:r="http://schemas.openxmlformats.org/officeDocument/2006/relationships" xmlns:p="http://schemas.openxmlformats.org/presentationml/2006/main">
+  <p:cSld>
+    <p:spTree>
+      <p:nvGrpSpPr>
+        <p:cNvPr id="1" name=""/>
+        <p:cNvGrpSpPr/>
+        <p:nvPr/>
+      </p:nvGrpSpPr>
+      <p:grpSpPr>
+        <a:xfrm>
+          <a:off x="0" y="0"/>
+          <a:ext cx="0" cy="0"/>
+          <a:chOff x="0" y="0"/>
+          <a:chExt cx="0" cy="0"/>
+        </a:xfrm>
+      </p:grpSpPr>
+      <p:sp>
+        <p:nvSpPr>
+          <p:cNvPr id="2" name="Titel 1">
+            <a:extLst>
+              <a:ext uri="{FF2B5EF4-FFF2-40B4-BE49-F238E27FC236}">
                 <a16:creationId xmlns:a16="http://schemas.microsoft.com/office/drawing/2014/main" id="{916125A6-1FA7-4056-BDB6-5FD06EF80595}"/>
               </a:ext>
             </a:extLst>
@@ -7209,7 +9324,95 @@
 </p:sld>
 </file>
 
-<file path=ppt/slides/slide7.xml><?xml version="1.0" encoding="utf-8"?>
+<file path=ppt/slides/slide8.xml><?xml version="1.0" encoding="utf-8"?>
+<p:sld xmlns:a="http://schemas.openxmlformats.org/drawingml/2006/main" xmlns:r="http://schemas.openxmlformats.org/officeDocument/2006/relationships" xmlns:p="http://schemas.openxmlformats.org/presentationml/2006/main">
+  <p:cSld>
+    <p:spTree>
+      <p:nvGrpSpPr>
+        <p:cNvPr id="1" name=""/>
+        <p:cNvGrpSpPr/>
+        <p:nvPr/>
+      </p:nvGrpSpPr>
+      <p:grpSpPr>
+        <a:xfrm>
+          <a:off x="0" y="0"/>
+          <a:ext cx="0" cy="0"/>
+          <a:chOff x="0" y="0"/>
+          <a:chExt cx="0" cy="0"/>
+        </a:xfrm>
+      </p:grpSpPr>
+      <p:sp>
+        <p:nvSpPr>
+          <p:cNvPr id="2" name="Titel 1">
+            <a:extLst>
+              <a:ext uri="{FF2B5EF4-FFF2-40B4-BE49-F238E27FC236}">
+                <a16:creationId xmlns:a16="http://schemas.microsoft.com/office/drawing/2014/main" id="{7BD8B880-E3DD-4AD4-82B4-3CF715419AE0}"/>
+              </a:ext>
+            </a:extLst>
+          </p:cNvPr>
+          <p:cNvSpPr>
+            <a:spLocks noGrp="1"/>
+          </p:cNvSpPr>
+          <p:nvPr>
+            <p:ph type="title"/>
+          </p:nvPr>
+        </p:nvSpPr>
+        <p:spPr/>
+        <p:txBody>
+          <a:bodyPr/>
+          <a:lstStyle/>
+          <a:p>
+            <a:r>
+              <a:rPr lang="de-DE" dirty="0" err="1"/>
+              <a:t>Gearbox</a:t>
+            </a:r>
+            <a:endParaRPr lang="de-DE" dirty="0"/>
+          </a:p>
+        </p:txBody>
+      </p:sp>
+      <p:pic>
+        <p:nvPicPr>
+          <p:cNvPr id="5" name="Grafik 4">
+            <a:extLst>
+              <a:ext uri="{FF2B5EF4-FFF2-40B4-BE49-F238E27FC236}">
+                <a16:creationId xmlns:a16="http://schemas.microsoft.com/office/drawing/2014/main" id="{09349727-6190-4C25-A04C-F3715BADEDD1}"/>
+              </a:ext>
+            </a:extLst>
+          </p:cNvPr>
+          <p:cNvPicPr>
+            <a:picLocks noChangeAspect="1"/>
+          </p:cNvPicPr>
+          <p:nvPr/>
+        </p:nvPicPr>
+        <p:blipFill rotWithShape="1">
+          <a:blip r:embed="rId2"/>
+          <a:srcRect l="510" t="816" r="1645" b="1944"/>
+          <a:stretch/>
+        </p:blipFill>
+        <p:spPr>
+          <a:xfrm>
+            <a:off x="2591897" y="1644606"/>
+            <a:ext cx="6170556" cy="4539108"/>
+          </a:xfrm>
+          <a:prstGeom prst="rect">
+            <a:avLst/>
+          </a:prstGeom>
+        </p:spPr>
+      </p:pic>
+    </p:spTree>
+    <p:extLst>
+      <p:ext uri="{BB962C8B-B14F-4D97-AF65-F5344CB8AC3E}">
+        <p14:creationId xmlns:p14="http://schemas.microsoft.com/office/powerpoint/2010/main" val="258560925"/>
+      </p:ext>
+    </p:extLst>
+  </p:cSld>
+  <p:clrMapOvr>
+    <a:masterClrMapping/>
+  </p:clrMapOvr>
+</p:sld>
+</file>
+
+<file path=ppt/slides/slide9.xml><?xml version="1.0" encoding="utf-8"?>
 <p:sld xmlns:a="http://schemas.openxmlformats.org/drawingml/2006/main" xmlns:r="http://schemas.openxmlformats.org/officeDocument/2006/relationships" xmlns:p="http://schemas.openxmlformats.org/presentationml/2006/main">
   <p:cSld>
     <p:spTree>
